--- a/articles/201512/basic-gate.pptx
+++ b/articles/201512/basic-gate.pptx
@@ -6,6 +6,8 @@
   </p:sldMasterIdLst>
   <p:sldIdLst>
     <p:sldId id="256" r:id="rId2"/>
+    <p:sldId id="257" r:id="rId3"/>
+    <p:sldId id="258" r:id="rId4"/>
   </p:sldIdLst>
   <p:sldSz cx="9144000" cy="6858000" type="screen4x3"/>
   <p:notesSz cx="6858000" cy="9144000"/>
@@ -6789,6 +6791,8586 @@
 </p:sld>
 </file>
 
+<file path=ppt/slides/slide2.xml><?xml version="1.0" encoding="utf-8"?>
+<p:sld xmlns:a="http://schemas.openxmlformats.org/drawingml/2006/main" xmlns:r="http://schemas.openxmlformats.org/officeDocument/2006/relationships" xmlns:p="http://schemas.openxmlformats.org/presentationml/2006/main">
+  <p:cSld>
+    <p:spTree>
+      <p:nvGrpSpPr>
+        <p:cNvPr id="1" name=""/>
+        <p:cNvGrpSpPr/>
+        <p:nvPr/>
+      </p:nvGrpSpPr>
+      <p:grpSpPr>
+        <a:xfrm>
+          <a:off x="0" y="0"/>
+          <a:ext cx="0" cy="0"/>
+          <a:chOff x="0" y="0"/>
+          <a:chExt cx="0" cy="0"/>
+        </a:xfrm>
+      </p:grpSpPr>
+      <p:sp>
+        <p:nvSpPr>
+          <p:cNvPr id="76" name="テキスト ボックス 75"/>
+          <p:cNvSpPr txBox="1"/>
+          <p:nvPr/>
+        </p:nvSpPr>
+        <p:spPr>
+          <a:xfrm>
+            <a:off x="1763566" y="2529300"/>
+            <a:ext cx="246432" cy="369332"/>
+          </a:xfrm>
+          <a:prstGeom prst="rect">
+            <a:avLst/>
+          </a:prstGeom>
+          <a:noFill/>
+        </p:spPr>
+        <p:txBody>
+          <a:bodyPr wrap="none" rtlCol="0">
+            <a:spAutoFit/>
+          </a:bodyPr>
+          <a:lstStyle/>
+          <a:p>
+            <a:r>
+              <a:rPr kumimoji="1" lang="en-US" altLang="ja-JP" dirty="0" smtClean="0"/>
+              <a:t>:</a:t>
+            </a:r>
+            <a:endParaRPr kumimoji="1" lang="ja-JP" altLang="en-US" dirty="0"/>
+          </a:p>
+        </p:txBody>
+      </p:sp>
+      <p:grpSp>
+        <p:nvGrpSpPr>
+          <p:cNvPr id="51" name="図形グループ 50"/>
+          <p:cNvGrpSpPr/>
+          <p:nvPr/>
+        </p:nvGrpSpPr>
+        <p:grpSpPr>
+          <a:xfrm>
+            <a:off x="2035396" y="2280917"/>
+            <a:ext cx="1019845" cy="762000"/>
+            <a:chOff x="2495550" y="3385820"/>
+            <a:chExt cx="1019845" cy="762000"/>
+          </a:xfrm>
+        </p:grpSpPr>
+        <p:sp>
+          <p:nvSpPr>
+            <p:cNvPr id="4" name="円弧 3"/>
+            <p:cNvSpPr/>
+            <p:nvPr/>
+          </p:nvSpPr>
+          <p:spPr>
+            <a:xfrm>
+              <a:off x="2692435" y="3385820"/>
+              <a:ext cx="822960" cy="760730"/>
+            </a:xfrm>
+            <a:prstGeom prst="arc">
+              <a:avLst>
+                <a:gd name="adj1" fmla="val 16200000"/>
+                <a:gd name="adj2" fmla="val 5440160"/>
+              </a:avLst>
+            </a:prstGeom>
+            <a:ln>
+              <a:solidFill>
+                <a:schemeClr val="tx1"/>
+              </a:solidFill>
+            </a:ln>
+            <a:effectLst/>
+          </p:spPr>
+          <p:style>
+            <a:lnRef idx="2">
+              <a:schemeClr val="accent1"/>
+            </a:lnRef>
+            <a:fillRef idx="0">
+              <a:schemeClr val="accent1"/>
+            </a:fillRef>
+            <a:effectRef idx="1">
+              <a:schemeClr val="accent1"/>
+            </a:effectRef>
+            <a:fontRef idx="minor">
+              <a:schemeClr val="tx1"/>
+            </a:fontRef>
+          </p:style>
+          <p:txBody>
+            <a:bodyPr/>
+            <a:lstStyle/>
+            <a:p>
+              <a:endParaRPr lang="ja-JP" altLang="en-US" dirty="0"/>
+            </a:p>
+          </p:txBody>
+        </p:sp>
+        <p:cxnSp>
+          <p:nvCxnSpPr>
+            <p:cNvPr id="5" name="直線コネクタ 4"/>
+            <p:cNvCxnSpPr>
+              <a:endCxn id="4" idx="0"/>
+            </p:cNvCxnSpPr>
+            <p:nvPr/>
+          </p:nvCxnSpPr>
+          <p:spPr>
+            <a:xfrm>
+              <a:off x="2495550" y="3385820"/>
+              <a:ext cx="608365" cy="0"/>
+            </a:xfrm>
+            <a:prstGeom prst="line">
+              <a:avLst/>
+            </a:prstGeom>
+            <a:ln>
+              <a:solidFill>
+                <a:schemeClr val="tx1"/>
+              </a:solidFill>
+            </a:ln>
+            <a:effectLst/>
+          </p:spPr>
+          <p:style>
+            <a:lnRef idx="2">
+              <a:schemeClr val="accent1"/>
+            </a:lnRef>
+            <a:fillRef idx="0">
+              <a:schemeClr val="accent1"/>
+            </a:fillRef>
+            <a:effectRef idx="1">
+              <a:schemeClr val="accent1"/>
+            </a:effectRef>
+            <a:fontRef idx="minor">
+              <a:schemeClr val="tx1"/>
+            </a:fontRef>
+          </p:style>
+        </p:cxnSp>
+        <p:cxnSp>
+          <p:nvCxnSpPr>
+            <p:cNvPr id="9" name="直線コネクタ 8"/>
+            <p:cNvCxnSpPr/>
+            <p:nvPr/>
+          </p:nvCxnSpPr>
+          <p:spPr>
+            <a:xfrm>
+              <a:off x="2501900" y="3387090"/>
+              <a:ext cx="0" cy="760730"/>
+            </a:xfrm>
+            <a:prstGeom prst="line">
+              <a:avLst/>
+            </a:prstGeom>
+            <a:ln>
+              <a:solidFill>
+                <a:schemeClr val="tx1"/>
+              </a:solidFill>
+            </a:ln>
+            <a:effectLst/>
+          </p:spPr>
+          <p:style>
+            <a:lnRef idx="2">
+              <a:schemeClr val="accent1"/>
+            </a:lnRef>
+            <a:fillRef idx="0">
+              <a:schemeClr val="accent1"/>
+            </a:fillRef>
+            <a:effectRef idx="1">
+              <a:schemeClr val="accent1"/>
+            </a:effectRef>
+            <a:fontRef idx="minor">
+              <a:schemeClr val="tx1"/>
+            </a:fontRef>
+          </p:style>
+        </p:cxnSp>
+        <p:cxnSp>
+          <p:nvCxnSpPr>
+            <p:cNvPr id="12" name="直線コネクタ 11"/>
+            <p:cNvCxnSpPr>
+              <a:endCxn id="4" idx="2"/>
+            </p:cNvCxnSpPr>
+            <p:nvPr/>
+          </p:nvCxnSpPr>
+          <p:spPr>
+            <a:xfrm flipV="1">
+              <a:off x="2495550" y="4146528"/>
+              <a:ext cx="603922" cy="1292"/>
+            </a:xfrm>
+            <a:prstGeom prst="line">
+              <a:avLst/>
+            </a:prstGeom>
+            <a:ln>
+              <a:solidFill>
+                <a:schemeClr val="tx1"/>
+              </a:solidFill>
+            </a:ln>
+            <a:effectLst/>
+          </p:spPr>
+          <p:style>
+            <a:lnRef idx="2">
+              <a:schemeClr val="accent1"/>
+            </a:lnRef>
+            <a:fillRef idx="0">
+              <a:schemeClr val="accent1"/>
+            </a:fillRef>
+            <a:effectRef idx="1">
+              <a:schemeClr val="accent1"/>
+            </a:effectRef>
+            <a:fontRef idx="minor">
+              <a:schemeClr val="tx1"/>
+            </a:fontRef>
+          </p:style>
+        </p:cxnSp>
+      </p:grpSp>
+      <p:grpSp>
+        <p:nvGrpSpPr>
+          <p:cNvPr id="55" name="図形グループ 54"/>
+          <p:cNvGrpSpPr/>
+          <p:nvPr/>
+        </p:nvGrpSpPr>
+        <p:grpSpPr>
+          <a:xfrm>
+            <a:off x="5590039" y="261621"/>
+            <a:ext cx="749267" cy="763268"/>
+            <a:chOff x="2501900" y="1345566"/>
+            <a:chExt cx="749267" cy="763268"/>
+          </a:xfrm>
+        </p:grpSpPr>
+        <p:sp>
+          <p:nvSpPr>
+            <p:cNvPr id="44" name="二等辺三角形 43"/>
+            <p:cNvSpPr/>
+            <p:nvPr/>
+          </p:nvSpPr>
+          <p:spPr>
+            <a:xfrm rot="5400000">
+              <a:off x="2441559" y="1405907"/>
+              <a:ext cx="763268" cy="642586"/>
+            </a:xfrm>
+            <a:prstGeom prst="triangle">
+              <a:avLst>
+                <a:gd name="adj" fmla="val 49228"/>
+              </a:avLst>
+            </a:prstGeom>
+            <a:noFill/>
+            <a:ln w="25400">
+              <a:solidFill>
+                <a:schemeClr val="tx1"/>
+              </a:solidFill>
+            </a:ln>
+            <a:effectLst/>
+          </p:spPr>
+          <p:style>
+            <a:lnRef idx="1">
+              <a:schemeClr val="accent1"/>
+            </a:lnRef>
+            <a:fillRef idx="3">
+              <a:schemeClr val="accent1"/>
+            </a:fillRef>
+            <a:effectRef idx="2">
+              <a:schemeClr val="accent1"/>
+            </a:effectRef>
+            <a:fontRef idx="minor">
+              <a:schemeClr val="lt1"/>
+            </a:fontRef>
+          </p:style>
+          <p:txBody>
+            <a:bodyPr/>
+            <a:lstStyle/>
+            <a:p>
+              <a:endParaRPr lang="ja-JP" altLang="en-US"/>
+            </a:p>
+          </p:txBody>
+        </p:sp>
+        <p:sp>
+          <p:nvSpPr>
+            <p:cNvPr id="45" name="円/楕円 44"/>
+            <p:cNvSpPr/>
+            <p:nvPr/>
+          </p:nvSpPr>
+          <p:spPr>
+            <a:xfrm>
+              <a:off x="3144486" y="1673225"/>
+              <a:ext cx="106681" cy="107950"/>
+            </a:xfrm>
+            <a:prstGeom prst="ellipse">
+              <a:avLst/>
+            </a:prstGeom>
+            <a:noFill/>
+            <a:ln w="22225">
+              <a:solidFill>
+                <a:schemeClr val="tx1"/>
+              </a:solidFill>
+            </a:ln>
+            <a:effectLst/>
+          </p:spPr>
+          <p:style>
+            <a:lnRef idx="1">
+              <a:schemeClr val="accent1"/>
+            </a:lnRef>
+            <a:fillRef idx="3">
+              <a:schemeClr val="accent1"/>
+            </a:fillRef>
+            <a:effectRef idx="2">
+              <a:schemeClr val="accent1"/>
+            </a:effectRef>
+            <a:fontRef idx="minor">
+              <a:schemeClr val="lt1"/>
+            </a:fontRef>
+          </p:style>
+          <p:txBody>
+            <a:bodyPr/>
+            <a:lstStyle/>
+            <a:p>
+              <a:endParaRPr lang="ja-JP" altLang="en-US" dirty="0"/>
+            </a:p>
+          </p:txBody>
+        </p:sp>
+      </p:grpSp>
+      <p:cxnSp>
+        <p:nvCxnSpPr>
+          <p:cNvPr id="72" name="直線コネクタ 71"/>
+          <p:cNvCxnSpPr/>
+          <p:nvPr/>
+        </p:nvCxnSpPr>
+        <p:spPr>
+          <a:xfrm>
+            <a:off x="1750916" y="2407920"/>
+            <a:ext cx="284480" cy="0"/>
+          </a:xfrm>
+          <a:prstGeom prst="line">
+            <a:avLst/>
+          </a:prstGeom>
+          <a:ln>
+            <a:solidFill>
+              <a:schemeClr val="tx1"/>
+            </a:solidFill>
+          </a:ln>
+          <a:effectLst/>
+        </p:spPr>
+        <p:style>
+          <a:lnRef idx="2">
+            <a:schemeClr val="accent1"/>
+          </a:lnRef>
+          <a:fillRef idx="0">
+            <a:schemeClr val="accent1"/>
+          </a:fillRef>
+          <a:effectRef idx="1">
+            <a:schemeClr val="accent1"/>
+          </a:effectRef>
+          <a:fontRef idx="minor">
+            <a:schemeClr val="tx1"/>
+          </a:fontRef>
+        </p:style>
+      </p:cxnSp>
+      <p:cxnSp>
+        <p:nvCxnSpPr>
+          <p:cNvPr id="74" name="直線コネクタ 73"/>
+          <p:cNvCxnSpPr/>
+          <p:nvPr/>
+        </p:nvCxnSpPr>
+        <p:spPr>
+          <a:xfrm>
+            <a:off x="1750916" y="2580640"/>
+            <a:ext cx="284480" cy="0"/>
+          </a:xfrm>
+          <a:prstGeom prst="line">
+            <a:avLst/>
+          </a:prstGeom>
+          <a:ln>
+            <a:solidFill>
+              <a:schemeClr val="tx1"/>
+            </a:solidFill>
+          </a:ln>
+          <a:effectLst/>
+        </p:spPr>
+        <p:style>
+          <a:lnRef idx="2">
+            <a:schemeClr val="accent1"/>
+          </a:lnRef>
+          <a:fillRef idx="0">
+            <a:schemeClr val="accent1"/>
+          </a:fillRef>
+          <a:effectRef idx="1">
+            <a:schemeClr val="accent1"/>
+          </a:effectRef>
+          <a:fontRef idx="minor">
+            <a:schemeClr val="tx1"/>
+          </a:fontRef>
+        </p:style>
+      </p:cxnSp>
+      <p:cxnSp>
+        <p:nvCxnSpPr>
+          <p:cNvPr id="75" name="直線コネクタ 74"/>
+          <p:cNvCxnSpPr/>
+          <p:nvPr/>
+        </p:nvCxnSpPr>
+        <p:spPr>
+          <a:xfrm>
+            <a:off x="1761076" y="2922270"/>
+            <a:ext cx="284480" cy="0"/>
+          </a:xfrm>
+          <a:prstGeom prst="line">
+            <a:avLst/>
+          </a:prstGeom>
+          <a:ln>
+            <a:solidFill>
+              <a:schemeClr val="tx1"/>
+            </a:solidFill>
+          </a:ln>
+          <a:effectLst/>
+        </p:spPr>
+        <p:style>
+          <a:lnRef idx="2">
+            <a:schemeClr val="accent1"/>
+          </a:lnRef>
+          <a:fillRef idx="0">
+            <a:schemeClr val="accent1"/>
+          </a:fillRef>
+          <a:effectRef idx="1">
+            <a:schemeClr val="accent1"/>
+          </a:effectRef>
+          <a:fontRef idx="minor">
+            <a:schemeClr val="tx1"/>
+          </a:fontRef>
+        </p:style>
+      </p:cxnSp>
+      <p:cxnSp>
+        <p:nvCxnSpPr>
+          <p:cNvPr id="77" name="直線コネクタ 76"/>
+          <p:cNvCxnSpPr/>
+          <p:nvPr/>
+        </p:nvCxnSpPr>
+        <p:spPr>
+          <a:xfrm>
+            <a:off x="3055241" y="2668270"/>
+            <a:ext cx="284480" cy="0"/>
+          </a:xfrm>
+          <a:prstGeom prst="line">
+            <a:avLst/>
+          </a:prstGeom>
+          <a:ln>
+            <a:solidFill>
+              <a:schemeClr val="tx1"/>
+            </a:solidFill>
+          </a:ln>
+          <a:effectLst/>
+        </p:spPr>
+        <p:style>
+          <a:lnRef idx="2">
+            <a:schemeClr val="accent1"/>
+          </a:lnRef>
+          <a:fillRef idx="0">
+            <a:schemeClr val="accent1"/>
+          </a:fillRef>
+          <a:effectRef idx="1">
+            <a:schemeClr val="accent1"/>
+          </a:effectRef>
+          <a:fontRef idx="minor">
+            <a:schemeClr val="tx1"/>
+          </a:fontRef>
+        </p:style>
+      </p:cxnSp>
+      <p:sp>
+        <p:nvSpPr>
+          <p:cNvPr id="79" name="テキスト ボックス 78"/>
+          <p:cNvSpPr txBox="1"/>
+          <p:nvPr/>
+        </p:nvSpPr>
+        <p:spPr>
+          <a:xfrm>
+            <a:off x="1515717" y="2246629"/>
+            <a:ext cx="307625" cy="276999"/>
+          </a:xfrm>
+          <a:prstGeom prst="rect">
+            <a:avLst/>
+          </a:prstGeom>
+          <a:noFill/>
+        </p:spPr>
+        <p:txBody>
+          <a:bodyPr wrap="none" rtlCol="0">
+            <a:spAutoFit/>
+          </a:bodyPr>
+          <a:lstStyle/>
+          <a:p>
+            <a:r>
+              <a:rPr kumimoji="1" lang="en-US" altLang="ja-JP" sz="1200" i="1" dirty="0" smtClean="0">
+                <a:latin typeface="Book Antiqua"/>
+                <a:cs typeface="Book Antiqua"/>
+              </a:rPr>
+              <a:t>i</a:t>
+            </a:r>
+            <a:r>
+              <a:rPr kumimoji="1" lang="en-US" altLang="ja-JP" sz="1200" i="1" baseline="-25000" dirty="0" smtClean="0">
+                <a:latin typeface="Book Antiqua"/>
+                <a:cs typeface="Book Antiqua"/>
+              </a:rPr>
+              <a:t>1</a:t>
+            </a:r>
+            <a:endParaRPr kumimoji="1" lang="ja-JP" altLang="en-US" sz="1200" i="1" baseline="-25000" dirty="0">
+              <a:latin typeface="Book Antiqua"/>
+              <a:cs typeface="Book Antiqua"/>
+            </a:endParaRPr>
+          </a:p>
+        </p:txBody>
+      </p:sp>
+      <p:sp>
+        <p:nvSpPr>
+          <p:cNvPr id="81" name="テキスト ボックス 80"/>
+          <p:cNvSpPr txBox="1"/>
+          <p:nvPr/>
+        </p:nvSpPr>
+        <p:spPr>
+          <a:xfrm>
+            <a:off x="1515717" y="2423298"/>
+            <a:ext cx="307625" cy="276999"/>
+          </a:xfrm>
+          <a:prstGeom prst="rect">
+            <a:avLst/>
+          </a:prstGeom>
+          <a:noFill/>
+        </p:spPr>
+        <p:txBody>
+          <a:bodyPr wrap="none" rtlCol="0">
+            <a:spAutoFit/>
+          </a:bodyPr>
+          <a:lstStyle/>
+          <a:p>
+            <a:r>
+              <a:rPr kumimoji="1" lang="en-US" altLang="ja-JP" sz="1200" i="1" dirty="0" smtClean="0">
+                <a:latin typeface="Book Antiqua"/>
+                <a:cs typeface="Book Antiqua"/>
+              </a:rPr>
+              <a:t>i</a:t>
+            </a:r>
+            <a:r>
+              <a:rPr kumimoji="1" lang="en-US" altLang="ja-JP" sz="1200" i="1" baseline="-25000" dirty="0" smtClean="0">
+                <a:latin typeface="Book Antiqua"/>
+                <a:cs typeface="Book Antiqua"/>
+              </a:rPr>
+              <a:t>2</a:t>
+            </a:r>
+            <a:endParaRPr kumimoji="1" lang="ja-JP" altLang="en-US" sz="1200" i="1" baseline="-25000" dirty="0">
+              <a:latin typeface="Book Antiqua"/>
+              <a:cs typeface="Book Antiqua"/>
+            </a:endParaRPr>
+          </a:p>
+        </p:txBody>
+      </p:sp>
+      <p:sp>
+        <p:nvSpPr>
+          <p:cNvPr id="82" name="テキスト ボックス 81"/>
+          <p:cNvSpPr txBox="1"/>
+          <p:nvPr/>
+        </p:nvSpPr>
+        <p:spPr>
+          <a:xfrm>
+            <a:off x="1515717" y="2760132"/>
+            <a:ext cx="313386" cy="276999"/>
+          </a:xfrm>
+          <a:prstGeom prst="rect">
+            <a:avLst/>
+          </a:prstGeom>
+          <a:noFill/>
+        </p:spPr>
+        <p:txBody>
+          <a:bodyPr wrap="none" rtlCol="0">
+            <a:spAutoFit/>
+          </a:bodyPr>
+          <a:lstStyle/>
+          <a:p>
+            <a:r>
+              <a:rPr kumimoji="1" lang="en-US" altLang="ja-JP" sz="1200" i="1" dirty="0" smtClean="0">
+                <a:latin typeface="Book Antiqua"/>
+                <a:cs typeface="Book Antiqua"/>
+              </a:rPr>
+              <a:t>i</a:t>
+            </a:r>
+            <a:r>
+              <a:rPr kumimoji="1" lang="en-US" altLang="ja-JP" sz="1200" i="1" baseline="-25000" dirty="0" smtClean="0">
+                <a:latin typeface="Book Antiqua"/>
+                <a:cs typeface="Book Antiqua"/>
+              </a:rPr>
+              <a:t>n</a:t>
+            </a:r>
+            <a:endParaRPr kumimoji="1" lang="ja-JP" altLang="en-US" sz="1200" i="1" baseline="-25000" dirty="0">
+              <a:latin typeface="Book Antiqua"/>
+              <a:cs typeface="Book Antiqua"/>
+            </a:endParaRPr>
+          </a:p>
+        </p:txBody>
+      </p:sp>
+      <p:sp>
+        <p:nvSpPr>
+          <p:cNvPr id="83" name="テキスト ボックス 82"/>
+          <p:cNvSpPr txBox="1"/>
+          <p:nvPr/>
+        </p:nvSpPr>
+        <p:spPr>
+          <a:xfrm>
+            <a:off x="3287367" y="2504861"/>
+            <a:ext cx="291554" cy="276999"/>
+          </a:xfrm>
+          <a:prstGeom prst="rect">
+            <a:avLst/>
+          </a:prstGeom>
+          <a:noFill/>
+        </p:spPr>
+        <p:txBody>
+          <a:bodyPr wrap="none" rtlCol="0">
+            <a:spAutoFit/>
+          </a:bodyPr>
+          <a:lstStyle/>
+          <a:p>
+            <a:r>
+              <a:rPr lang="en-US" altLang="ja-JP" sz="1200" i="1" dirty="0">
+                <a:latin typeface="Book Antiqua"/>
+                <a:cs typeface="Book Antiqua"/>
+              </a:rPr>
+              <a:t>x</a:t>
+            </a:r>
+            <a:endParaRPr kumimoji="1" lang="ja-JP" altLang="en-US" sz="1200" i="1" baseline="-25000" dirty="0">
+              <a:latin typeface="Book Antiqua"/>
+              <a:cs typeface="Book Antiqua"/>
+            </a:endParaRPr>
+          </a:p>
+        </p:txBody>
+      </p:sp>
+      <p:grpSp>
+        <p:nvGrpSpPr>
+          <p:cNvPr id="99" name="図形グループ 98"/>
+          <p:cNvGrpSpPr/>
+          <p:nvPr/>
+        </p:nvGrpSpPr>
+        <p:grpSpPr>
+          <a:xfrm>
+            <a:off x="1466344" y="4655188"/>
+            <a:ext cx="2063204" cy="796288"/>
+            <a:chOff x="5884955" y="1753869"/>
+            <a:chExt cx="2063204" cy="796288"/>
+          </a:xfrm>
+        </p:grpSpPr>
+        <p:sp>
+          <p:nvSpPr>
+            <p:cNvPr id="64" name="円/楕円 63"/>
+            <p:cNvSpPr/>
+            <p:nvPr/>
+          </p:nvSpPr>
+          <p:spPr>
+            <a:xfrm>
+              <a:off x="7424479" y="2121535"/>
+              <a:ext cx="106681" cy="107950"/>
+            </a:xfrm>
+            <a:prstGeom prst="ellipse">
+              <a:avLst/>
+            </a:prstGeom>
+            <a:noFill/>
+            <a:ln w="22225">
+              <a:solidFill>
+                <a:schemeClr val="tx1"/>
+              </a:solidFill>
+            </a:ln>
+            <a:effectLst/>
+          </p:spPr>
+          <p:style>
+            <a:lnRef idx="1">
+              <a:schemeClr val="accent1"/>
+            </a:lnRef>
+            <a:fillRef idx="3">
+              <a:schemeClr val="accent1"/>
+            </a:fillRef>
+            <a:effectRef idx="2">
+              <a:schemeClr val="accent1"/>
+            </a:effectRef>
+            <a:fontRef idx="minor">
+              <a:schemeClr val="lt1"/>
+            </a:fontRef>
+          </p:style>
+          <p:txBody>
+            <a:bodyPr/>
+            <a:lstStyle/>
+            <a:p>
+              <a:endParaRPr lang="ja-JP" altLang="en-US" dirty="0"/>
+            </a:p>
+          </p:txBody>
+        </p:sp>
+        <p:sp>
+          <p:nvSpPr>
+            <p:cNvPr id="84" name="テキスト ボックス 83"/>
+            <p:cNvSpPr txBox="1"/>
+            <p:nvPr/>
+          </p:nvSpPr>
+          <p:spPr>
+            <a:xfrm>
+              <a:off x="6132804" y="2036540"/>
+              <a:ext cx="246432" cy="369332"/>
+            </a:xfrm>
+            <a:prstGeom prst="rect">
+              <a:avLst/>
+            </a:prstGeom>
+            <a:noFill/>
+          </p:spPr>
+          <p:txBody>
+            <a:bodyPr wrap="none" rtlCol="0">
+              <a:spAutoFit/>
+            </a:bodyPr>
+            <a:lstStyle/>
+            <a:p>
+              <a:r>
+                <a:rPr kumimoji="1" lang="en-US" altLang="ja-JP" dirty="0" smtClean="0"/>
+                <a:t>:</a:t>
+              </a:r>
+              <a:endParaRPr kumimoji="1" lang="ja-JP" altLang="en-US" dirty="0"/>
+            </a:p>
+          </p:txBody>
+        </p:sp>
+        <p:grpSp>
+          <p:nvGrpSpPr>
+            <p:cNvPr id="85" name="図形グループ 84"/>
+            <p:cNvGrpSpPr/>
+            <p:nvPr/>
+          </p:nvGrpSpPr>
+          <p:grpSpPr>
+            <a:xfrm>
+              <a:off x="6404634" y="1788157"/>
+              <a:ext cx="1019845" cy="762000"/>
+              <a:chOff x="2495550" y="3385820"/>
+              <a:chExt cx="1019845" cy="762000"/>
+            </a:xfrm>
+          </p:grpSpPr>
+          <p:sp>
+            <p:nvSpPr>
+              <p:cNvPr id="86" name="円弧 85"/>
+              <p:cNvSpPr/>
+              <p:nvPr/>
+            </p:nvSpPr>
+            <p:spPr>
+              <a:xfrm>
+                <a:off x="2692435" y="3385820"/>
+                <a:ext cx="822960" cy="760730"/>
+              </a:xfrm>
+              <a:prstGeom prst="arc">
+                <a:avLst>
+                  <a:gd name="adj1" fmla="val 16200000"/>
+                  <a:gd name="adj2" fmla="val 5440160"/>
+                </a:avLst>
+              </a:prstGeom>
+              <a:ln>
+                <a:solidFill>
+                  <a:schemeClr val="tx1"/>
+                </a:solidFill>
+              </a:ln>
+              <a:effectLst/>
+            </p:spPr>
+            <p:style>
+              <a:lnRef idx="2">
+                <a:schemeClr val="accent1"/>
+              </a:lnRef>
+              <a:fillRef idx="0">
+                <a:schemeClr val="accent1"/>
+              </a:fillRef>
+              <a:effectRef idx="1">
+                <a:schemeClr val="accent1"/>
+              </a:effectRef>
+              <a:fontRef idx="minor">
+                <a:schemeClr val="tx1"/>
+              </a:fontRef>
+            </p:style>
+            <p:txBody>
+              <a:bodyPr/>
+              <a:lstStyle/>
+              <a:p>
+                <a:endParaRPr lang="ja-JP" altLang="en-US" dirty="0"/>
+              </a:p>
+            </p:txBody>
+          </p:sp>
+          <p:cxnSp>
+            <p:nvCxnSpPr>
+              <p:cNvPr id="87" name="直線コネクタ 86"/>
+              <p:cNvCxnSpPr>
+                <a:endCxn id="86" idx="0"/>
+              </p:cNvCxnSpPr>
+              <p:nvPr/>
+            </p:nvCxnSpPr>
+            <p:spPr>
+              <a:xfrm>
+                <a:off x="2495550" y="3385820"/>
+                <a:ext cx="608365" cy="0"/>
+              </a:xfrm>
+              <a:prstGeom prst="line">
+                <a:avLst/>
+              </a:prstGeom>
+              <a:ln>
+                <a:solidFill>
+                  <a:schemeClr val="tx1"/>
+                </a:solidFill>
+              </a:ln>
+              <a:effectLst/>
+            </p:spPr>
+            <p:style>
+              <a:lnRef idx="2">
+                <a:schemeClr val="accent1"/>
+              </a:lnRef>
+              <a:fillRef idx="0">
+                <a:schemeClr val="accent1"/>
+              </a:fillRef>
+              <a:effectRef idx="1">
+                <a:schemeClr val="accent1"/>
+              </a:effectRef>
+              <a:fontRef idx="minor">
+                <a:schemeClr val="tx1"/>
+              </a:fontRef>
+            </p:style>
+          </p:cxnSp>
+          <p:cxnSp>
+            <p:nvCxnSpPr>
+              <p:cNvPr id="88" name="直線コネクタ 87"/>
+              <p:cNvCxnSpPr/>
+              <p:nvPr/>
+            </p:nvCxnSpPr>
+            <p:spPr>
+              <a:xfrm>
+                <a:off x="2501900" y="3387090"/>
+                <a:ext cx="0" cy="760730"/>
+              </a:xfrm>
+              <a:prstGeom prst="line">
+                <a:avLst/>
+              </a:prstGeom>
+              <a:ln>
+                <a:solidFill>
+                  <a:schemeClr val="tx1"/>
+                </a:solidFill>
+              </a:ln>
+              <a:effectLst/>
+            </p:spPr>
+            <p:style>
+              <a:lnRef idx="2">
+                <a:schemeClr val="accent1"/>
+              </a:lnRef>
+              <a:fillRef idx="0">
+                <a:schemeClr val="accent1"/>
+              </a:fillRef>
+              <a:effectRef idx="1">
+                <a:schemeClr val="accent1"/>
+              </a:effectRef>
+              <a:fontRef idx="minor">
+                <a:schemeClr val="tx1"/>
+              </a:fontRef>
+            </p:style>
+          </p:cxnSp>
+          <p:cxnSp>
+            <p:nvCxnSpPr>
+              <p:cNvPr id="89" name="直線コネクタ 88"/>
+              <p:cNvCxnSpPr>
+                <a:endCxn id="86" idx="2"/>
+              </p:cNvCxnSpPr>
+              <p:nvPr/>
+            </p:nvCxnSpPr>
+            <p:spPr>
+              <a:xfrm flipV="1">
+                <a:off x="2495550" y="4146528"/>
+                <a:ext cx="603922" cy="1292"/>
+              </a:xfrm>
+              <a:prstGeom prst="line">
+                <a:avLst/>
+              </a:prstGeom>
+              <a:ln>
+                <a:solidFill>
+                  <a:schemeClr val="tx1"/>
+                </a:solidFill>
+              </a:ln>
+              <a:effectLst/>
+            </p:spPr>
+            <p:style>
+              <a:lnRef idx="2">
+                <a:schemeClr val="accent1"/>
+              </a:lnRef>
+              <a:fillRef idx="0">
+                <a:schemeClr val="accent1"/>
+              </a:fillRef>
+              <a:effectRef idx="1">
+                <a:schemeClr val="accent1"/>
+              </a:effectRef>
+              <a:fontRef idx="minor">
+                <a:schemeClr val="tx1"/>
+              </a:fontRef>
+            </p:style>
+          </p:cxnSp>
+        </p:grpSp>
+        <p:cxnSp>
+          <p:nvCxnSpPr>
+            <p:cNvPr id="90" name="直線コネクタ 89"/>
+            <p:cNvCxnSpPr/>
+            <p:nvPr/>
+          </p:nvCxnSpPr>
+          <p:spPr>
+            <a:xfrm>
+              <a:off x="6120154" y="1915160"/>
+              <a:ext cx="284480" cy="0"/>
+            </a:xfrm>
+            <a:prstGeom prst="line">
+              <a:avLst/>
+            </a:prstGeom>
+            <a:ln>
+              <a:solidFill>
+                <a:schemeClr val="tx1"/>
+              </a:solidFill>
+            </a:ln>
+            <a:effectLst/>
+          </p:spPr>
+          <p:style>
+            <a:lnRef idx="2">
+              <a:schemeClr val="accent1"/>
+            </a:lnRef>
+            <a:fillRef idx="0">
+              <a:schemeClr val="accent1"/>
+            </a:fillRef>
+            <a:effectRef idx="1">
+              <a:schemeClr val="accent1"/>
+            </a:effectRef>
+            <a:fontRef idx="minor">
+              <a:schemeClr val="tx1"/>
+            </a:fontRef>
+          </p:style>
+        </p:cxnSp>
+        <p:cxnSp>
+          <p:nvCxnSpPr>
+            <p:cNvPr id="91" name="直線コネクタ 90"/>
+            <p:cNvCxnSpPr/>
+            <p:nvPr/>
+          </p:nvCxnSpPr>
+          <p:spPr>
+            <a:xfrm>
+              <a:off x="6120154" y="2087880"/>
+              <a:ext cx="284480" cy="0"/>
+            </a:xfrm>
+            <a:prstGeom prst="line">
+              <a:avLst/>
+            </a:prstGeom>
+            <a:ln>
+              <a:solidFill>
+                <a:schemeClr val="tx1"/>
+              </a:solidFill>
+            </a:ln>
+            <a:effectLst/>
+          </p:spPr>
+          <p:style>
+            <a:lnRef idx="2">
+              <a:schemeClr val="accent1"/>
+            </a:lnRef>
+            <a:fillRef idx="0">
+              <a:schemeClr val="accent1"/>
+            </a:fillRef>
+            <a:effectRef idx="1">
+              <a:schemeClr val="accent1"/>
+            </a:effectRef>
+            <a:fontRef idx="minor">
+              <a:schemeClr val="tx1"/>
+            </a:fontRef>
+          </p:style>
+        </p:cxnSp>
+        <p:cxnSp>
+          <p:nvCxnSpPr>
+            <p:cNvPr id="92" name="直線コネクタ 91"/>
+            <p:cNvCxnSpPr/>
+            <p:nvPr/>
+          </p:nvCxnSpPr>
+          <p:spPr>
+            <a:xfrm>
+              <a:off x="6130314" y="2429510"/>
+              <a:ext cx="284480" cy="0"/>
+            </a:xfrm>
+            <a:prstGeom prst="line">
+              <a:avLst/>
+            </a:prstGeom>
+            <a:ln>
+              <a:solidFill>
+                <a:schemeClr val="tx1"/>
+              </a:solidFill>
+            </a:ln>
+            <a:effectLst/>
+          </p:spPr>
+          <p:style>
+            <a:lnRef idx="2">
+              <a:schemeClr val="accent1"/>
+            </a:lnRef>
+            <a:fillRef idx="0">
+              <a:schemeClr val="accent1"/>
+            </a:fillRef>
+            <a:effectRef idx="1">
+              <a:schemeClr val="accent1"/>
+            </a:effectRef>
+            <a:fontRef idx="minor">
+              <a:schemeClr val="tx1"/>
+            </a:fontRef>
+          </p:style>
+        </p:cxnSp>
+        <p:cxnSp>
+          <p:nvCxnSpPr>
+            <p:cNvPr id="93" name="直線コネクタ 92"/>
+            <p:cNvCxnSpPr>
+              <a:stCxn id="64" idx="6"/>
+            </p:cNvCxnSpPr>
+            <p:nvPr/>
+          </p:nvCxnSpPr>
+          <p:spPr>
+            <a:xfrm>
+              <a:off x="7531160" y="2175510"/>
+              <a:ext cx="177799" cy="0"/>
+            </a:xfrm>
+            <a:prstGeom prst="line">
+              <a:avLst/>
+            </a:prstGeom>
+            <a:ln>
+              <a:solidFill>
+                <a:schemeClr val="tx1"/>
+              </a:solidFill>
+            </a:ln>
+            <a:effectLst/>
+          </p:spPr>
+          <p:style>
+            <a:lnRef idx="2">
+              <a:schemeClr val="accent1"/>
+            </a:lnRef>
+            <a:fillRef idx="0">
+              <a:schemeClr val="accent1"/>
+            </a:fillRef>
+            <a:effectRef idx="1">
+              <a:schemeClr val="accent1"/>
+            </a:effectRef>
+            <a:fontRef idx="minor">
+              <a:schemeClr val="tx1"/>
+            </a:fontRef>
+          </p:style>
+        </p:cxnSp>
+        <p:sp>
+          <p:nvSpPr>
+            <p:cNvPr id="94" name="テキスト ボックス 93"/>
+            <p:cNvSpPr txBox="1"/>
+            <p:nvPr/>
+          </p:nvSpPr>
+          <p:spPr>
+            <a:xfrm>
+              <a:off x="5884955" y="1753869"/>
+              <a:ext cx="307625" cy="276999"/>
+            </a:xfrm>
+            <a:prstGeom prst="rect">
+              <a:avLst/>
+            </a:prstGeom>
+            <a:noFill/>
+          </p:spPr>
+          <p:txBody>
+            <a:bodyPr wrap="none" rtlCol="0">
+              <a:spAutoFit/>
+            </a:bodyPr>
+            <a:lstStyle/>
+            <a:p>
+              <a:r>
+                <a:rPr kumimoji="1" lang="en-US" altLang="ja-JP" sz="1200" i="1" dirty="0" smtClean="0">
+                  <a:latin typeface="Book Antiqua"/>
+                  <a:cs typeface="Book Antiqua"/>
+                </a:rPr>
+                <a:t>i</a:t>
+              </a:r>
+              <a:r>
+                <a:rPr kumimoji="1" lang="en-US" altLang="ja-JP" sz="1200" i="1" baseline="-25000" dirty="0" smtClean="0">
+                  <a:latin typeface="Book Antiqua"/>
+                  <a:cs typeface="Book Antiqua"/>
+                </a:rPr>
+                <a:t>1</a:t>
+              </a:r>
+              <a:endParaRPr kumimoji="1" lang="ja-JP" altLang="en-US" sz="1200" i="1" baseline="-25000" dirty="0">
+                <a:latin typeface="Book Antiqua"/>
+                <a:cs typeface="Book Antiqua"/>
+              </a:endParaRPr>
+            </a:p>
+          </p:txBody>
+        </p:sp>
+        <p:sp>
+          <p:nvSpPr>
+            <p:cNvPr id="95" name="テキスト ボックス 94"/>
+            <p:cNvSpPr txBox="1"/>
+            <p:nvPr/>
+          </p:nvSpPr>
+          <p:spPr>
+            <a:xfrm>
+              <a:off x="5884955" y="1930538"/>
+              <a:ext cx="307625" cy="276999"/>
+            </a:xfrm>
+            <a:prstGeom prst="rect">
+              <a:avLst/>
+            </a:prstGeom>
+            <a:noFill/>
+          </p:spPr>
+          <p:txBody>
+            <a:bodyPr wrap="none" rtlCol="0">
+              <a:spAutoFit/>
+            </a:bodyPr>
+            <a:lstStyle/>
+            <a:p>
+              <a:r>
+                <a:rPr kumimoji="1" lang="en-US" altLang="ja-JP" sz="1200" i="1" dirty="0" smtClean="0">
+                  <a:latin typeface="Book Antiqua"/>
+                  <a:cs typeface="Book Antiqua"/>
+                </a:rPr>
+                <a:t>i</a:t>
+              </a:r>
+              <a:r>
+                <a:rPr kumimoji="1" lang="en-US" altLang="ja-JP" sz="1200" i="1" baseline="-25000" dirty="0" smtClean="0">
+                  <a:latin typeface="Book Antiqua"/>
+                  <a:cs typeface="Book Antiqua"/>
+                </a:rPr>
+                <a:t>2</a:t>
+              </a:r>
+              <a:endParaRPr kumimoji="1" lang="ja-JP" altLang="en-US" sz="1200" i="1" baseline="-25000" dirty="0">
+                <a:latin typeface="Book Antiqua"/>
+                <a:cs typeface="Book Antiqua"/>
+              </a:endParaRPr>
+            </a:p>
+          </p:txBody>
+        </p:sp>
+        <p:sp>
+          <p:nvSpPr>
+            <p:cNvPr id="96" name="テキスト ボックス 95"/>
+            <p:cNvSpPr txBox="1"/>
+            <p:nvPr/>
+          </p:nvSpPr>
+          <p:spPr>
+            <a:xfrm>
+              <a:off x="5884955" y="2267372"/>
+              <a:ext cx="313386" cy="276999"/>
+            </a:xfrm>
+            <a:prstGeom prst="rect">
+              <a:avLst/>
+            </a:prstGeom>
+            <a:noFill/>
+          </p:spPr>
+          <p:txBody>
+            <a:bodyPr wrap="none" rtlCol="0">
+              <a:spAutoFit/>
+            </a:bodyPr>
+            <a:lstStyle/>
+            <a:p>
+              <a:r>
+                <a:rPr kumimoji="1" lang="en-US" altLang="ja-JP" sz="1200" i="1" dirty="0" smtClean="0">
+                  <a:latin typeface="Book Antiqua"/>
+                  <a:cs typeface="Book Antiqua"/>
+                </a:rPr>
+                <a:t>i</a:t>
+              </a:r>
+              <a:r>
+                <a:rPr kumimoji="1" lang="en-US" altLang="ja-JP" sz="1200" i="1" baseline="-25000" dirty="0" smtClean="0">
+                  <a:latin typeface="Book Antiqua"/>
+                  <a:cs typeface="Book Antiqua"/>
+                </a:rPr>
+                <a:t>n</a:t>
+              </a:r>
+              <a:endParaRPr kumimoji="1" lang="ja-JP" altLang="en-US" sz="1200" i="1" baseline="-25000" dirty="0">
+                <a:latin typeface="Book Antiqua"/>
+                <a:cs typeface="Book Antiqua"/>
+              </a:endParaRPr>
+            </a:p>
+          </p:txBody>
+        </p:sp>
+        <p:sp>
+          <p:nvSpPr>
+            <p:cNvPr id="97" name="テキスト ボックス 96"/>
+            <p:cNvSpPr txBox="1"/>
+            <p:nvPr/>
+          </p:nvSpPr>
+          <p:spPr>
+            <a:xfrm>
+              <a:off x="7656605" y="2012101"/>
+              <a:ext cx="291554" cy="276999"/>
+            </a:xfrm>
+            <a:prstGeom prst="rect">
+              <a:avLst/>
+            </a:prstGeom>
+            <a:noFill/>
+          </p:spPr>
+          <p:txBody>
+            <a:bodyPr wrap="none" rtlCol="0">
+              <a:spAutoFit/>
+            </a:bodyPr>
+            <a:lstStyle/>
+            <a:p>
+              <a:r>
+                <a:rPr lang="en-US" altLang="ja-JP" sz="1200" i="1" dirty="0">
+                  <a:latin typeface="Book Antiqua"/>
+                  <a:cs typeface="Book Antiqua"/>
+                </a:rPr>
+                <a:t>x</a:t>
+              </a:r>
+              <a:endParaRPr kumimoji="1" lang="ja-JP" altLang="en-US" sz="1200" i="1" baseline="-25000" dirty="0">
+                <a:latin typeface="Book Antiqua"/>
+                <a:cs typeface="Book Antiqua"/>
+              </a:endParaRPr>
+            </a:p>
+          </p:txBody>
+        </p:sp>
+      </p:grpSp>
+      <p:grpSp>
+        <p:nvGrpSpPr>
+          <p:cNvPr id="122" name="図形グループ 121"/>
+          <p:cNvGrpSpPr/>
+          <p:nvPr/>
+        </p:nvGrpSpPr>
+        <p:grpSpPr>
+          <a:xfrm>
+            <a:off x="6236754" y="2174957"/>
+            <a:ext cx="1480082" cy="947978"/>
+            <a:chOff x="4364357" y="2003918"/>
+            <a:chExt cx="1480082" cy="947978"/>
+          </a:xfrm>
+        </p:grpSpPr>
+        <p:sp>
+          <p:nvSpPr>
+            <p:cNvPr id="101" name="二等辺三角形 100"/>
+            <p:cNvSpPr/>
+            <p:nvPr/>
+          </p:nvSpPr>
+          <p:spPr>
+            <a:xfrm rot="5400000">
+              <a:off x="4889141" y="2035321"/>
+              <a:ext cx="266838" cy="240721"/>
+            </a:xfrm>
+            <a:prstGeom prst="triangle">
+              <a:avLst>
+                <a:gd name="adj" fmla="val 49228"/>
+              </a:avLst>
+            </a:prstGeom>
+            <a:noFill/>
+            <a:ln w="25400">
+              <a:solidFill>
+                <a:schemeClr val="tx1"/>
+              </a:solidFill>
+            </a:ln>
+            <a:effectLst/>
+          </p:spPr>
+          <p:style>
+            <a:lnRef idx="1">
+              <a:schemeClr val="accent1"/>
+            </a:lnRef>
+            <a:fillRef idx="3">
+              <a:schemeClr val="accent1"/>
+            </a:fillRef>
+            <a:effectRef idx="2">
+              <a:schemeClr val="accent1"/>
+            </a:effectRef>
+            <a:fontRef idx="minor">
+              <a:schemeClr val="lt1"/>
+            </a:fontRef>
+          </p:style>
+          <p:txBody>
+            <a:bodyPr/>
+            <a:lstStyle/>
+            <a:p>
+              <a:endParaRPr lang="ja-JP" altLang="en-US"/>
+            </a:p>
+          </p:txBody>
+        </p:sp>
+        <p:sp>
+          <p:nvSpPr>
+            <p:cNvPr id="104" name="円/楕円 103"/>
+            <p:cNvSpPr/>
+            <p:nvPr/>
+          </p:nvSpPr>
+          <p:spPr>
+            <a:xfrm>
+              <a:off x="5142921" y="2099587"/>
+              <a:ext cx="106681" cy="107950"/>
+            </a:xfrm>
+            <a:prstGeom prst="ellipse">
+              <a:avLst/>
+            </a:prstGeom>
+            <a:noFill/>
+            <a:ln w="22225">
+              <a:solidFill>
+                <a:schemeClr val="tx1"/>
+              </a:solidFill>
+            </a:ln>
+            <a:effectLst/>
+          </p:spPr>
+          <p:style>
+            <a:lnRef idx="1">
+              <a:schemeClr val="accent1"/>
+            </a:lnRef>
+            <a:fillRef idx="3">
+              <a:schemeClr val="accent1"/>
+            </a:fillRef>
+            <a:effectRef idx="2">
+              <a:schemeClr val="accent1"/>
+            </a:effectRef>
+            <a:fontRef idx="minor">
+              <a:schemeClr val="lt1"/>
+            </a:fontRef>
+          </p:style>
+          <p:txBody>
+            <a:bodyPr/>
+            <a:lstStyle/>
+            <a:p>
+              <a:endParaRPr lang="ja-JP" altLang="en-US" dirty="0"/>
+            </a:p>
+          </p:txBody>
+        </p:sp>
+        <p:sp>
+          <p:nvSpPr>
+            <p:cNvPr id="105" name="二等辺三角形 104"/>
+            <p:cNvSpPr/>
+            <p:nvPr/>
+          </p:nvSpPr>
+          <p:spPr>
+            <a:xfrm rot="5400000">
+              <a:off x="4889141" y="2326861"/>
+              <a:ext cx="266838" cy="240721"/>
+            </a:xfrm>
+            <a:prstGeom prst="triangle">
+              <a:avLst>
+                <a:gd name="adj" fmla="val 49228"/>
+              </a:avLst>
+            </a:prstGeom>
+            <a:noFill/>
+            <a:ln w="25400">
+              <a:solidFill>
+                <a:schemeClr val="tx1"/>
+              </a:solidFill>
+            </a:ln>
+            <a:effectLst/>
+          </p:spPr>
+          <p:style>
+            <a:lnRef idx="1">
+              <a:schemeClr val="accent1"/>
+            </a:lnRef>
+            <a:fillRef idx="3">
+              <a:schemeClr val="accent1"/>
+            </a:fillRef>
+            <a:effectRef idx="2">
+              <a:schemeClr val="accent1"/>
+            </a:effectRef>
+            <a:fontRef idx="minor">
+              <a:schemeClr val="lt1"/>
+            </a:fontRef>
+          </p:style>
+          <p:txBody>
+            <a:bodyPr/>
+            <a:lstStyle/>
+            <a:p>
+              <a:endParaRPr lang="ja-JP" altLang="en-US"/>
+            </a:p>
+          </p:txBody>
+        </p:sp>
+        <p:sp>
+          <p:nvSpPr>
+            <p:cNvPr id="106" name="円/楕円 105"/>
+            <p:cNvSpPr/>
+            <p:nvPr/>
+          </p:nvSpPr>
+          <p:spPr>
+            <a:xfrm>
+              <a:off x="5142921" y="2391127"/>
+              <a:ext cx="106681" cy="107950"/>
+            </a:xfrm>
+            <a:prstGeom prst="ellipse">
+              <a:avLst/>
+            </a:prstGeom>
+            <a:noFill/>
+            <a:ln w="22225">
+              <a:solidFill>
+                <a:schemeClr val="tx1"/>
+              </a:solidFill>
+            </a:ln>
+            <a:effectLst/>
+          </p:spPr>
+          <p:style>
+            <a:lnRef idx="1">
+              <a:schemeClr val="accent1"/>
+            </a:lnRef>
+            <a:fillRef idx="3">
+              <a:schemeClr val="accent1"/>
+            </a:fillRef>
+            <a:effectRef idx="2">
+              <a:schemeClr val="accent1"/>
+            </a:effectRef>
+            <a:fontRef idx="minor">
+              <a:schemeClr val="lt1"/>
+            </a:fontRef>
+          </p:style>
+          <p:txBody>
+            <a:bodyPr/>
+            <a:lstStyle/>
+            <a:p>
+              <a:endParaRPr lang="ja-JP" altLang="en-US" dirty="0"/>
+            </a:p>
+          </p:txBody>
+        </p:sp>
+        <p:sp>
+          <p:nvSpPr>
+            <p:cNvPr id="107" name="二等辺三角形 106"/>
+            <p:cNvSpPr/>
+            <p:nvPr/>
+          </p:nvSpPr>
+          <p:spPr>
+            <a:xfrm rot="5400000">
+              <a:off x="4889141" y="2698116"/>
+              <a:ext cx="266838" cy="240721"/>
+            </a:xfrm>
+            <a:prstGeom prst="triangle">
+              <a:avLst>
+                <a:gd name="adj" fmla="val 49228"/>
+              </a:avLst>
+            </a:prstGeom>
+            <a:noFill/>
+            <a:ln w="25400">
+              <a:solidFill>
+                <a:schemeClr val="tx1"/>
+              </a:solidFill>
+            </a:ln>
+            <a:effectLst/>
+          </p:spPr>
+          <p:style>
+            <a:lnRef idx="1">
+              <a:schemeClr val="accent1"/>
+            </a:lnRef>
+            <a:fillRef idx="3">
+              <a:schemeClr val="accent1"/>
+            </a:fillRef>
+            <a:effectRef idx="2">
+              <a:schemeClr val="accent1"/>
+            </a:effectRef>
+            <a:fontRef idx="minor">
+              <a:schemeClr val="lt1"/>
+            </a:fontRef>
+          </p:style>
+          <p:txBody>
+            <a:bodyPr/>
+            <a:lstStyle/>
+            <a:p>
+              <a:endParaRPr lang="ja-JP" altLang="en-US"/>
+            </a:p>
+          </p:txBody>
+        </p:sp>
+        <p:sp>
+          <p:nvSpPr>
+            <p:cNvPr id="108" name="円/楕円 107"/>
+            <p:cNvSpPr/>
+            <p:nvPr/>
+          </p:nvSpPr>
+          <p:spPr>
+            <a:xfrm>
+              <a:off x="5142921" y="2762382"/>
+              <a:ext cx="106681" cy="107950"/>
+            </a:xfrm>
+            <a:prstGeom prst="ellipse">
+              <a:avLst/>
+            </a:prstGeom>
+            <a:noFill/>
+            <a:ln w="22225">
+              <a:solidFill>
+                <a:schemeClr val="tx1"/>
+              </a:solidFill>
+            </a:ln>
+            <a:effectLst/>
+          </p:spPr>
+          <p:style>
+            <a:lnRef idx="1">
+              <a:schemeClr val="accent1"/>
+            </a:lnRef>
+            <a:fillRef idx="3">
+              <a:schemeClr val="accent1"/>
+            </a:fillRef>
+            <a:effectRef idx="2">
+              <a:schemeClr val="accent1"/>
+            </a:effectRef>
+            <a:fontRef idx="minor">
+              <a:schemeClr val="lt1"/>
+            </a:fontRef>
+          </p:style>
+          <p:txBody>
+            <a:bodyPr/>
+            <a:lstStyle/>
+            <a:p>
+              <a:endParaRPr lang="ja-JP" altLang="en-US" dirty="0"/>
+            </a:p>
+          </p:txBody>
+        </p:sp>
+        <p:cxnSp>
+          <p:nvCxnSpPr>
+            <p:cNvPr id="109" name="直線コネクタ 108"/>
+            <p:cNvCxnSpPr/>
+            <p:nvPr/>
+          </p:nvCxnSpPr>
+          <p:spPr>
+            <a:xfrm>
+              <a:off x="5249602" y="2156460"/>
+              <a:ext cx="284480" cy="0"/>
+            </a:xfrm>
+            <a:prstGeom prst="line">
+              <a:avLst/>
+            </a:prstGeom>
+            <a:ln>
+              <a:solidFill>
+                <a:schemeClr val="tx1"/>
+              </a:solidFill>
+            </a:ln>
+            <a:effectLst/>
+          </p:spPr>
+          <p:style>
+            <a:lnRef idx="2">
+              <a:schemeClr val="accent1"/>
+            </a:lnRef>
+            <a:fillRef idx="0">
+              <a:schemeClr val="accent1"/>
+            </a:fillRef>
+            <a:effectRef idx="1">
+              <a:schemeClr val="accent1"/>
+            </a:effectRef>
+            <a:fontRef idx="minor">
+              <a:schemeClr val="tx1"/>
+            </a:fontRef>
+          </p:style>
+        </p:cxnSp>
+        <p:cxnSp>
+          <p:nvCxnSpPr>
+            <p:cNvPr id="110" name="直線コネクタ 109"/>
+            <p:cNvCxnSpPr/>
+            <p:nvPr/>
+          </p:nvCxnSpPr>
+          <p:spPr>
+            <a:xfrm>
+              <a:off x="5259762" y="2446020"/>
+              <a:ext cx="284480" cy="0"/>
+            </a:xfrm>
+            <a:prstGeom prst="line">
+              <a:avLst/>
+            </a:prstGeom>
+            <a:ln>
+              <a:solidFill>
+                <a:schemeClr val="tx1"/>
+              </a:solidFill>
+            </a:ln>
+            <a:effectLst/>
+          </p:spPr>
+          <p:style>
+            <a:lnRef idx="2">
+              <a:schemeClr val="accent1"/>
+            </a:lnRef>
+            <a:fillRef idx="0">
+              <a:schemeClr val="accent1"/>
+            </a:fillRef>
+            <a:effectRef idx="1">
+              <a:schemeClr val="accent1"/>
+            </a:effectRef>
+            <a:fontRef idx="minor">
+              <a:schemeClr val="tx1"/>
+            </a:fontRef>
+          </p:style>
+        </p:cxnSp>
+        <p:cxnSp>
+          <p:nvCxnSpPr>
+            <p:cNvPr id="111" name="直線コネクタ 110"/>
+            <p:cNvCxnSpPr/>
+            <p:nvPr/>
+          </p:nvCxnSpPr>
+          <p:spPr>
+            <a:xfrm>
+              <a:off x="5249602" y="2821938"/>
+              <a:ext cx="284480" cy="0"/>
+            </a:xfrm>
+            <a:prstGeom prst="line">
+              <a:avLst/>
+            </a:prstGeom>
+            <a:ln>
+              <a:solidFill>
+                <a:schemeClr val="tx1"/>
+              </a:solidFill>
+            </a:ln>
+            <a:effectLst/>
+          </p:spPr>
+          <p:style>
+            <a:lnRef idx="2">
+              <a:schemeClr val="accent1"/>
+            </a:lnRef>
+            <a:fillRef idx="0">
+              <a:schemeClr val="accent1"/>
+            </a:fillRef>
+            <a:effectRef idx="1">
+              <a:schemeClr val="accent1"/>
+            </a:effectRef>
+            <a:fontRef idx="minor">
+              <a:schemeClr val="tx1"/>
+            </a:fontRef>
+          </p:style>
+        </p:cxnSp>
+        <p:cxnSp>
+          <p:nvCxnSpPr>
+            <p:cNvPr id="112" name="直線コネクタ 111"/>
+            <p:cNvCxnSpPr/>
+            <p:nvPr/>
+          </p:nvCxnSpPr>
+          <p:spPr>
+            <a:xfrm>
+              <a:off x="4617719" y="2156460"/>
+              <a:ext cx="284480" cy="0"/>
+            </a:xfrm>
+            <a:prstGeom prst="line">
+              <a:avLst/>
+            </a:prstGeom>
+            <a:ln>
+              <a:solidFill>
+                <a:schemeClr val="tx1"/>
+              </a:solidFill>
+            </a:ln>
+            <a:effectLst/>
+          </p:spPr>
+          <p:style>
+            <a:lnRef idx="2">
+              <a:schemeClr val="accent1"/>
+            </a:lnRef>
+            <a:fillRef idx="0">
+              <a:schemeClr val="accent1"/>
+            </a:fillRef>
+            <a:effectRef idx="1">
+              <a:schemeClr val="accent1"/>
+            </a:effectRef>
+            <a:fontRef idx="minor">
+              <a:schemeClr val="tx1"/>
+            </a:fontRef>
+          </p:style>
+        </p:cxnSp>
+        <p:cxnSp>
+          <p:nvCxnSpPr>
+            <p:cNvPr id="113" name="直線コネクタ 112"/>
+            <p:cNvCxnSpPr/>
+            <p:nvPr/>
+          </p:nvCxnSpPr>
+          <p:spPr>
+            <a:xfrm>
+              <a:off x="4617719" y="2446020"/>
+              <a:ext cx="284480" cy="0"/>
+            </a:xfrm>
+            <a:prstGeom prst="line">
+              <a:avLst/>
+            </a:prstGeom>
+            <a:ln>
+              <a:solidFill>
+                <a:schemeClr val="tx1"/>
+              </a:solidFill>
+            </a:ln>
+            <a:effectLst/>
+          </p:spPr>
+          <p:style>
+            <a:lnRef idx="2">
+              <a:schemeClr val="accent1"/>
+            </a:lnRef>
+            <a:fillRef idx="0">
+              <a:schemeClr val="accent1"/>
+            </a:fillRef>
+            <a:effectRef idx="1">
+              <a:schemeClr val="accent1"/>
+            </a:effectRef>
+            <a:fontRef idx="minor">
+              <a:schemeClr val="tx1"/>
+            </a:fontRef>
+          </p:style>
+        </p:cxnSp>
+        <p:cxnSp>
+          <p:nvCxnSpPr>
+            <p:cNvPr id="114" name="直線コネクタ 113"/>
+            <p:cNvCxnSpPr/>
+            <p:nvPr/>
+          </p:nvCxnSpPr>
+          <p:spPr>
+            <a:xfrm>
+              <a:off x="4617719" y="2821938"/>
+              <a:ext cx="284480" cy="0"/>
+            </a:xfrm>
+            <a:prstGeom prst="line">
+              <a:avLst/>
+            </a:prstGeom>
+            <a:ln>
+              <a:solidFill>
+                <a:schemeClr val="tx1"/>
+              </a:solidFill>
+            </a:ln>
+            <a:effectLst/>
+          </p:spPr>
+          <p:style>
+            <a:lnRef idx="2">
+              <a:schemeClr val="accent1"/>
+            </a:lnRef>
+            <a:fillRef idx="0">
+              <a:schemeClr val="accent1"/>
+            </a:fillRef>
+            <a:effectRef idx="1">
+              <a:schemeClr val="accent1"/>
+            </a:effectRef>
+            <a:fontRef idx="minor">
+              <a:schemeClr val="tx1"/>
+            </a:fontRef>
+          </p:style>
+        </p:cxnSp>
+        <p:sp>
+          <p:nvSpPr>
+            <p:cNvPr id="115" name="テキスト ボックス 114"/>
+            <p:cNvSpPr txBox="1"/>
+            <p:nvPr/>
+          </p:nvSpPr>
+          <p:spPr>
+            <a:xfrm>
+              <a:off x="4617719" y="2412528"/>
+              <a:ext cx="246432" cy="369332"/>
+            </a:xfrm>
+            <a:prstGeom prst="rect">
+              <a:avLst/>
+            </a:prstGeom>
+            <a:noFill/>
+          </p:spPr>
+          <p:txBody>
+            <a:bodyPr wrap="none" rtlCol="0">
+              <a:spAutoFit/>
+            </a:bodyPr>
+            <a:lstStyle/>
+            <a:p>
+              <a:r>
+                <a:rPr kumimoji="1" lang="en-US" altLang="ja-JP" dirty="0" smtClean="0"/>
+                <a:t>:</a:t>
+              </a:r>
+              <a:endParaRPr kumimoji="1" lang="ja-JP" altLang="en-US" dirty="0"/>
+            </a:p>
+          </p:txBody>
+        </p:sp>
+        <p:sp>
+          <p:nvSpPr>
+            <p:cNvPr id="116" name="テキスト ボックス 115"/>
+            <p:cNvSpPr txBox="1"/>
+            <p:nvPr/>
+          </p:nvSpPr>
+          <p:spPr>
+            <a:xfrm>
+              <a:off x="4387899" y="2005188"/>
+              <a:ext cx="307625" cy="276999"/>
+            </a:xfrm>
+            <a:prstGeom prst="rect">
+              <a:avLst/>
+            </a:prstGeom>
+            <a:noFill/>
+          </p:spPr>
+          <p:txBody>
+            <a:bodyPr wrap="none" rtlCol="0">
+              <a:spAutoFit/>
+            </a:bodyPr>
+            <a:lstStyle/>
+            <a:p>
+              <a:r>
+                <a:rPr kumimoji="1" lang="en-US" altLang="ja-JP" sz="1200" i="1" dirty="0" smtClean="0">
+                  <a:latin typeface="Book Antiqua"/>
+                  <a:cs typeface="Book Antiqua"/>
+                </a:rPr>
+                <a:t>i</a:t>
+              </a:r>
+              <a:r>
+                <a:rPr kumimoji="1" lang="en-US" altLang="ja-JP" sz="1200" i="1" baseline="-25000" dirty="0" smtClean="0">
+                  <a:latin typeface="Book Antiqua"/>
+                  <a:cs typeface="Book Antiqua"/>
+                </a:rPr>
+                <a:t>1</a:t>
+              </a:r>
+              <a:endParaRPr kumimoji="1" lang="ja-JP" altLang="en-US" sz="1200" i="1" baseline="-25000" dirty="0">
+                <a:latin typeface="Book Antiqua"/>
+                <a:cs typeface="Book Antiqua"/>
+              </a:endParaRPr>
+            </a:p>
+          </p:txBody>
+        </p:sp>
+        <p:sp>
+          <p:nvSpPr>
+            <p:cNvPr id="117" name="テキスト ボックス 116"/>
+            <p:cNvSpPr txBox="1"/>
+            <p:nvPr/>
+          </p:nvSpPr>
+          <p:spPr>
+            <a:xfrm>
+              <a:off x="4387899" y="2284798"/>
+              <a:ext cx="307625" cy="276999"/>
+            </a:xfrm>
+            <a:prstGeom prst="rect">
+              <a:avLst/>
+            </a:prstGeom>
+            <a:noFill/>
+          </p:spPr>
+          <p:txBody>
+            <a:bodyPr wrap="none" rtlCol="0">
+              <a:spAutoFit/>
+            </a:bodyPr>
+            <a:lstStyle/>
+            <a:p>
+              <a:r>
+                <a:rPr kumimoji="1" lang="en-US" altLang="ja-JP" sz="1200" i="1" dirty="0" smtClean="0">
+                  <a:latin typeface="Book Antiqua"/>
+                  <a:cs typeface="Book Antiqua"/>
+                </a:rPr>
+                <a:t>i</a:t>
+              </a:r>
+              <a:r>
+                <a:rPr kumimoji="1" lang="en-US" altLang="ja-JP" sz="1200" i="1" baseline="-25000" dirty="0" smtClean="0">
+                  <a:latin typeface="Book Antiqua"/>
+                  <a:cs typeface="Book Antiqua"/>
+                </a:rPr>
+                <a:t>2</a:t>
+              </a:r>
+              <a:endParaRPr kumimoji="1" lang="ja-JP" altLang="en-US" sz="1200" i="1" baseline="-25000" dirty="0">
+                <a:latin typeface="Book Antiqua"/>
+                <a:cs typeface="Book Antiqua"/>
+              </a:endParaRPr>
+            </a:p>
+          </p:txBody>
+        </p:sp>
+        <p:sp>
+          <p:nvSpPr>
+            <p:cNvPr id="118" name="テキスト ボックス 117"/>
+            <p:cNvSpPr txBox="1"/>
+            <p:nvPr/>
+          </p:nvSpPr>
+          <p:spPr>
+            <a:xfrm>
+              <a:off x="4364357" y="2645271"/>
+              <a:ext cx="313386" cy="276999"/>
+            </a:xfrm>
+            <a:prstGeom prst="rect">
+              <a:avLst/>
+            </a:prstGeom>
+            <a:noFill/>
+          </p:spPr>
+          <p:txBody>
+            <a:bodyPr wrap="none" rtlCol="0">
+              <a:spAutoFit/>
+            </a:bodyPr>
+            <a:lstStyle/>
+            <a:p>
+              <a:r>
+                <a:rPr kumimoji="1" lang="en-US" altLang="ja-JP" sz="1200" i="1" dirty="0" smtClean="0">
+                  <a:latin typeface="Book Antiqua"/>
+                  <a:cs typeface="Book Antiqua"/>
+                </a:rPr>
+                <a:t>i</a:t>
+              </a:r>
+              <a:r>
+                <a:rPr kumimoji="1" lang="en-US" altLang="ja-JP" sz="1200" i="1" baseline="-25000" dirty="0" smtClean="0">
+                  <a:latin typeface="Book Antiqua"/>
+                  <a:cs typeface="Book Antiqua"/>
+                </a:rPr>
+                <a:t>n</a:t>
+              </a:r>
+              <a:endParaRPr kumimoji="1" lang="ja-JP" altLang="en-US" sz="1200" i="1" baseline="-25000" dirty="0">
+                <a:latin typeface="Book Antiqua"/>
+                <a:cs typeface="Book Antiqua"/>
+              </a:endParaRPr>
+            </a:p>
+          </p:txBody>
+        </p:sp>
+        <p:sp>
+          <p:nvSpPr>
+            <p:cNvPr id="119" name="テキスト ボックス 118"/>
+            <p:cNvSpPr txBox="1"/>
+            <p:nvPr/>
+          </p:nvSpPr>
+          <p:spPr>
+            <a:xfrm>
+              <a:off x="5502625" y="2003918"/>
+              <a:ext cx="341814" cy="276999"/>
+            </a:xfrm>
+            <a:prstGeom prst="rect">
+              <a:avLst/>
+            </a:prstGeom>
+            <a:noFill/>
+          </p:spPr>
+          <p:txBody>
+            <a:bodyPr wrap="none" rtlCol="0">
+              <a:spAutoFit/>
+            </a:bodyPr>
+            <a:lstStyle/>
+            <a:p>
+              <a:r>
+                <a:rPr lang="en-US" altLang="ja-JP" sz="1200" i="1" dirty="0">
+                  <a:latin typeface="Book Antiqua"/>
+                  <a:cs typeface="Book Antiqua"/>
+                </a:rPr>
+                <a:t>x</a:t>
+              </a:r>
+              <a:r>
+                <a:rPr kumimoji="1" lang="en-US" altLang="ja-JP" sz="1200" i="1" baseline="-25000" dirty="0" smtClean="0">
+                  <a:latin typeface="Book Antiqua"/>
+                  <a:cs typeface="Book Antiqua"/>
+                </a:rPr>
+                <a:t>1</a:t>
+              </a:r>
+              <a:endParaRPr kumimoji="1" lang="ja-JP" altLang="en-US" sz="1200" i="1" baseline="-25000" dirty="0">
+                <a:latin typeface="Book Antiqua"/>
+                <a:cs typeface="Book Antiqua"/>
+              </a:endParaRPr>
+            </a:p>
+          </p:txBody>
+        </p:sp>
+        <p:sp>
+          <p:nvSpPr>
+            <p:cNvPr id="120" name="テキスト ボックス 119"/>
+            <p:cNvSpPr txBox="1"/>
+            <p:nvPr/>
+          </p:nvSpPr>
+          <p:spPr>
+            <a:xfrm>
+              <a:off x="5502625" y="2283528"/>
+              <a:ext cx="341814" cy="276999"/>
+            </a:xfrm>
+            <a:prstGeom prst="rect">
+              <a:avLst/>
+            </a:prstGeom>
+            <a:noFill/>
+          </p:spPr>
+          <p:txBody>
+            <a:bodyPr wrap="none" rtlCol="0">
+              <a:spAutoFit/>
+            </a:bodyPr>
+            <a:lstStyle/>
+            <a:p>
+              <a:r>
+                <a:rPr lang="en-US" altLang="ja-JP" sz="1200" i="1" dirty="0">
+                  <a:latin typeface="Book Antiqua"/>
+                  <a:cs typeface="Book Antiqua"/>
+                </a:rPr>
+                <a:t>x</a:t>
+              </a:r>
+              <a:r>
+                <a:rPr kumimoji="1" lang="en-US" altLang="ja-JP" sz="1200" i="1" baseline="-25000" dirty="0" smtClean="0">
+                  <a:latin typeface="Book Antiqua"/>
+                  <a:cs typeface="Book Antiqua"/>
+                </a:rPr>
+                <a:t>2</a:t>
+              </a:r>
+              <a:endParaRPr kumimoji="1" lang="ja-JP" altLang="en-US" sz="1200" i="1" baseline="-25000" dirty="0">
+                <a:latin typeface="Book Antiqua"/>
+                <a:cs typeface="Book Antiqua"/>
+              </a:endParaRPr>
+            </a:p>
+          </p:txBody>
+        </p:sp>
+        <p:sp>
+          <p:nvSpPr>
+            <p:cNvPr id="121" name="テキスト ボックス 120"/>
+            <p:cNvSpPr txBox="1"/>
+            <p:nvPr/>
+          </p:nvSpPr>
+          <p:spPr>
+            <a:xfrm>
+              <a:off x="5479083" y="2644001"/>
+              <a:ext cx="347575" cy="276999"/>
+            </a:xfrm>
+            <a:prstGeom prst="rect">
+              <a:avLst/>
+            </a:prstGeom>
+            <a:noFill/>
+          </p:spPr>
+          <p:txBody>
+            <a:bodyPr wrap="none" rtlCol="0">
+              <a:spAutoFit/>
+            </a:bodyPr>
+            <a:lstStyle/>
+            <a:p>
+              <a:r>
+                <a:rPr lang="en-US" altLang="ja-JP" sz="1200" i="1" dirty="0" err="1">
+                  <a:latin typeface="Book Antiqua"/>
+                  <a:cs typeface="Book Antiqua"/>
+                </a:rPr>
+                <a:t>x</a:t>
+              </a:r>
+              <a:r>
+                <a:rPr kumimoji="1" lang="en-US" altLang="ja-JP" sz="1200" i="1" baseline="-25000" dirty="0" err="1" smtClean="0">
+                  <a:latin typeface="Book Antiqua"/>
+                  <a:cs typeface="Book Antiqua"/>
+                </a:rPr>
+                <a:t>n</a:t>
+              </a:r>
+              <a:endParaRPr kumimoji="1" lang="ja-JP" altLang="en-US" sz="1200" i="1" baseline="-25000" dirty="0">
+                <a:latin typeface="Book Antiqua"/>
+                <a:cs typeface="Book Antiqua"/>
+              </a:endParaRPr>
+            </a:p>
+          </p:txBody>
+        </p:sp>
+      </p:grpSp>
+      <p:grpSp>
+        <p:nvGrpSpPr>
+          <p:cNvPr id="133" name="図形グループ 132"/>
+          <p:cNvGrpSpPr/>
+          <p:nvPr/>
+        </p:nvGrpSpPr>
+        <p:grpSpPr>
+          <a:xfrm>
+            <a:off x="3535736" y="1724165"/>
+            <a:ext cx="2221665" cy="1888490"/>
+            <a:chOff x="1724659" y="148866"/>
+            <a:chExt cx="2221665" cy="1888490"/>
+          </a:xfrm>
+        </p:grpSpPr>
+        <p:grpSp>
+          <p:nvGrpSpPr>
+            <p:cNvPr id="56" name="図形グループ 55"/>
+            <p:cNvGrpSpPr/>
+            <p:nvPr/>
+          </p:nvGrpSpPr>
+          <p:grpSpPr>
+            <a:xfrm>
+              <a:off x="1724659" y="148866"/>
+              <a:ext cx="1767839" cy="1888490"/>
+              <a:chOff x="1842770" y="1858010"/>
+              <a:chExt cx="1767839" cy="1888490"/>
+            </a:xfrm>
+          </p:grpSpPr>
+          <p:grpSp>
+            <p:nvGrpSpPr>
+              <p:cNvPr id="50" name="図形グループ 49"/>
+              <p:cNvGrpSpPr/>
+              <p:nvPr/>
+            </p:nvGrpSpPr>
+            <p:grpSpPr>
+              <a:xfrm>
+                <a:off x="2512025" y="2420620"/>
+                <a:ext cx="447075" cy="763270"/>
+                <a:chOff x="2512025" y="2420620"/>
+                <a:chExt cx="447075" cy="763270"/>
+              </a:xfrm>
+            </p:grpSpPr>
+            <p:cxnSp>
+              <p:nvCxnSpPr>
+                <p:cNvPr id="18" name="直線コネクタ 17"/>
+                <p:cNvCxnSpPr/>
+                <p:nvPr/>
+              </p:nvCxnSpPr>
+              <p:spPr>
+                <a:xfrm>
+                  <a:off x="2512025" y="2420620"/>
+                  <a:ext cx="447075" cy="0"/>
+                </a:xfrm>
+                <a:prstGeom prst="line">
+                  <a:avLst/>
+                </a:prstGeom>
+                <a:ln>
+                  <a:solidFill>
+                    <a:schemeClr val="tx1"/>
+                  </a:solidFill>
+                </a:ln>
+                <a:effectLst/>
+              </p:spPr>
+              <p:style>
+                <a:lnRef idx="2">
+                  <a:schemeClr val="accent1"/>
+                </a:lnRef>
+                <a:fillRef idx="0">
+                  <a:schemeClr val="accent1"/>
+                </a:fillRef>
+                <a:effectRef idx="1">
+                  <a:schemeClr val="accent1"/>
+                </a:effectRef>
+                <a:fontRef idx="minor">
+                  <a:schemeClr val="tx1"/>
+                </a:fontRef>
+              </p:style>
+            </p:cxnSp>
+            <p:cxnSp>
+              <p:nvCxnSpPr>
+                <p:cNvPr id="20" name="直線コネクタ 19"/>
+                <p:cNvCxnSpPr/>
+                <p:nvPr/>
+              </p:nvCxnSpPr>
+              <p:spPr>
+                <a:xfrm>
+                  <a:off x="2512025" y="3183890"/>
+                  <a:ext cx="447075" cy="0"/>
+                </a:xfrm>
+                <a:prstGeom prst="line">
+                  <a:avLst/>
+                </a:prstGeom>
+                <a:ln>
+                  <a:solidFill>
+                    <a:schemeClr val="tx1"/>
+                  </a:solidFill>
+                </a:ln>
+                <a:effectLst/>
+              </p:spPr>
+              <p:style>
+                <a:lnRef idx="2">
+                  <a:schemeClr val="accent1"/>
+                </a:lnRef>
+                <a:fillRef idx="0">
+                  <a:schemeClr val="accent1"/>
+                </a:fillRef>
+                <a:effectRef idx="1">
+                  <a:schemeClr val="accent1"/>
+                </a:effectRef>
+                <a:fontRef idx="minor">
+                  <a:schemeClr val="tx1"/>
+                </a:fontRef>
+              </p:style>
+            </p:cxnSp>
+          </p:grpSp>
+          <p:sp>
+            <p:nvSpPr>
+              <p:cNvPr id="29" name="円弧 28"/>
+              <p:cNvSpPr/>
+              <p:nvPr/>
+            </p:nvSpPr>
+            <p:spPr>
+              <a:xfrm>
+                <a:off x="1842770" y="2309494"/>
+                <a:ext cx="822960" cy="992505"/>
+              </a:xfrm>
+              <a:prstGeom prst="arc">
+                <a:avLst>
+                  <a:gd name="adj1" fmla="val 18263074"/>
+                  <a:gd name="adj2" fmla="val 3324404"/>
+                </a:avLst>
+              </a:prstGeom>
+              <a:ln>
+                <a:solidFill>
+                  <a:srgbClr val="000000"/>
+                </a:solidFill>
+              </a:ln>
+              <a:effectLst/>
+            </p:spPr>
+            <p:style>
+              <a:lnRef idx="2">
+                <a:schemeClr val="accent1"/>
+              </a:lnRef>
+              <a:fillRef idx="0">
+                <a:schemeClr val="accent1"/>
+              </a:fillRef>
+              <a:effectRef idx="1">
+                <a:schemeClr val="accent1"/>
+              </a:effectRef>
+              <a:fontRef idx="minor">
+                <a:schemeClr val="tx1"/>
+              </a:fontRef>
+            </p:style>
+            <p:txBody>
+              <a:bodyPr/>
+              <a:lstStyle/>
+              <a:p>
+                <a:endParaRPr lang="ja-JP" altLang="en-US" dirty="0"/>
+              </a:p>
+            </p:txBody>
+          </p:sp>
+          <p:sp>
+            <p:nvSpPr>
+              <p:cNvPr id="30" name="円弧 29"/>
+              <p:cNvSpPr/>
+              <p:nvPr/>
+            </p:nvSpPr>
+            <p:spPr>
+              <a:xfrm>
+                <a:off x="2307590" y="2420620"/>
+                <a:ext cx="1303019" cy="1325880"/>
+              </a:xfrm>
+              <a:prstGeom prst="arc">
+                <a:avLst>
+                  <a:gd name="adj1" fmla="val 16200000"/>
+                  <a:gd name="adj2" fmla="val 20120088"/>
+                </a:avLst>
+              </a:prstGeom>
+              <a:ln>
+                <a:solidFill>
+                  <a:schemeClr val="tx1"/>
+                </a:solidFill>
+              </a:ln>
+              <a:effectLst/>
+            </p:spPr>
+            <p:style>
+              <a:lnRef idx="2">
+                <a:schemeClr val="accent1"/>
+              </a:lnRef>
+              <a:fillRef idx="0">
+                <a:schemeClr val="accent1"/>
+              </a:fillRef>
+              <a:effectRef idx="1">
+                <a:schemeClr val="accent1"/>
+              </a:effectRef>
+              <a:fontRef idx="minor">
+                <a:schemeClr val="tx1"/>
+              </a:fontRef>
+            </p:style>
+            <p:txBody>
+              <a:bodyPr/>
+              <a:lstStyle/>
+              <a:p>
+                <a:endParaRPr lang="ja-JP" altLang="en-US" dirty="0"/>
+              </a:p>
+            </p:txBody>
+          </p:sp>
+          <p:sp>
+            <p:nvSpPr>
+              <p:cNvPr id="42" name="円弧 41"/>
+              <p:cNvSpPr/>
+              <p:nvPr/>
+            </p:nvSpPr>
+            <p:spPr>
+              <a:xfrm flipV="1">
+                <a:off x="2307590" y="1858010"/>
+                <a:ext cx="1303019" cy="1325880"/>
+              </a:xfrm>
+              <a:prstGeom prst="arc">
+                <a:avLst>
+                  <a:gd name="adj1" fmla="val 16200000"/>
+                  <a:gd name="adj2" fmla="val 20074316"/>
+                </a:avLst>
+              </a:prstGeom>
+              <a:ln>
+                <a:solidFill>
+                  <a:schemeClr val="tx1"/>
+                </a:solidFill>
+              </a:ln>
+              <a:effectLst/>
+            </p:spPr>
+            <p:style>
+              <a:lnRef idx="2">
+                <a:schemeClr val="accent1"/>
+              </a:lnRef>
+              <a:fillRef idx="0">
+                <a:schemeClr val="accent1"/>
+              </a:fillRef>
+              <a:effectRef idx="1">
+                <a:schemeClr val="accent1"/>
+              </a:effectRef>
+              <a:fontRef idx="minor">
+                <a:schemeClr val="tx1"/>
+              </a:fontRef>
+            </p:style>
+            <p:txBody>
+              <a:bodyPr/>
+              <a:lstStyle/>
+              <a:p>
+                <a:endParaRPr lang="ja-JP" altLang="en-US" dirty="0"/>
+              </a:p>
+            </p:txBody>
+          </p:sp>
+        </p:grpSp>
+        <p:sp>
+          <p:nvSpPr>
+            <p:cNvPr id="123" name="テキスト ボックス 122"/>
+            <p:cNvSpPr txBox="1"/>
+            <p:nvPr/>
+          </p:nvSpPr>
+          <p:spPr>
+            <a:xfrm>
+              <a:off x="2222518" y="961835"/>
+              <a:ext cx="246432" cy="369332"/>
+            </a:xfrm>
+            <a:prstGeom prst="rect">
+              <a:avLst/>
+            </a:prstGeom>
+            <a:noFill/>
+          </p:spPr>
+          <p:txBody>
+            <a:bodyPr wrap="none" rtlCol="0">
+              <a:spAutoFit/>
+            </a:bodyPr>
+            <a:lstStyle/>
+            <a:p>
+              <a:r>
+                <a:rPr kumimoji="1" lang="en-US" altLang="ja-JP" dirty="0" smtClean="0"/>
+                <a:t>:</a:t>
+              </a:r>
+              <a:endParaRPr kumimoji="1" lang="ja-JP" altLang="en-US" dirty="0"/>
+            </a:p>
+          </p:txBody>
+        </p:sp>
+        <p:cxnSp>
+          <p:nvCxnSpPr>
+            <p:cNvPr id="124" name="直線コネクタ 123"/>
+            <p:cNvCxnSpPr/>
+            <p:nvPr/>
+          </p:nvCxnSpPr>
+          <p:spPr>
+            <a:xfrm>
+              <a:off x="2209868" y="840455"/>
+              <a:ext cx="284480" cy="0"/>
+            </a:xfrm>
+            <a:prstGeom prst="line">
+              <a:avLst/>
+            </a:prstGeom>
+            <a:ln>
+              <a:solidFill>
+                <a:schemeClr val="tx1"/>
+              </a:solidFill>
+            </a:ln>
+            <a:effectLst/>
+          </p:spPr>
+          <p:style>
+            <a:lnRef idx="2">
+              <a:schemeClr val="accent1"/>
+            </a:lnRef>
+            <a:fillRef idx="0">
+              <a:schemeClr val="accent1"/>
+            </a:fillRef>
+            <a:effectRef idx="1">
+              <a:schemeClr val="accent1"/>
+            </a:effectRef>
+            <a:fontRef idx="minor">
+              <a:schemeClr val="tx1"/>
+            </a:fontRef>
+          </p:style>
+        </p:cxnSp>
+        <p:cxnSp>
+          <p:nvCxnSpPr>
+            <p:cNvPr id="125" name="直線コネクタ 124"/>
+            <p:cNvCxnSpPr/>
+            <p:nvPr/>
+          </p:nvCxnSpPr>
+          <p:spPr>
+            <a:xfrm>
+              <a:off x="2209868" y="1013175"/>
+              <a:ext cx="337751" cy="0"/>
+            </a:xfrm>
+            <a:prstGeom prst="line">
+              <a:avLst/>
+            </a:prstGeom>
+            <a:ln>
+              <a:solidFill>
+                <a:schemeClr val="tx1"/>
+              </a:solidFill>
+            </a:ln>
+            <a:effectLst/>
+          </p:spPr>
+          <p:style>
+            <a:lnRef idx="2">
+              <a:schemeClr val="accent1"/>
+            </a:lnRef>
+            <a:fillRef idx="0">
+              <a:schemeClr val="accent1"/>
+            </a:fillRef>
+            <a:effectRef idx="1">
+              <a:schemeClr val="accent1"/>
+            </a:effectRef>
+            <a:fontRef idx="minor">
+              <a:schemeClr val="tx1"/>
+            </a:fontRef>
+          </p:style>
+        </p:cxnSp>
+        <p:cxnSp>
+          <p:nvCxnSpPr>
+            <p:cNvPr id="126" name="直線コネクタ 125"/>
+            <p:cNvCxnSpPr/>
+            <p:nvPr/>
+          </p:nvCxnSpPr>
+          <p:spPr>
+            <a:xfrm>
+              <a:off x="2220028" y="1354805"/>
+              <a:ext cx="284480" cy="0"/>
+            </a:xfrm>
+            <a:prstGeom prst="line">
+              <a:avLst/>
+            </a:prstGeom>
+            <a:ln>
+              <a:solidFill>
+                <a:schemeClr val="tx1"/>
+              </a:solidFill>
+            </a:ln>
+            <a:effectLst/>
+          </p:spPr>
+          <p:style>
+            <a:lnRef idx="2">
+              <a:schemeClr val="accent1"/>
+            </a:lnRef>
+            <a:fillRef idx="0">
+              <a:schemeClr val="accent1"/>
+            </a:fillRef>
+            <a:effectRef idx="1">
+              <a:schemeClr val="accent1"/>
+            </a:effectRef>
+            <a:fontRef idx="minor">
+              <a:schemeClr val="tx1"/>
+            </a:fontRef>
+          </p:style>
+        </p:cxnSp>
+        <p:sp>
+          <p:nvSpPr>
+            <p:cNvPr id="127" name="テキスト ボックス 126"/>
+            <p:cNvSpPr txBox="1"/>
+            <p:nvPr/>
+          </p:nvSpPr>
+          <p:spPr>
+            <a:xfrm>
+              <a:off x="1974669" y="679164"/>
+              <a:ext cx="307625" cy="276999"/>
+            </a:xfrm>
+            <a:prstGeom prst="rect">
+              <a:avLst/>
+            </a:prstGeom>
+            <a:noFill/>
+          </p:spPr>
+          <p:txBody>
+            <a:bodyPr wrap="none" rtlCol="0">
+              <a:spAutoFit/>
+            </a:bodyPr>
+            <a:lstStyle/>
+            <a:p>
+              <a:r>
+                <a:rPr kumimoji="1" lang="en-US" altLang="ja-JP" sz="1200" i="1" dirty="0" smtClean="0">
+                  <a:latin typeface="Book Antiqua"/>
+                  <a:cs typeface="Book Antiqua"/>
+                </a:rPr>
+                <a:t>i</a:t>
+              </a:r>
+              <a:r>
+                <a:rPr kumimoji="1" lang="en-US" altLang="ja-JP" sz="1200" i="1" baseline="-25000" dirty="0" smtClean="0">
+                  <a:latin typeface="Book Antiqua"/>
+                  <a:cs typeface="Book Antiqua"/>
+                </a:rPr>
+                <a:t>1</a:t>
+              </a:r>
+              <a:endParaRPr kumimoji="1" lang="ja-JP" altLang="en-US" sz="1200" i="1" baseline="-25000" dirty="0">
+                <a:latin typeface="Book Antiqua"/>
+                <a:cs typeface="Book Antiqua"/>
+              </a:endParaRPr>
+            </a:p>
+          </p:txBody>
+        </p:sp>
+        <p:sp>
+          <p:nvSpPr>
+            <p:cNvPr id="128" name="テキスト ボックス 127"/>
+            <p:cNvSpPr txBox="1"/>
+            <p:nvPr/>
+          </p:nvSpPr>
+          <p:spPr>
+            <a:xfrm>
+              <a:off x="1974669" y="855833"/>
+              <a:ext cx="307625" cy="276999"/>
+            </a:xfrm>
+            <a:prstGeom prst="rect">
+              <a:avLst/>
+            </a:prstGeom>
+            <a:noFill/>
+          </p:spPr>
+          <p:txBody>
+            <a:bodyPr wrap="none" rtlCol="0">
+              <a:spAutoFit/>
+            </a:bodyPr>
+            <a:lstStyle/>
+            <a:p>
+              <a:r>
+                <a:rPr kumimoji="1" lang="en-US" altLang="ja-JP" sz="1200" i="1" dirty="0" smtClean="0">
+                  <a:latin typeface="Book Antiqua"/>
+                  <a:cs typeface="Book Antiqua"/>
+                </a:rPr>
+                <a:t>i</a:t>
+              </a:r>
+              <a:r>
+                <a:rPr kumimoji="1" lang="en-US" altLang="ja-JP" sz="1200" i="1" baseline="-25000" dirty="0" smtClean="0">
+                  <a:latin typeface="Book Antiqua"/>
+                  <a:cs typeface="Book Antiqua"/>
+                </a:rPr>
+                <a:t>2</a:t>
+              </a:r>
+              <a:endParaRPr kumimoji="1" lang="ja-JP" altLang="en-US" sz="1200" i="1" baseline="-25000" dirty="0">
+                <a:latin typeface="Book Antiqua"/>
+                <a:cs typeface="Book Antiqua"/>
+              </a:endParaRPr>
+            </a:p>
+          </p:txBody>
+        </p:sp>
+        <p:sp>
+          <p:nvSpPr>
+            <p:cNvPr id="129" name="テキスト ボックス 128"/>
+            <p:cNvSpPr txBox="1"/>
+            <p:nvPr/>
+          </p:nvSpPr>
+          <p:spPr>
+            <a:xfrm>
+              <a:off x="1974669" y="1192667"/>
+              <a:ext cx="313386" cy="276999"/>
+            </a:xfrm>
+            <a:prstGeom prst="rect">
+              <a:avLst/>
+            </a:prstGeom>
+            <a:noFill/>
+          </p:spPr>
+          <p:txBody>
+            <a:bodyPr wrap="none" rtlCol="0">
+              <a:spAutoFit/>
+            </a:bodyPr>
+            <a:lstStyle/>
+            <a:p>
+              <a:r>
+                <a:rPr kumimoji="1" lang="en-US" altLang="ja-JP" sz="1200" i="1" dirty="0" smtClean="0">
+                  <a:latin typeface="Book Antiqua"/>
+                  <a:cs typeface="Book Antiqua"/>
+                </a:rPr>
+                <a:t>i</a:t>
+              </a:r>
+              <a:r>
+                <a:rPr kumimoji="1" lang="en-US" altLang="ja-JP" sz="1200" i="1" baseline="-25000" dirty="0" smtClean="0">
+                  <a:latin typeface="Book Antiqua"/>
+                  <a:cs typeface="Book Antiqua"/>
+                </a:rPr>
+                <a:t>n</a:t>
+              </a:r>
+              <a:endParaRPr kumimoji="1" lang="ja-JP" altLang="en-US" sz="1200" i="1" baseline="-25000" dirty="0">
+                <a:latin typeface="Book Antiqua"/>
+                <a:cs typeface="Book Antiqua"/>
+              </a:endParaRPr>
+            </a:p>
+          </p:txBody>
+        </p:sp>
+        <p:cxnSp>
+          <p:nvCxnSpPr>
+            <p:cNvPr id="131" name="直線コネクタ 130"/>
+            <p:cNvCxnSpPr/>
+            <p:nvPr/>
+          </p:nvCxnSpPr>
+          <p:spPr>
+            <a:xfrm>
+              <a:off x="3422644" y="1091777"/>
+              <a:ext cx="284480" cy="0"/>
+            </a:xfrm>
+            <a:prstGeom prst="line">
+              <a:avLst/>
+            </a:prstGeom>
+            <a:ln>
+              <a:solidFill>
+                <a:schemeClr val="tx1"/>
+              </a:solidFill>
+            </a:ln>
+            <a:effectLst/>
+          </p:spPr>
+          <p:style>
+            <a:lnRef idx="2">
+              <a:schemeClr val="accent1"/>
+            </a:lnRef>
+            <a:fillRef idx="0">
+              <a:schemeClr val="accent1"/>
+            </a:fillRef>
+            <a:effectRef idx="1">
+              <a:schemeClr val="accent1"/>
+            </a:effectRef>
+            <a:fontRef idx="minor">
+              <a:schemeClr val="tx1"/>
+            </a:fontRef>
+          </p:style>
+        </p:cxnSp>
+        <p:sp>
+          <p:nvSpPr>
+            <p:cNvPr id="132" name="テキスト ボックス 131"/>
+            <p:cNvSpPr txBox="1"/>
+            <p:nvPr/>
+          </p:nvSpPr>
+          <p:spPr>
+            <a:xfrm>
+              <a:off x="3654770" y="928368"/>
+              <a:ext cx="291554" cy="276999"/>
+            </a:xfrm>
+            <a:prstGeom prst="rect">
+              <a:avLst/>
+            </a:prstGeom>
+            <a:noFill/>
+          </p:spPr>
+          <p:txBody>
+            <a:bodyPr wrap="none" rtlCol="0">
+              <a:spAutoFit/>
+            </a:bodyPr>
+            <a:lstStyle/>
+            <a:p>
+              <a:r>
+                <a:rPr lang="en-US" altLang="ja-JP" sz="1200" i="1" dirty="0">
+                  <a:latin typeface="Book Antiqua"/>
+                  <a:cs typeface="Book Antiqua"/>
+                </a:rPr>
+                <a:t>x</a:t>
+              </a:r>
+              <a:endParaRPr kumimoji="1" lang="ja-JP" altLang="en-US" sz="1200" i="1" baseline="-25000" dirty="0">
+                <a:latin typeface="Book Antiqua"/>
+                <a:cs typeface="Book Antiqua"/>
+              </a:endParaRPr>
+            </a:p>
+          </p:txBody>
+        </p:sp>
+      </p:grpSp>
+      <p:grpSp>
+        <p:nvGrpSpPr>
+          <p:cNvPr id="158" name="図形グループ 157"/>
+          <p:cNvGrpSpPr/>
+          <p:nvPr/>
+        </p:nvGrpSpPr>
+        <p:grpSpPr>
+          <a:xfrm>
+            <a:off x="3723637" y="4165049"/>
+            <a:ext cx="2221665" cy="1888490"/>
+            <a:chOff x="1881130" y="3808857"/>
+            <a:chExt cx="2221665" cy="1888490"/>
+          </a:xfrm>
+        </p:grpSpPr>
+        <p:sp>
+          <p:nvSpPr>
+            <p:cNvPr id="54" name="円/楕円 53"/>
+            <p:cNvSpPr/>
+            <p:nvPr/>
+          </p:nvSpPr>
+          <p:spPr>
+            <a:xfrm>
+              <a:off x="3595628" y="4702716"/>
+              <a:ext cx="106681" cy="107950"/>
+            </a:xfrm>
+            <a:prstGeom prst="ellipse">
+              <a:avLst/>
+            </a:prstGeom>
+            <a:noFill/>
+            <a:ln w="22225">
+              <a:solidFill>
+                <a:schemeClr val="tx1"/>
+              </a:solidFill>
+            </a:ln>
+            <a:effectLst/>
+          </p:spPr>
+          <p:style>
+            <a:lnRef idx="1">
+              <a:schemeClr val="accent1"/>
+            </a:lnRef>
+            <a:fillRef idx="3">
+              <a:schemeClr val="accent1"/>
+            </a:fillRef>
+            <a:effectRef idx="2">
+              <a:schemeClr val="accent1"/>
+            </a:effectRef>
+            <a:fontRef idx="minor">
+              <a:schemeClr val="lt1"/>
+            </a:fontRef>
+          </p:style>
+          <p:txBody>
+            <a:bodyPr/>
+            <a:lstStyle/>
+            <a:p>
+              <a:endParaRPr lang="ja-JP" altLang="en-US" dirty="0"/>
+            </a:p>
+          </p:txBody>
+        </p:sp>
+        <p:grpSp>
+          <p:nvGrpSpPr>
+            <p:cNvPr id="135" name="図形グループ 134"/>
+            <p:cNvGrpSpPr/>
+            <p:nvPr/>
+          </p:nvGrpSpPr>
+          <p:grpSpPr>
+            <a:xfrm>
+              <a:off x="1881130" y="3808857"/>
+              <a:ext cx="1767839" cy="1888490"/>
+              <a:chOff x="1842770" y="1858010"/>
+              <a:chExt cx="1767839" cy="1888490"/>
+            </a:xfrm>
+          </p:grpSpPr>
+          <p:grpSp>
+            <p:nvGrpSpPr>
+              <p:cNvPr id="145" name="図形グループ 144"/>
+              <p:cNvGrpSpPr/>
+              <p:nvPr/>
+            </p:nvGrpSpPr>
+            <p:grpSpPr>
+              <a:xfrm>
+                <a:off x="2512025" y="2420620"/>
+                <a:ext cx="447075" cy="763270"/>
+                <a:chOff x="2512025" y="2420620"/>
+                <a:chExt cx="447075" cy="763270"/>
+              </a:xfrm>
+            </p:grpSpPr>
+            <p:cxnSp>
+              <p:nvCxnSpPr>
+                <p:cNvPr id="149" name="直線コネクタ 148"/>
+                <p:cNvCxnSpPr/>
+                <p:nvPr/>
+              </p:nvCxnSpPr>
+              <p:spPr>
+                <a:xfrm>
+                  <a:off x="2512025" y="2420620"/>
+                  <a:ext cx="447075" cy="0"/>
+                </a:xfrm>
+                <a:prstGeom prst="line">
+                  <a:avLst/>
+                </a:prstGeom>
+                <a:ln>
+                  <a:solidFill>
+                    <a:schemeClr val="tx1"/>
+                  </a:solidFill>
+                </a:ln>
+                <a:effectLst/>
+              </p:spPr>
+              <p:style>
+                <a:lnRef idx="2">
+                  <a:schemeClr val="accent1"/>
+                </a:lnRef>
+                <a:fillRef idx="0">
+                  <a:schemeClr val="accent1"/>
+                </a:fillRef>
+                <a:effectRef idx="1">
+                  <a:schemeClr val="accent1"/>
+                </a:effectRef>
+                <a:fontRef idx="minor">
+                  <a:schemeClr val="tx1"/>
+                </a:fontRef>
+              </p:style>
+            </p:cxnSp>
+            <p:cxnSp>
+              <p:nvCxnSpPr>
+                <p:cNvPr id="150" name="直線コネクタ 149"/>
+                <p:cNvCxnSpPr/>
+                <p:nvPr/>
+              </p:nvCxnSpPr>
+              <p:spPr>
+                <a:xfrm>
+                  <a:off x="2512025" y="3183890"/>
+                  <a:ext cx="447075" cy="0"/>
+                </a:xfrm>
+                <a:prstGeom prst="line">
+                  <a:avLst/>
+                </a:prstGeom>
+                <a:ln>
+                  <a:solidFill>
+                    <a:schemeClr val="tx1"/>
+                  </a:solidFill>
+                </a:ln>
+                <a:effectLst/>
+              </p:spPr>
+              <p:style>
+                <a:lnRef idx="2">
+                  <a:schemeClr val="accent1"/>
+                </a:lnRef>
+                <a:fillRef idx="0">
+                  <a:schemeClr val="accent1"/>
+                </a:fillRef>
+                <a:effectRef idx="1">
+                  <a:schemeClr val="accent1"/>
+                </a:effectRef>
+                <a:fontRef idx="minor">
+                  <a:schemeClr val="tx1"/>
+                </a:fontRef>
+              </p:style>
+            </p:cxnSp>
+          </p:grpSp>
+          <p:sp>
+            <p:nvSpPr>
+              <p:cNvPr id="146" name="円弧 145"/>
+              <p:cNvSpPr/>
+              <p:nvPr/>
+            </p:nvSpPr>
+            <p:spPr>
+              <a:xfrm>
+                <a:off x="1842770" y="2309494"/>
+                <a:ext cx="822960" cy="992505"/>
+              </a:xfrm>
+              <a:prstGeom prst="arc">
+                <a:avLst>
+                  <a:gd name="adj1" fmla="val 18263074"/>
+                  <a:gd name="adj2" fmla="val 3324404"/>
+                </a:avLst>
+              </a:prstGeom>
+              <a:ln>
+                <a:solidFill>
+                  <a:srgbClr val="000000"/>
+                </a:solidFill>
+              </a:ln>
+              <a:effectLst/>
+            </p:spPr>
+            <p:style>
+              <a:lnRef idx="2">
+                <a:schemeClr val="accent1"/>
+              </a:lnRef>
+              <a:fillRef idx="0">
+                <a:schemeClr val="accent1"/>
+              </a:fillRef>
+              <a:effectRef idx="1">
+                <a:schemeClr val="accent1"/>
+              </a:effectRef>
+              <a:fontRef idx="minor">
+                <a:schemeClr val="tx1"/>
+              </a:fontRef>
+            </p:style>
+            <p:txBody>
+              <a:bodyPr/>
+              <a:lstStyle/>
+              <a:p>
+                <a:endParaRPr lang="ja-JP" altLang="en-US" dirty="0"/>
+              </a:p>
+            </p:txBody>
+          </p:sp>
+          <p:sp>
+            <p:nvSpPr>
+              <p:cNvPr id="147" name="円弧 146"/>
+              <p:cNvSpPr/>
+              <p:nvPr/>
+            </p:nvSpPr>
+            <p:spPr>
+              <a:xfrm>
+                <a:off x="2307590" y="2420620"/>
+                <a:ext cx="1303019" cy="1325880"/>
+              </a:xfrm>
+              <a:prstGeom prst="arc">
+                <a:avLst>
+                  <a:gd name="adj1" fmla="val 16200000"/>
+                  <a:gd name="adj2" fmla="val 20120088"/>
+                </a:avLst>
+              </a:prstGeom>
+              <a:ln>
+                <a:solidFill>
+                  <a:schemeClr val="tx1"/>
+                </a:solidFill>
+              </a:ln>
+              <a:effectLst/>
+            </p:spPr>
+            <p:style>
+              <a:lnRef idx="2">
+                <a:schemeClr val="accent1"/>
+              </a:lnRef>
+              <a:fillRef idx="0">
+                <a:schemeClr val="accent1"/>
+              </a:fillRef>
+              <a:effectRef idx="1">
+                <a:schemeClr val="accent1"/>
+              </a:effectRef>
+              <a:fontRef idx="minor">
+                <a:schemeClr val="tx1"/>
+              </a:fontRef>
+            </p:style>
+            <p:txBody>
+              <a:bodyPr/>
+              <a:lstStyle/>
+              <a:p>
+                <a:endParaRPr lang="ja-JP" altLang="en-US" dirty="0"/>
+              </a:p>
+            </p:txBody>
+          </p:sp>
+          <p:sp>
+            <p:nvSpPr>
+              <p:cNvPr id="148" name="円弧 147"/>
+              <p:cNvSpPr/>
+              <p:nvPr/>
+            </p:nvSpPr>
+            <p:spPr>
+              <a:xfrm flipV="1">
+                <a:off x="2307590" y="1858010"/>
+                <a:ext cx="1303019" cy="1325880"/>
+              </a:xfrm>
+              <a:prstGeom prst="arc">
+                <a:avLst>
+                  <a:gd name="adj1" fmla="val 16200000"/>
+                  <a:gd name="adj2" fmla="val 20074316"/>
+                </a:avLst>
+              </a:prstGeom>
+              <a:ln>
+                <a:solidFill>
+                  <a:schemeClr val="tx1"/>
+                </a:solidFill>
+              </a:ln>
+              <a:effectLst/>
+            </p:spPr>
+            <p:style>
+              <a:lnRef idx="2">
+                <a:schemeClr val="accent1"/>
+              </a:lnRef>
+              <a:fillRef idx="0">
+                <a:schemeClr val="accent1"/>
+              </a:fillRef>
+              <a:effectRef idx="1">
+                <a:schemeClr val="accent1"/>
+              </a:effectRef>
+              <a:fontRef idx="minor">
+                <a:schemeClr val="tx1"/>
+              </a:fontRef>
+            </p:style>
+            <p:txBody>
+              <a:bodyPr/>
+              <a:lstStyle/>
+              <a:p>
+                <a:endParaRPr lang="ja-JP" altLang="en-US" dirty="0"/>
+              </a:p>
+            </p:txBody>
+          </p:sp>
+        </p:grpSp>
+        <p:sp>
+          <p:nvSpPr>
+            <p:cNvPr id="136" name="テキスト ボックス 135"/>
+            <p:cNvSpPr txBox="1"/>
+            <p:nvPr/>
+          </p:nvSpPr>
+          <p:spPr>
+            <a:xfrm>
+              <a:off x="2378989" y="4621826"/>
+              <a:ext cx="246432" cy="369332"/>
+            </a:xfrm>
+            <a:prstGeom prst="rect">
+              <a:avLst/>
+            </a:prstGeom>
+            <a:noFill/>
+          </p:spPr>
+          <p:txBody>
+            <a:bodyPr wrap="none" rtlCol="0">
+              <a:spAutoFit/>
+            </a:bodyPr>
+            <a:lstStyle/>
+            <a:p>
+              <a:r>
+                <a:rPr kumimoji="1" lang="en-US" altLang="ja-JP" dirty="0" smtClean="0"/>
+                <a:t>:</a:t>
+              </a:r>
+              <a:endParaRPr kumimoji="1" lang="ja-JP" altLang="en-US" dirty="0"/>
+            </a:p>
+          </p:txBody>
+        </p:sp>
+        <p:cxnSp>
+          <p:nvCxnSpPr>
+            <p:cNvPr id="137" name="直線コネクタ 136"/>
+            <p:cNvCxnSpPr/>
+            <p:nvPr/>
+          </p:nvCxnSpPr>
+          <p:spPr>
+            <a:xfrm>
+              <a:off x="2366339" y="4500446"/>
+              <a:ext cx="284480" cy="0"/>
+            </a:xfrm>
+            <a:prstGeom prst="line">
+              <a:avLst/>
+            </a:prstGeom>
+            <a:ln>
+              <a:solidFill>
+                <a:schemeClr val="tx1"/>
+              </a:solidFill>
+            </a:ln>
+            <a:effectLst/>
+          </p:spPr>
+          <p:style>
+            <a:lnRef idx="2">
+              <a:schemeClr val="accent1"/>
+            </a:lnRef>
+            <a:fillRef idx="0">
+              <a:schemeClr val="accent1"/>
+            </a:fillRef>
+            <a:effectRef idx="1">
+              <a:schemeClr val="accent1"/>
+            </a:effectRef>
+            <a:fontRef idx="minor">
+              <a:schemeClr val="tx1"/>
+            </a:fontRef>
+          </p:style>
+        </p:cxnSp>
+        <p:cxnSp>
+          <p:nvCxnSpPr>
+            <p:cNvPr id="138" name="直線コネクタ 137"/>
+            <p:cNvCxnSpPr/>
+            <p:nvPr/>
+          </p:nvCxnSpPr>
+          <p:spPr>
+            <a:xfrm>
+              <a:off x="2366339" y="4673166"/>
+              <a:ext cx="337751" cy="0"/>
+            </a:xfrm>
+            <a:prstGeom prst="line">
+              <a:avLst/>
+            </a:prstGeom>
+            <a:ln>
+              <a:solidFill>
+                <a:schemeClr val="tx1"/>
+              </a:solidFill>
+            </a:ln>
+            <a:effectLst/>
+          </p:spPr>
+          <p:style>
+            <a:lnRef idx="2">
+              <a:schemeClr val="accent1"/>
+            </a:lnRef>
+            <a:fillRef idx="0">
+              <a:schemeClr val="accent1"/>
+            </a:fillRef>
+            <a:effectRef idx="1">
+              <a:schemeClr val="accent1"/>
+            </a:effectRef>
+            <a:fontRef idx="minor">
+              <a:schemeClr val="tx1"/>
+            </a:fontRef>
+          </p:style>
+        </p:cxnSp>
+        <p:cxnSp>
+          <p:nvCxnSpPr>
+            <p:cNvPr id="139" name="直線コネクタ 138"/>
+            <p:cNvCxnSpPr/>
+            <p:nvPr/>
+          </p:nvCxnSpPr>
+          <p:spPr>
+            <a:xfrm>
+              <a:off x="2376499" y="5014796"/>
+              <a:ext cx="284480" cy="0"/>
+            </a:xfrm>
+            <a:prstGeom prst="line">
+              <a:avLst/>
+            </a:prstGeom>
+            <a:ln>
+              <a:solidFill>
+                <a:schemeClr val="tx1"/>
+              </a:solidFill>
+            </a:ln>
+            <a:effectLst/>
+          </p:spPr>
+          <p:style>
+            <a:lnRef idx="2">
+              <a:schemeClr val="accent1"/>
+            </a:lnRef>
+            <a:fillRef idx="0">
+              <a:schemeClr val="accent1"/>
+            </a:fillRef>
+            <a:effectRef idx="1">
+              <a:schemeClr val="accent1"/>
+            </a:effectRef>
+            <a:fontRef idx="minor">
+              <a:schemeClr val="tx1"/>
+            </a:fontRef>
+          </p:style>
+        </p:cxnSp>
+        <p:sp>
+          <p:nvSpPr>
+            <p:cNvPr id="140" name="テキスト ボックス 139"/>
+            <p:cNvSpPr txBox="1"/>
+            <p:nvPr/>
+          </p:nvSpPr>
+          <p:spPr>
+            <a:xfrm>
+              <a:off x="2131140" y="4339155"/>
+              <a:ext cx="307625" cy="276999"/>
+            </a:xfrm>
+            <a:prstGeom prst="rect">
+              <a:avLst/>
+            </a:prstGeom>
+            <a:noFill/>
+          </p:spPr>
+          <p:txBody>
+            <a:bodyPr wrap="none" rtlCol="0">
+              <a:spAutoFit/>
+            </a:bodyPr>
+            <a:lstStyle/>
+            <a:p>
+              <a:r>
+                <a:rPr kumimoji="1" lang="en-US" altLang="ja-JP" sz="1200" i="1" dirty="0" smtClean="0">
+                  <a:latin typeface="Book Antiqua"/>
+                  <a:cs typeface="Book Antiqua"/>
+                </a:rPr>
+                <a:t>i</a:t>
+              </a:r>
+              <a:r>
+                <a:rPr kumimoji="1" lang="en-US" altLang="ja-JP" sz="1200" i="1" baseline="-25000" dirty="0" smtClean="0">
+                  <a:latin typeface="Book Antiqua"/>
+                  <a:cs typeface="Book Antiqua"/>
+                </a:rPr>
+                <a:t>1</a:t>
+              </a:r>
+              <a:endParaRPr kumimoji="1" lang="ja-JP" altLang="en-US" sz="1200" i="1" baseline="-25000" dirty="0">
+                <a:latin typeface="Book Antiqua"/>
+                <a:cs typeface="Book Antiqua"/>
+              </a:endParaRPr>
+            </a:p>
+          </p:txBody>
+        </p:sp>
+        <p:sp>
+          <p:nvSpPr>
+            <p:cNvPr id="141" name="テキスト ボックス 140"/>
+            <p:cNvSpPr txBox="1"/>
+            <p:nvPr/>
+          </p:nvSpPr>
+          <p:spPr>
+            <a:xfrm>
+              <a:off x="2131140" y="4515824"/>
+              <a:ext cx="307625" cy="276999"/>
+            </a:xfrm>
+            <a:prstGeom prst="rect">
+              <a:avLst/>
+            </a:prstGeom>
+            <a:noFill/>
+          </p:spPr>
+          <p:txBody>
+            <a:bodyPr wrap="none" rtlCol="0">
+              <a:spAutoFit/>
+            </a:bodyPr>
+            <a:lstStyle/>
+            <a:p>
+              <a:r>
+                <a:rPr kumimoji="1" lang="en-US" altLang="ja-JP" sz="1200" i="1" dirty="0" smtClean="0">
+                  <a:latin typeface="Book Antiqua"/>
+                  <a:cs typeface="Book Antiqua"/>
+                </a:rPr>
+                <a:t>i</a:t>
+              </a:r>
+              <a:r>
+                <a:rPr kumimoji="1" lang="en-US" altLang="ja-JP" sz="1200" i="1" baseline="-25000" dirty="0" smtClean="0">
+                  <a:latin typeface="Book Antiqua"/>
+                  <a:cs typeface="Book Antiqua"/>
+                </a:rPr>
+                <a:t>2</a:t>
+              </a:r>
+              <a:endParaRPr kumimoji="1" lang="ja-JP" altLang="en-US" sz="1200" i="1" baseline="-25000" dirty="0">
+                <a:latin typeface="Book Antiqua"/>
+                <a:cs typeface="Book Antiqua"/>
+              </a:endParaRPr>
+            </a:p>
+          </p:txBody>
+        </p:sp>
+        <p:sp>
+          <p:nvSpPr>
+            <p:cNvPr id="142" name="テキスト ボックス 141"/>
+            <p:cNvSpPr txBox="1"/>
+            <p:nvPr/>
+          </p:nvSpPr>
+          <p:spPr>
+            <a:xfrm>
+              <a:off x="2131140" y="4852658"/>
+              <a:ext cx="313386" cy="276999"/>
+            </a:xfrm>
+            <a:prstGeom prst="rect">
+              <a:avLst/>
+            </a:prstGeom>
+            <a:noFill/>
+          </p:spPr>
+          <p:txBody>
+            <a:bodyPr wrap="none" rtlCol="0">
+              <a:spAutoFit/>
+            </a:bodyPr>
+            <a:lstStyle/>
+            <a:p>
+              <a:r>
+                <a:rPr kumimoji="1" lang="en-US" altLang="ja-JP" sz="1200" i="1" dirty="0" smtClean="0">
+                  <a:latin typeface="Book Antiqua"/>
+                  <a:cs typeface="Book Antiqua"/>
+                </a:rPr>
+                <a:t>i</a:t>
+              </a:r>
+              <a:r>
+                <a:rPr kumimoji="1" lang="en-US" altLang="ja-JP" sz="1200" i="1" baseline="-25000" dirty="0" smtClean="0">
+                  <a:latin typeface="Book Antiqua"/>
+                  <a:cs typeface="Book Antiqua"/>
+                </a:rPr>
+                <a:t>n</a:t>
+              </a:r>
+              <a:endParaRPr kumimoji="1" lang="ja-JP" altLang="en-US" sz="1200" i="1" baseline="-25000" dirty="0">
+                <a:latin typeface="Book Antiqua"/>
+                <a:cs typeface="Book Antiqua"/>
+              </a:endParaRPr>
+            </a:p>
+          </p:txBody>
+        </p:sp>
+        <p:sp>
+          <p:nvSpPr>
+            <p:cNvPr id="144" name="テキスト ボックス 143"/>
+            <p:cNvSpPr txBox="1"/>
+            <p:nvPr/>
+          </p:nvSpPr>
+          <p:spPr>
+            <a:xfrm>
+              <a:off x="3811241" y="4588359"/>
+              <a:ext cx="291554" cy="276999"/>
+            </a:xfrm>
+            <a:prstGeom prst="rect">
+              <a:avLst/>
+            </a:prstGeom>
+            <a:noFill/>
+          </p:spPr>
+          <p:txBody>
+            <a:bodyPr wrap="none" rtlCol="0">
+              <a:spAutoFit/>
+            </a:bodyPr>
+            <a:lstStyle/>
+            <a:p>
+              <a:r>
+                <a:rPr lang="en-US" altLang="ja-JP" sz="1200" i="1" dirty="0">
+                  <a:latin typeface="Book Antiqua"/>
+                  <a:cs typeface="Book Antiqua"/>
+                </a:rPr>
+                <a:t>x</a:t>
+              </a:r>
+              <a:endParaRPr kumimoji="1" lang="ja-JP" altLang="en-US" sz="1200" i="1" baseline="-25000" dirty="0">
+                <a:latin typeface="Book Antiqua"/>
+                <a:cs typeface="Book Antiqua"/>
+              </a:endParaRPr>
+            </a:p>
+          </p:txBody>
+        </p:sp>
+        <p:cxnSp>
+          <p:nvCxnSpPr>
+            <p:cNvPr id="156" name="直線コネクタ 155"/>
+            <p:cNvCxnSpPr>
+              <a:stCxn id="54" idx="6"/>
+            </p:cNvCxnSpPr>
+            <p:nvPr/>
+          </p:nvCxnSpPr>
+          <p:spPr>
+            <a:xfrm flipV="1">
+              <a:off x="3702309" y="4754723"/>
+              <a:ext cx="171449" cy="1968"/>
+            </a:xfrm>
+            <a:prstGeom prst="line">
+              <a:avLst/>
+            </a:prstGeom>
+            <a:ln>
+              <a:solidFill>
+                <a:schemeClr val="tx1"/>
+              </a:solidFill>
+            </a:ln>
+            <a:effectLst/>
+          </p:spPr>
+          <p:style>
+            <a:lnRef idx="2">
+              <a:schemeClr val="accent1"/>
+            </a:lnRef>
+            <a:fillRef idx="0">
+              <a:schemeClr val="accent1"/>
+            </a:fillRef>
+            <a:effectRef idx="1">
+              <a:schemeClr val="accent1"/>
+            </a:effectRef>
+            <a:fontRef idx="minor">
+              <a:schemeClr val="tx1"/>
+            </a:fontRef>
+          </p:style>
+        </p:cxnSp>
+      </p:grpSp>
+      <p:sp>
+        <p:nvSpPr>
+          <p:cNvPr id="159" name="テキスト ボックス 158"/>
+          <p:cNvSpPr txBox="1"/>
+          <p:nvPr/>
+        </p:nvSpPr>
+        <p:spPr>
+          <a:xfrm>
+            <a:off x="2216401" y="3034896"/>
+            <a:ext cx="623425" cy="307777"/>
+          </a:xfrm>
+          <a:prstGeom prst="rect">
+            <a:avLst/>
+          </a:prstGeom>
+          <a:noFill/>
+        </p:spPr>
+        <p:txBody>
+          <a:bodyPr wrap="none" rtlCol="0">
+            <a:spAutoFit/>
+          </a:bodyPr>
+          <a:lstStyle/>
+          <a:p>
+            <a:r>
+              <a:rPr kumimoji="1" lang="en-US" altLang="ja-JP" sz="1400" b="1" dirty="0" smtClean="0">
+                <a:latin typeface="Book Antiqua"/>
+                <a:cs typeface="Book Antiqua"/>
+              </a:rPr>
+              <a:t>AND</a:t>
+            </a:r>
+            <a:endParaRPr kumimoji="1" lang="ja-JP" altLang="en-US" sz="1400" b="1" dirty="0">
+              <a:latin typeface="Book Antiqua"/>
+              <a:cs typeface="Book Antiqua"/>
+            </a:endParaRPr>
+          </a:p>
+        </p:txBody>
+      </p:sp>
+      <p:sp>
+        <p:nvSpPr>
+          <p:cNvPr id="161" name="テキスト ボックス 160"/>
+          <p:cNvSpPr txBox="1"/>
+          <p:nvPr/>
+        </p:nvSpPr>
+        <p:spPr>
+          <a:xfrm>
+            <a:off x="4516440" y="3042917"/>
+            <a:ext cx="466794" cy="307777"/>
+          </a:xfrm>
+          <a:prstGeom prst="rect">
+            <a:avLst/>
+          </a:prstGeom>
+          <a:noFill/>
+        </p:spPr>
+        <p:txBody>
+          <a:bodyPr wrap="none" rtlCol="0">
+            <a:spAutoFit/>
+          </a:bodyPr>
+          <a:lstStyle/>
+          <a:p>
+            <a:r>
+              <a:rPr kumimoji="1" lang="en-US" altLang="ja-JP" sz="1400" b="1" dirty="0" smtClean="0">
+                <a:latin typeface="Book Antiqua"/>
+                <a:cs typeface="Book Antiqua"/>
+              </a:rPr>
+              <a:t>OR</a:t>
+            </a:r>
+            <a:endParaRPr kumimoji="1" lang="ja-JP" altLang="en-US" sz="1400" b="1" dirty="0">
+              <a:latin typeface="Book Antiqua"/>
+              <a:cs typeface="Book Antiqua"/>
+            </a:endParaRPr>
+          </a:p>
+        </p:txBody>
+      </p:sp>
+      <p:sp>
+        <p:nvSpPr>
+          <p:cNvPr id="162" name="テキスト ボックス 161"/>
+          <p:cNvSpPr txBox="1"/>
+          <p:nvPr/>
+        </p:nvSpPr>
+        <p:spPr>
+          <a:xfrm>
+            <a:off x="6697418" y="3091521"/>
+            <a:ext cx="603526" cy="307777"/>
+          </a:xfrm>
+          <a:prstGeom prst="rect">
+            <a:avLst/>
+          </a:prstGeom>
+          <a:noFill/>
+        </p:spPr>
+        <p:txBody>
+          <a:bodyPr wrap="none" rtlCol="0">
+            <a:spAutoFit/>
+          </a:bodyPr>
+          <a:lstStyle/>
+          <a:p>
+            <a:r>
+              <a:rPr kumimoji="1" lang="en-US" altLang="ja-JP" sz="1400" b="1" dirty="0" smtClean="0">
+                <a:latin typeface="Book Antiqua"/>
+                <a:cs typeface="Book Antiqua"/>
+              </a:rPr>
+              <a:t>NOT</a:t>
+            </a:r>
+            <a:endParaRPr kumimoji="1" lang="ja-JP" altLang="en-US" sz="1400" b="1" dirty="0">
+              <a:latin typeface="Book Antiqua"/>
+              <a:cs typeface="Book Antiqua"/>
+            </a:endParaRPr>
+          </a:p>
+        </p:txBody>
+      </p:sp>
+      <p:sp>
+        <p:nvSpPr>
+          <p:cNvPr id="163" name="テキスト ボックス 162"/>
+          <p:cNvSpPr txBox="1"/>
+          <p:nvPr/>
+        </p:nvSpPr>
+        <p:spPr>
+          <a:xfrm>
+            <a:off x="4546597" y="5500698"/>
+            <a:ext cx="613432" cy="307777"/>
+          </a:xfrm>
+          <a:prstGeom prst="rect">
+            <a:avLst/>
+          </a:prstGeom>
+          <a:noFill/>
+        </p:spPr>
+        <p:txBody>
+          <a:bodyPr wrap="none" rtlCol="0">
+            <a:spAutoFit/>
+          </a:bodyPr>
+          <a:lstStyle/>
+          <a:p>
+            <a:r>
+              <a:rPr kumimoji="1" lang="en-US" altLang="ja-JP" sz="1400" b="1" dirty="0" smtClean="0">
+                <a:latin typeface="Book Antiqua"/>
+                <a:cs typeface="Book Antiqua"/>
+              </a:rPr>
+              <a:t>NOR</a:t>
+            </a:r>
+            <a:endParaRPr kumimoji="1" lang="ja-JP" altLang="en-US" sz="1400" b="1" dirty="0">
+              <a:latin typeface="Book Antiqua"/>
+              <a:cs typeface="Book Antiqua"/>
+            </a:endParaRPr>
+          </a:p>
+        </p:txBody>
+      </p:sp>
+      <p:sp>
+        <p:nvSpPr>
+          <p:cNvPr id="164" name="テキスト ボックス 163"/>
+          <p:cNvSpPr txBox="1"/>
+          <p:nvPr/>
+        </p:nvSpPr>
+        <p:spPr>
+          <a:xfrm>
+            <a:off x="2182908" y="5466325"/>
+            <a:ext cx="772981" cy="307777"/>
+          </a:xfrm>
+          <a:prstGeom prst="rect">
+            <a:avLst/>
+          </a:prstGeom>
+          <a:noFill/>
+        </p:spPr>
+        <p:txBody>
+          <a:bodyPr wrap="none" rtlCol="0">
+            <a:spAutoFit/>
+          </a:bodyPr>
+          <a:lstStyle/>
+          <a:p>
+            <a:r>
+              <a:rPr kumimoji="1" lang="en-US" altLang="ja-JP" sz="1400" b="1" dirty="0" smtClean="0">
+                <a:latin typeface="Book Antiqua"/>
+                <a:cs typeface="Book Antiqua"/>
+              </a:rPr>
+              <a:t>NAND</a:t>
+            </a:r>
+            <a:endParaRPr kumimoji="1" lang="ja-JP" altLang="en-US" sz="1400" b="1" dirty="0">
+              <a:latin typeface="Book Antiqua"/>
+              <a:cs typeface="Book Antiqua"/>
+            </a:endParaRPr>
+          </a:p>
+        </p:txBody>
+      </p:sp>
+    </p:spTree>
+    <p:extLst>
+      <p:ext uri="{BB962C8B-B14F-4D97-AF65-F5344CB8AC3E}">
+        <p14:creationId xmlns:p14="http://schemas.microsoft.com/office/powerpoint/2010/main" val="98418446"/>
+      </p:ext>
+    </p:extLst>
+  </p:cSld>
+  <p:clrMapOvr>
+    <a:masterClrMapping/>
+  </p:clrMapOvr>
+</p:sld>
+</file>
+
+<file path=ppt/slides/slide3.xml><?xml version="1.0" encoding="utf-8"?>
+<p:sld xmlns:a="http://schemas.openxmlformats.org/drawingml/2006/main" xmlns:r="http://schemas.openxmlformats.org/officeDocument/2006/relationships" xmlns:p="http://schemas.openxmlformats.org/presentationml/2006/main">
+  <p:cSld>
+    <p:spTree>
+      <p:nvGrpSpPr>
+        <p:cNvPr id="1" name=""/>
+        <p:cNvGrpSpPr/>
+        <p:nvPr/>
+      </p:nvGrpSpPr>
+      <p:grpSpPr>
+        <a:xfrm>
+          <a:off x="0" y="0"/>
+          <a:ext cx="0" cy="0"/>
+          <a:chOff x="0" y="0"/>
+          <a:chExt cx="0" cy="0"/>
+        </a:xfrm>
+      </p:grpSpPr>
+      <p:sp>
+        <p:nvSpPr>
+          <p:cNvPr id="76" name="テキスト ボックス 75"/>
+          <p:cNvSpPr txBox="1"/>
+          <p:nvPr/>
+        </p:nvSpPr>
+        <p:spPr>
+          <a:xfrm>
+            <a:off x="6480675" y="5754648"/>
+            <a:ext cx="246432" cy="369332"/>
+          </a:xfrm>
+          <a:prstGeom prst="rect">
+            <a:avLst/>
+          </a:prstGeom>
+          <a:noFill/>
+        </p:spPr>
+        <p:txBody>
+          <a:bodyPr wrap="none" rtlCol="0">
+            <a:spAutoFit/>
+          </a:bodyPr>
+          <a:lstStyle/>
+          <a:p>
+            <a:r>
+              <a:rPr kumimoji="1" lang="en-US" altLang="ja-JP" dirty="0" smtClean="0"/>
+              <a:t>:</a:t>
+            </a:r>
+            <a:endParaRPr kumimoji="1" lang="ja-JP" altLang="en-US" dirty="0"/>
+          </a:p>
+        </p:txBody>
+      </p:sp>
+      <p:grpSp>
+        <p:nvGrpSpPr>
+          <p:cNvPr id="51" name="図形グループ 50"/>
+          <p:cNvGrpSpPr/>
+          <p:nvPr/>
+        </p:nvGrpSpPr>
+        <p:grpSpPr>
+          <a:xfrm>
+            <a:off x="6752505" y="5506265"/>
+            <a:ext cx="1019845" cy="762000"/>
+            <a:chOff x="2495550" y="3385820"/>
+            <a:chExt cx="1019845" cy="762000"/>
+          </a:xfrm>
+        </p:grpSpPr>
+        <p:sp>
+          <p:nvSpPr>
+            <p:cNvPr id="4" name="円弧 3"/>
+            <p:cNvSpPr/>
+            <p:nvPr/>
+          </p:nvSpPr>
+          <p:spPr>
+            <a:xfrm>
+              <a:off x="2692435" y="3385820"/>
+              <a:ext cx="822960" cy="760730"/>
+            </a:xfrm>
+            <a:prstGeom prst="arc">
+              <a:avLst>
+                <a:gd name="adj1" fmla="val 16200000"/>
+                <a:gd name="adj2" fmla="val 5440160"/>
+              </a:avLst>
+            </a:prstGeom>
+            <a:ln>
+              <a:solidFill>
+                <a:schemeClr val="tx1"/>
+              </a:solidFill>
+            </a:ln>
+            <a:effectLst/>
+          </p:spPr>
+          <p:style>
+            <a:lnRef idx="2">
+              <a:schemeClr val="accent1"/>
+            </a:lnRef>
+            <a:fillRef idx="0">
+              <a:schemeClr val="accent1"/>
+            </a:fillRef>
+            <a:effectRef idx="1">
+              <a:schemeClr val="accent1"/>
+            </a:effectRef>
+            <a:fontRef idx="minor">
+              <a:schemeClr val="tx1"/>
+            </a:fontRef>
+          </p:style>
+          <p:txBody>
+            <a:bodyPr/>
+            <a:lstStyle/>
+            <a:p>
+              <a:endParaRPr lang="ja-JP" altLang="en-US" dirty="0"/>
+            </a:p>
+          </p:txBody>
+        </p:sp>
+        <p:cxnSp>
+          <p:nvCxnSpPr>
+            <p:cNvPr id="5" name="直線コネクタ 4"/>
+            <p:cNvCxnSpPr>
+              <a:endCxn id="4" idx="0"/>
+            </p:cNvCxnSpPr>
+            <p:nvPr/>
+          </p:nvCxnSpPr>
+          <p:spPr>
+            <a:xfrm>
+              <a:off x="2495550" y="3385820"/>
+              <a:ext cx="608365" cy="0"/>
+            </a:xfrm>
+            <a:prstGeom prst="line">
+              <a:avLst/>
+            </a:prstGeom>
+            <a:ln>
+              <a:solidFill>
+                <a:schemeClr val="tx1"/>
+              </a:solidFill>
+            </a:ln>
+            <a:effectLst/>
+          </p:spPr>
+          <p:style>
+            <a:lnRef idx="2">
+              <a:schemeClr val="accent1"/>
+            </a:lnRef>
+            <a:fillRef idx="0">
+              <a:schemeClr val="accent1"/>
+            </a:fillRef>
+            <a:effectRef idx="1">
+              <a:schemeClr val="accent1"/>
+            </a:effectRef>
+            <a:fontRef idx="minor">
+              <a:schemeClr val="tx1"/>
+            </a:fontRef>
+          </p:style>
+        </p:cxnSp>
+        <p:cxnSp>
+          <p:nvCxnSpPr>
+            <p:cNvPr id="9" name="直線コネクタ 8"/>
+            <p:cNvCxnSpPr/>
+            <p:nvPr/>
+          </p:nvCxnSpPr>
+          <p:spPr>
+            <a:xfrm>
+              <a:off x="2501900" y="3387090"/>
+              <a:ext cx="0" cy="760730"/>
+            </a:xfrm>
+            <a:prstGeom prst="line">
+              <a:avLst/>
+            </a:prstGeom>
+            <a:ln>
+              <a:solidFill>
+                <a:schemeClr val="tx1"/>
+              </a:solidFill>
+            </a:ln>
+            <a:effectLst/>
+          </p:spPr>
+          <p:style>
+            <a:lnRef idx="2">
+              <a:schemeClr val="accent1"/>
+            </a:lnRef>
+            <a:fillRef idx="0">
+              <a:schemeClr val="accent1"/>
+            </a:fillRef>
+            <a:effectRef idx="1">
+              <a:schemeClr val="accent1"/>
+            </a:effectRef>
+            <a:fontRef idx="minor">
+              <a:schemeClr val="tx1"/>
+            </a:fontRef>
+          </p:style>
+        </p:cxnSp>
+        <p:cxnSp>
+          <p:nvCxnSpPr>
+            <p:cNvPr id="12" name="直線コネクタ 11"/>
+            <p:cNvCxnSpPr>
+              <a:endCxn id="4" idx="2"/>
+            </p:cNvCxnSpPr>
+            <p:nvPr/>
+          </p:nvCxnSpPr>
+          <p:spPr>
+            <a:xfrm flipV="1">
+              <a:off x="2495550" y="4146528"/>
+              <a:ext cx="603922" cy="1292"/>
+            </a:xfrm>
+            <a:prstGeom prst="line">
+              <a:avLst/>
+            </a:prstGeom>
+            <a:ln>
+              <a:solidFill>
+                <a:schemeClr val="tx1"/>
+              </a:solidFill>
+            </a:ln>
+            <a:effectLst/>
+          </p:spPr>
+          <p:style>
+            <a:lnRef idx="2">
+              <a:schemeClr val="accent1"/>
+            </a:lnRef>
+            <a:fillRef idx="0">
+              <a:schemeClr val="accent1"/>
+            </a:fillRef>
+            <a:effectRef idx="1">
+              <a:schemeClr val="accent1"/>
+            </a:effectRef>
+            <a:fontRef idx="minor">
+              <a:schemeClr val="tx1"/>
+            </a:fontRef>
+          </p:style>
+        </p:cxnSp>
+      </p:grpSp>
+      <p:grpSp>
+        <p:nvGrpSpPr>
+          <p:cNvPr id="55" name="図形グループ 54"/>
+          <p:cNvGrpSpPr/>
+          <p:nvPr/>
+        </p:nvGrpSpPr>
+        <p:grpSpPr>
+          <a:xfrm>
+            <a:off x="7375223" y="290123"/>
+            <a:ext cx="749267" cy="763268"/>
+            <a:chOff x="2501900" y="1345566"/>
+            <a:chExt cx="749267" cy="763268"/>
+          </a:xfrm>
+        </p:grpSpPr>
+        <p:sp>
+          <p:nvSpPr>
+            <p:cNvPr id="44" name="二等辺三角形 43"/>
+            <p:cNvSpPr/>
+            <p:nvPr/>
+          </p:nvSpPr>
+          <p:spPr>
+            <a:xfrm rot="5400000">
+              <a:off x="2441559" y="1405907"/>
+              <a:ext cx="763268" cy="642586"/>
+            </a:xfrm>
+            <a:prstGeom prst="triangle">
+              <a:avLst>
+                <a:gd name="adj" fmla="val 49228"/>
+              </a:avLst>
+            </a:prstGeom>
+            <a:noFill/>
+            <a:ln w="25400">
+              <a:solidFill>
+                <a:schemeClr val="tx1"/>
+              </a:solidFill>
+            </a:ln>
+            <a:effectLst/>
+          </p:spPr>
+          <p:style>
+            <a:lnRef idx="1">
+              <a:schemeClr val="accent1"/>
+            </a:lnRef>
+            <a:fillRef idx="3">
+              <a:schemeClr val="accent1"/>
+            </a:fillRef>
+            <a:effectRef idx="2">
+              <a:schemeClr val="accent1"/>
+            </a:effectRef>
+            <a:fontRef idx="minor">
+              <a:schemeClr val="lt1"/>
+            </a:fontRef>
+          </p:style>
+          <p:txBody>
+            <a:bodyPr/>
+            <a:lstStyle/>
+            <a:p>
+              <a:endParaRPr lang="ja-JP" altLang="en-US"/>
+            </a:p>
+          </p:txBody>
+        </p:sp>
+        <p:sp>
+          <p:nvSpPr>
+            <p:cNvPr id="45" name="円/楕円 44"/>
+            <p:cNvSpPr/>
+            <p:nvPr/>
+          </p:nvSpPr>
+          <p:spPr>
+            <a:xfrm>
+              <a:off x="3144486" y="1673225"/>
+              <a:ext cx="106681" cy="107950"/>
+            </a:xfrm>
+            <a:prstGeom prst="ellipse">
+              <a:avLst/>
+            </a:prstGeom>
+            <a:noFill/>
+            <a:ln w="22225">
+              <a:solidFill>
+                <a:schemeClr val="tx1"/>
+              </a:solidFill>
+            </a:ln>
+            <a:effectLst/>
+          </p:spPr>
+          <p:style>
+            <a:lnRef idx="1">
+              <a:schemeClr val="accent1"/>
+            </a:lnRef>
+            <a:fillRef idx="3">
+              <a:schemeClr val="accent1"/>
+            </a:fillRef>
+            <a:effectRef idx="2">
+              <a:schemeClr val="accent1"/>
+            </a:effectRef>
+            <a:fontRef idx="minor">
+              <a:schemeClr val="lt1"/>
+            </a:fontRef>
+          </p:style>
+          <p:txBody>
+            <a:bodyPr/>
+            <a:lstStyle/>
+            <a:p>
+              <a:endParaRPr lang="ja-JP" altLang="en-US" dirty="0"/>
+            </a:p>
+          </p:txBody>
+        </p:sp>
+      </p:grpSp>
+      <p:cxnSp>
+        <p:nvCxnSpPr>
+          <p:cNvPr id="72" name="直線コネクタ 71"/>
+          <p:cNvCxnSpPr/>
+          <p:nvPr/>
+        </p:nvCxnSpPr>
+        <p:spPr>
+          <a:xfrm>
+            <a:off x="6468025" y="5633268"/>
+            <a:ext cx="284480" cy="0"/>
+          </a:xfrm>
+          <a:prstGeom prst="line">
+            <a:avLst/>
+          </a:prstGeom>
+          <a:ln>
+            <a:solidFill>
+              <a:schemeClr val="tx1"/>
+            </a:solidFill>
+          </a:ln>
+          <a:effectLst/>
+        </p:spPr>
+        <p:style>
+          <a:lnRef idx="2">
+            <a:schemeClr val="accent1"/>
+          </a:lnRef>
+          <a:fillRef idx="0">
+            <a:schemeClr val="accent1"/>
+          </a:fillRef>
+          <a:effectRef idx="1">
+            <a:schemeClr val="accent1"/>
+          </a:effectRef>
+          <a:fontRef idx="minor">
+            <a:schemeClr val="tx1"/>
+          </a:fontRef>
+        </p:style>
+      </p:cxnSp>
+      <p:cxnSp>
+        <p:nvCxnSpPr>
+          <p:cNvPr id="74" name="直線コネクタ 73"/>
+          <p:cNvCxnSpPr/>
+          <p:nvPr/>
+        </p:nvCxnSpPr>
+        <p:spPr>
+          <a:xfrm>
+            <a:off x="6468025" y="5805988"/>
+            <a:ext cx="284480" cy="0"/>
+          </a:xfrm>
+          <a:prstGeom prst="line">
+            <a:avLst/>
+          </a:prstGeom>
+          <a:ln>
+            <a:solidFill>
+              <a:schemeClr val="tx1"/>
+            </a:solidFill>
+          </a:ln>
+          <a:effectLst/>
+        </p:spPr>
+        <p:style>
+          <a:lnRef idx="2">
+            <a:schemeClr val="accent1"/>
+          </a:lnRef>
+          <a:fillRef idx="0">
+            <a:schemeClr val="accent1"/>
+          </a:fillRef>
+          <a:effectRef idx="1">
+            <a:schemeClr val="accent1"/>
+          </a:effectRef>
+          <a:fontRef idx="minor">
+            <a:schemeClr val="tx1"/>
+          </a:fontRef>
+        </p:style>
+      </p:cxnSp>
+      <p:cxnSp>
+        <p:nvCxnSpPr>
+          <p:cNvPr id="75" name="直線コネクタ 74"/>
+          <p:cNvCxnSpPr/>
+          <p:nvPr/>
+        </p:nvCxnSpPr>
+        <p:spPr>
+          <a:xfrm>
+            <a:off x="6478185" y="6147618"/>
+            <a:ext cx="284480" cy="0"/>
+          </a:xfrm>
+          <a:prstGeom prst="line">
+            <a:avLst/>
+          </a:prstGeom>
+          <a:ln>
+            <a:solidFill>
+              <a:schemeClr val="tx1"/>
+            </a:solidFill>
+          </a:ln>
+          <a:effectLst/>
+        </p:spPr>
+        <p:style>
+          <a:lnRef idx="2">
+            <a:schemeClr val="accent1"/>
+          </a:lnRef>
+          <a:fillRef idx="0">
+            <a:schemeClr val="accent1"/>
+          </a:fillRef>
+          <a:effectRef idx="1">
+            <a:schemeClr val="accent1"/>
+          </a:effectRef>
+          <a:fontRef idx="minor">
+            <a:schemeClr val="tx1"/>
+          </a:fontRef>
+        </p:style>
+      </p:cxnSp>
+      <p:cxnSp>
+        <p:nvCxnSpPr>
+          <p:cNvPr id="77" name="直線コネクタ 76"/>
+          <p:cNvCxnSpPr/>
+          <p:nvPr/>
+        </p:nvCxnSpPr>
+        <p:spPr>
+          <a:xfrm>
+            <a:off x="7772350" y="5893618"/>
+            <a:ext cx="284480" cy="0"/>
+          </a:xfrm>
+          <a:prstGeom prst="line">
+            <a:avLst/>
+          </a:prstGeom>
+          <a:ln>
+            <a:solidFill>
+              <a:schemeClr val="tx1"/>
+            </a:solidFill>
+          </a:ln>
+          <a:effectLst/>
+        </p:spPr>
+        <p:style>
+          <a:lnRef idx="2">
+            <a:schemeClr val="accent1"/>
+          </a:lnRef>
+          <a:fillRef idx="0">
+            <a:schemeClr val="accent1"/>
+          </a:fillRef>
+          <a:effectRef idx="1">
+            <a:schemeClr val="accent1"/>
+          </a:effectRef>
+          <a:fontRef idx="minor">
+            <a:schemeClr val="tx1"/>
+          </a:fontRef>
+        </p:style>
+      </p:cxnSp>
+      <p:sp>
+        <p:nvSpPr>
+          <p:cNvPr id="79" name="テキスト ボックス 78"/>
+          <p:cNvSpPr txBox="1"/>
+          <p:nvPr/>
+        </p:nvSpPr>
+        <p:spPr>
+          <a:xfrm>
+            <a:off x="6232826" y="5471977"/>
+            <a:ext cx="307625" cy="276999"/>
+          </a:xfrm>
+          <a:prstGeom prst="rect">
+            <a:avLst/>
+          </a:prstGeom>
+          <a:noFill/>
+        </p:spPr>
+        <p:txBody>
+          <a:bodyPr wrap="none" rtlCol="0">
+            <a:spAutoFit/>
+          </a:bodyPr>
+          <a:lstStyle/>
+          <a:p>
+            <a:r>
+              <a:rPr kumimoji="1" lang="en-US" altLang="ja-JP" sz="1200" i="1" dirty="0" smtClean="0">
+                <a:latin typeface="Book Antiqua"/>
+                <a:cs typeface="Book Antiqua"/>
+              </a:rPr>
+              <a:t>i</a:t>
+            </a:r>
+            <a:r>
+              <a:rPr kumimoji="1" lang="en-US" altLang="ja-JP" sz="1200" i="1" baseline="-25000" dirty="0" smtClean="0">
+                <a:latin typeface="Book Antiqua"/>
+                <a:cs typeface="Book Antiqua"/>
+              </a:rPr>
+              <a:t>1</a:t>
+            </a:r>
+            <a:endParaRPr kumimoji="1" lang="ja-JP" altLang="en-US" sz="1200" i="1" baseline="-25000" dirty="0">
+              <a:latin typeface="Book Antiqua"/>
+              <a:cs typeface="Book Antiqua"/>
+            </a:endParaRPr>
+          </a:p>
+        </p:txBody>
+      </p:sp>
+      <p:sp>
+        <p:nvSpPr>
+          <p:cNvPr id="81" name="テキスト ボックス 80"/>
+          <p:cNvSpPr txBox="1"/>
+          <p:nvPr/>
+        </p:nvSpPr>
+        <p:spPr>
+          <a:xfrm>
+            <a:off x="6232826" y="5648646"/>
+            <a:ext cx="307625" cy="276999"/>
+          </a:xfrm>
+          <a:prstGeom prst="rect">
+            <a:avLst/>
+          </a:prstGeom>
+          <a:noFill/>
+        </p:spPr>
+        <p:txBody>
+          <a:bodyPr wrap="none" rtlCol="0">
+            <a:spAutoFit/>
+          </a:bodyPr>
+          <a:lstStyle/>
+          <a:p>
+            <a:r>
+              <a:rPr kumimoji="1" lang="en-US" altLang="ja-JP" sz="1200" i="1" dirty="0" smtClean="0">
+                <a:latin typeface="Book Antiqua"/>
+                <a:cs typeface="Book Antiqua"/>
+              </a:rPr>
+              <a:t>i</a:t>
+            </a:r>
+            <a:r>
+              <a:rPr kumimoji="1" lang="en-US" altLang="ja-JP" sz="1200" i="1" baseline="-25000" dirty="0" smtClean="0">
+                <a:latin typeface="Book Antiqua"/>
+                <a:cs typeface="Book Antiqua"/>
+              </a:rPr>
+              <a:t>2</a:t>
+            </a:r>
+            <a:endParaRPr kumimoji="1" lang="ja-JP" altLang="en-US" sz="1200" i="1" baseline="-25000" dirty="0">
+              <a:latin typeface="Book Antiqua"/>
+              <a:cs typeface="Book Antiqua"/>
+            </a:endParaRPr>
+          </a:p>
+        </p:txBody>
+      </p:sp>
+      <p:sp>
+        <p:nvSpPr>
+          <p:cNvPr id="82" name="テキスト ボックス 81"/>
+          <p:cNvSpPr txBox="1"/>
+          <p:nvPr/>
+        </p:nvSpPr>
+        <p:spPr>
+          <a:xfrm>
+            <a:off x="6232826" y="5985480"/>
+            <a:ext cx="313386" cy="276999"/>
+          </a:xfrm>
+          <a:prstGeom prst="rect">
+            <a:avLst/>
+          </a:prstGeom>
+          <a:noFill/>
+        </p:spPr>
+        <p:txBody>
+          <a:bodyPr wrap="none" rtlCol="0">
+            <a:spAutoFit/>
+          </a:bodyPr>
+          <a:lstStyle/>
+          <a:p>
+            <a:r>
+              <a:rPr kumimoji="1" lang="en-US" altLang="ja-JP" sz="1200" i="1" dirty="0" smtClean="0">
+                <a:latin typeface="Book Antiqua"/>
+                <a:cs typeface="Book Antiqua"/>
+              </a:rPr>
+              <a:t>i</a:t>
+            </a:r>
+            <a:r>
+              <a:rPr kumimoji="1" lang="en-US" altLang="ja-JP" sz="1200" i="1" baseline="-25000" dirty="0" smtClean="0">
+                <a:latin typeface="Book Antiqua"/>
+                <a:cs typeface="Book Antiqua"/>
+              </a:rPr>
+              <a:t>n</a:t>
+            </a:r>
+            <a:endParaRPr kumimoji="1" lang="ja-JP" altLang="en-US" sz="1200" i="1" baseline="-25000" dirty="0">
+              <a:latin typeface="Book Antiqua"/>
+              <a:cs typeface="Book Antiqua"/>
+            </a:endParaRPr>
+          </a:p>
+        </p:txBody>
+      </p:sp>
+      <p:sp>
+        <p:nvSpPr>
+          <p:cNvPr id="83" name="テキスト ボックス 82"/>
+          <p:cNvSpPr txBox="1"/>
+          <p:nvPr/>
+        </p:nvSpPr>
+        <p:spPr>
+          <a:xfrm>
+            <a:off x="8004476" y="5730209"/>
+            <a:ext cx="291554" cy="276999"/>
+          </a:xfrm>
+          <a:prstGeom prst="rect">
+            <a:avLst/>
+          </a:prstGeom>
+          <a:noFill/>
+        </p:spPr>
+        <p:txBody>
+          <a:bodyPr wrap="none" rtlCol="0">
+            <a:spAutoFit/>
+          </a:bodyPr>
+          <a:lstStyle/>
+          <a:p>
+            <a:r>
+              <a:rPr lang="en-US" altLang="ja-JP" sz="1200" i="1" dirty="0">
+                <a:latin typeface="Book Antiqua"/>
+                <a:cs typeface="Book Antiqua"/>
+              </a:rPr>
+              <a:t>x</a:t>
+            </a:r>
+            <a:endParaRPr kumimoji="1" lang="ja-JP" altLang="en-US" sz="1200" i="1" baseline="-25000" dirty="0">
+              <a:latin typeface="Book Antiqua"/>
+              <a:cs typeface="Book Antiqua"/>
+            </a:endParaRPr>
+          </a:p>
+        </p:txBody>
+      </p:sp>
+      <p:sp>
+        <p:nvSpPr>
+          <p:cNvPr id="64" name="円/楕円 63"/>
+          <p:cNvSpPr/>
+          <p:nvPr/>
+        </p:nvSpPr>
+        <p:spPr>
+          <a:xfrm>
+            <a:off x="3005868" y="5022854"/>
+            <a:ext cx="106681" cy="107950"/>
+          </a:xfrm>
+          <a:prstGeom prst="ellipse">
+            <a:avLst/>
+          </a:prstGeom>
+          <a:noFill/>
+          <a:ln w="22225">
+            <a:solidFill>
+              <a:schemeClr val="tx1"/>
+            </a:solidFill>
+          </a:ln>
+          <a:effectLst/>
+        </p:spPr>
+        <p:style>
+          <a:lnRef idx="1">
+            <a:schemeClr val="accent1"/>
+          </a:lnRef>
+          <a:fillRef idx="3">
+            <a:schemeClr val="accent1"/>
+          </a:fillRef>
+          <a:effectRef idx="2">
+            <a:schemeClr val="accent1"/>
+          </a:effectRef>
+          <a:fontRef idx="minor">
+            <a:schemeClr val="lt1"/>
+          </a:fontRef>
+        </p:style>
+        <p:txBody>
+          <a:bodyPr/>
+          <a:lstStyle/>
+          <a:p>
+            <a:endParaRPr lang="ja-JP" altLang="en-US" dirty="0"/>
+          </a:p>
+        </p:txBody>
+      </p:sp>
+      <p:sp>
+        <p:nvSpPr>
+          <p:cNvPr id="84" name="テキスト ボックス 83"/>
+          <p:cNvSpPr txBox="1"/>
+          <p:nvPr/>
+        </p:nvSpPr>
+        <p:spPr>
+          <a:xfrm>
+            <a:off x="1714193" y="4937859"/>
+            <a:ext cx="246432" cy="369332"/>
+          </a:xfrm>
+          <a:prstGeom prst="rect">
+            <a:avLst/>
+          </a:prstGeom>
+          <a:noFill/>
+        </p:spPr>
+        <p:txBody>
+          <a:bodyPr wrap="none" rtlCol="0">
+            <a:spAutoFit/>
+          </a:bodyPr>
+          <a:lstStyle/>
+          <a:p>
+            <a:r>
+              <a:rPr kumimoji="1" lang="en-US" altLang="ja-JP" dirty="0" smtClean="0"/>
+              <a:t>:</a:t>
+            </a:r>
+            <a:endParaRPr kumimoji="1" lang="ja-JP" altLang="en-US" dirty="0"/>
+          </a:p>
+        </p:txBody>
+      </p:sp>
+      <p:grpSp>
+        <p:nvGrpSpPr>
+          <p:cNvPr id="85" name="図形グループ 84"/>
+          <p:cNvGrpSpPr/>
+          <p:nvPr/>
+        </p:nvGrpSpPr>
+        <p:grpSpPr>
+          <a:xfrm>
+            <a:off x="1986023" y="4689476"/>
+            <a:ext cx="1019845" cy="762000"/>
+            <a:chOff x="2495550" y="3385820"/>
+            <a:chExt cx="1019845" cy="762000"/>
+          </a:xfrm>
+        </p:grpSpPr>
+        <p:sp>
+          <p:nvSpPr>
+            <p:cNvPr id="86" name="円弧 85"/>
+            <p:cNvSpPr/>
+            <p:nvPr/>
+          </p:nvSpPr>
+          <p:spPr>
+            <a:xfrm>
+              <a:off x="2692435" y="3385820"/>
+              <a:ext cx="822960" cy="760730"/>
+            </a:xfrm>
+            <a:prstGeom prst="arc">
+              <a:avLst>
+                <a:gd name="adj1" fmla="val 16200000"/>
+                <a:gd name="adj2" fmla="val 5440160"/>
+              </a:avLst>
+            </a:prstGeom>
+            <a:ln>
+              <a:solidFill>
+                <a:schemeClr val="tx1"/>
+              </a:solidFill>
+            </a:ln>
+            <a:effectLst/>
+          </p:spPr>
+          <p:style>
+            <a:lnRef idx="2">
+              <a:schemeClr val="accent1"/>
+            </a:lnRef>
+            <a:fillRef idx="0">
+              <a:schemeClr val="accent1"/>
+            </a:fillRef>
+            <a:effectRef idx="1">
+              <a:schemeClr val="accent1"/>
+            </a:effectRef>
+            <a:fontRef idx="minor">
+              <a:schemeClr val="tx1"/>
+            </a:fontRef>
+          </p:style>
+          <p:txBody>
+            <a:bodyPr/>
+            <a:lstStyle/>
+            <a:p>
+              <a:endParaRPr lang="ja-JP" altLang="en-US" dirty="0"/>
+            </a:p>
+          </p:txBody>
+        </p:sp>
+        <p:cxnSp>
+          <p:nvCxnSpPr>
+            <p:cNvPr id="87" name="直線コネクタ 86"/>
+            <p:cNvCxnSpPr>
+              <a:endCxn id="86" idx="0"/>
+            </p:cNvCxnSpPr>
+            <p:nvPr/>
+          </p:nvCxnSpPr>
+          <p:spPr>
+            <a:xfrm>
+              <a:off x="2495550" y="3385820"/>
+              <a:ext cx="608365" cy="0"/>
+            </a:xfrm>
+            <a:prstGeom prst="line">
+              <a:avLst/>
+            </a:prstGeom>
+            <a:ln>
+              <a:solidFill>
+                <a:schemeClr val="tx1"/>
+              </a:solidFill>
+            </a:ln>
+            <a:effectLst/>
+          </p:spPr>
+          <p:style>
+            <a:lnRef idx="2">
+              <a:schemeClr val="accent1"/>
+            </a:lnRef>
+            <a:fillRef idx="0">
+              <a:schemeClr val="accent1"/>
+            </a:fillRef>
+            <a:effectRef idx="1">
+              <a:schemeClr val="accent1"/>
+            </a:effectRef>
+            <a:fontRef idx="minor">
+              <a:schemeClr val="tx1"/>
+            </a:fontRef>
+          </p:style>
+        </p:cxnSp>
+        <p:cxnSp>
+          <p:nvCxnSpPr>
+            <p:cNvPr id="88" name="直線コネクタ 87"/>
+            <p:cNvCxnSpPr/>
+            <p:nvPr/>
+          </p:nvCxnSpPr>
+          <p:spPr>
+            <a:xfrm>
+              <a:off x="2501900" y="3387090"/>
+              <a:ext cx="0" cy="760730"/>
+            </a:xfrm>
+            <a:prstGeom prst="line">
+              <a:avLst/>
+            </a:prstGeom>
+            <a:ln>
+              <a:solidFill>
+                <a:schemeClr val="tx1"/>
+              </a:solidFill>
+            </a:ln>
+            <a:effectLst/>
+          </p:spPr>
+          <p:style>
+            <a:lnRef idx="2">
+              <a:schemeClr val="accent1"/>
+            </a:lnRef>
+            <a:fillRef idx="0">
+              <a:schemeClr val="accent1"/>
+            </a:fillRef>
+            <a:effectRef idx="1">
+              <a:schemeClr val="accent1"/>
+            </a:effectRef>
+            <a:fontRef idx="minor">
+              <a:schemeClr val="tx1"/>
+            </a:fontRef>
+          </p:style>
+        </p:cxnSp>
+        <p:cxnSp>
+          <p:nvCxnSpPr>
+            <p:cNvPr id="89" name="直線コネクタ 88"/>
+            <p:cNvCxnSpPr>
+              <a:endCxn id="86" idx="2"/>
+            </p:cNvCxnSpPr>
+            <p:nvPr/>
+          </p:nvCxnSpPr>
+          <p:spPr>
+            <a:xfrm flipV="1">
+              <a:off x="2495550" y="4146528"/>
+              <a:ext cx="603922" cy="1292"/>
+            </a:xfrm>
+            <a:prstGeom prst="line">
+              <a:avLst/>
+            </a:prstGeom>
+            <a:ln>
+              <a:solidFill>
+                <a:schemeClr val="tx1"/>
+              </a:solidFill>
+            </a:ln>
+            <a:effectLst/>
+          </p:spPr>
+          <p:style>
+            <a:lnRef idx="2">
+              <a:schemeClr val="accent1"/>
+            </a:lnRef>
+            <a:fillRef idx="0">
+              <a:schemeClr val="accent1"/>
+            </a:fillRef>
+            <a:effectRef idx="1">
+              <a:schemeClr val="accent1"/>
+            </a:effectRef>
+            <a:fontRef idx="minor">
+              <a:schemeClr val="tx1"/>
+            </a:fontRef>
+          </p:style>
+        </p:cxnSp>
+      </p:grpSp>
+      <p:cxnSp>
+        <p:nvCxnSpPr>
+          <p:cNvPr id="90" name="直線コネクタ 89"/>
+          <p:cNvCxnSpPr/>
+          <p:nvPr/>
+        </p:nvCxnSpPr>
+        <p:spPr>
+          <a:xfrm>
+            <a:off x="1701543" y="4816479"/>
+            <a:ext cx="284480" cy="0"/>
+          </a:xfrm>
+          <a:prstGeom prst="line">
+            <a:avLst/>
+          </a:prstGeom>
+          <a:ln>
+            <a:solidFill>
+              <a:schemeClr val="tx1"/>
+            </a:solidFill>
+          </a:ln>
+          <a:effectLst/>
+        </p:spPr>
+        <p:style>
+          <a:lnRef idx="2">
+            <a:schemeClr val="accent1"/>
+          </a:lnRef>
+          <a:fillRef idx="0">
+            <a:schemeClr val="accent1"/>
+          </a:fillRef>
+          <a:effectRef idx="1">
+            <a:schemeClr val="accent1"/>
+          </a:effectRef>
+          <a:fontRef idx="minor">
+            <a:schemeClr val="tx1"/>
+          </a:fontRef>
+        </p:style>
+      </p:cxnSp>
+      <p:cxnSp>
+        <p:nvCxnSpPr>
+          <p:cNvPr id="91" name="直線コネクタ 90"/>
+          <p:cNvCxnSpPr/>
+          <p:nvPr/>
+        </p:nvCxnSpPr>
+        <p:spPr>
+          <a:xfrm>
+            <a:off x="1701543" y="4989199"/>
+            <a:ext cx="284480" cy="0"/>
+          </a:xfrm>
+          <a:prstGeom prst="line">
+            <a:avLst/>
+          </a:prstGeom>
+          <a:ln>
+            <a:solidFill>
+              <a:schemeClr val="tx1"/>
+            </a:solidFill>
+          </a:ln>
+          <a:effectLst/>
+        </p:spPr>
+        <p:style>
+          <a:lnRef idx="2">
+            <a:schemeClr val="accent1"/>
+          </a:lnRef>
+          <a:fillRef idx="0">
+            <a:schemeClr val="accent1"/>
+          </a:fillRef>
+          <a:effectRef idx="1">
+            <a:schemeClr val="accent1"/>
+          </a:effectRef>
+          <a:fontRef idx="minor">
+            <a:schemeClr val="tx1"/>
+          </a:fontRef>
+        </p:style>
+      </p:cxnSp>
+      <p:cxnSp>
+        <p:nvCxnSpPr>
+          <p:cNvPr id="92" name="直線コネクタ 91"/>
+          <p:cNvCxnSpPr/>
+          <p:nvPr/>
+        </p:nvCxnSpPr>
+        <p:spPr>
+          <a:xfrm>
+            <a:off x="1711703" y="5330829"/>
+            <a:ext cx="284480" cy="0"/>
+          </a:xfrm>
+          <a:prstGeom prst="line">
+            <a:avLst/>
+          </a:prstGeom>
+          <a:ln>
+            <a:solidFill>
+              <a:schemeClr val="tx1"/>
+            </a:solidFill>
+          </a:ln>
+          <a:effectLst/>
+        </p:spPr>
+        <p:style>
+          <a:lnRef idx="2">
+            <a:schemeClr val="accent1"/>
+          </a:lnRef>
+          <a:fillRef idx="0">
+            <a:schemeClr val="accent1"/>
+          </a:fillRef>
+          <a:effectRef idx="1">
+            <a:schemeClr val="accent1"/>
+          </a:effectRef>
+          <a:fontRef idx="minor">
+            <a:schemeClr val="tx1"/>
+          </a:fontRef>
+        </p:style>
+      </p:cxnSp>
+      <p:cxnSp>
+        <p:nvCxnSpPr>
+          <p:cNvPr id="93" name="直線コネクタ 92"/>
+          <p:cNvCxnSpPr>
+            <a:stCxn id="64" idx="6"/>
+          </p:cNvCxnSpPr>
+          <p:nvPr/>
+        </p:nvCxnSpPr>
+        <p:spPr>
+          <a:xfrm>
+            <a:off x="3112549" y="5076829"/>
+            <a:ext cx="177799" cy="0"/>
+          </a:xfrm>
+          <a:prstGeom prst="line">
+            <a:avLst/>
+          </a:prstGeom>
+          <a:ln>
+            <a:solidFill>
+              <a:schemeClr val="tx1"/>
+            </a:solidFill>
+          </a:ln>
+          <a:effectLst/>
+        </p:spPr>
+        <p:style>
+          <a:lnRef idx="2">
+            <a:schemeClr val="accent1"/>
+          </a:lnRef>
+          <a:fillRef idx="0">
+            <a:schemeClr val="accent1"/>
+          </a:fillRef>
+          <a:effectRef idx="1">
+            <a:schemeClr val="accent1"/>
+          </a:effectRef>
+          <a:fontRef idx="minor">
+            <a:schemeClr val="tx1"/>
+          </a:fontRef>
+        </p:style>
+      </p:cxnSp>
+      <p:sp>
+        <p:nvSpPr>
+          <p:cNvPr id="94" name="テキスト ボックス 93"/>
+          <p:cNvSpPr txBox="1"/>
+          <p:nvPr/>
+        </p:nvSpPr>
+        <p:spPr>
+          <a:xfrm>
+            <a:off x="1466344" y="4655188"/>
+            <a:ext cx="307625" cy="276999"/>
+          </a:xfrm>
+          <a:prstGeom prst="rect">
+            <a:avLst/>
+          </a:prstGeom>
+          <a:noFill/>
+        </p:spPr>
+        <p:txBody>
+          <a:bodyPr wrap="none" rtlCol="0">
+            <a:spAutoFit/>
+          </a:bodyPr>
+          <a:lstStyle/>
+          <a:p>
+            <a:r>
+              <a:rPr kumimoji="1" lang="en-US" altLang="ja-JP" sz="1200" i="1" dirty="0" smtClean="0">
+                <a:latin typeface="Book Antiqua"/>
+                <a:cs typeface="Book Antiqua"/>
+              </a:rPr>
+              <a:t>i</a:t>
+            </a:r>
+            <a:r>
+              <a:rPr kumimoji="1" lang="en-US" altLang="ja-JP" sz="1200" i="1" baseline="-25000" dirty="0" smtClean="0">
+                <a:latin typeface="Book Antiqua"/>
+                <a:cs typeface="Book Antiqua"/>
+              </a:rPr>
+              <a:t>1</a:t>
+            </a:r>
+            <a:endParaRPr kumimoji="1" lang="ja-JP" altLang="en-US" sz="1200" i="1" baseline="-25000" dirty="0">
+              <a:latin typeface="Book Antiqua"/>
+              <a:cs typeface="Book Antiqua"/>
+            </a:endParaRPr>
+          </a:p>
+        </p:txBody>
+      </p:sp>
+      <p:sp>
+        <p:nvSpPr>
+          <p:cNvPr id="95" name="テキスト ボックス 94"/>
+          <p:cNvSpPr txBox="1"/>
+          <p:nvPr/>
+        </p:nvSpPr>
+        <p:spPr>
+          <a:xfrm>
+            <a:off x="1466344" y="4831857"/>
+            <a:ext cx="307625" cy="276999"/>
+          </a:xfrm>
+          <a:prstGeom prst="rect">
+            <a:avLst/>
+          </a:prstGeom>
+          <a:noFill/>
+        </p:spPr>
+        <p:txBody>
+          <a:bodyPr wrap="none" rtlCol="0">
+            <a:spAutoFit/>
+          </a:bodyPr>
+          <a:lstStyle/>
+          <a:p>
+            <a:r>
+              <a:rPr kumimoji="1" lang="en-US" altLang="ja-JP" sz="1200" i="1" dirty="0" smtClean="0">
+                <a:latin typeface="Book Antiqua"/>
+                <a:cs typeface="Book Antiqua"/>
+              </a:rPr>
+              <a:t>i</a:t>
+            </a:r>
+            <a:r>
+              <a:rPr kumimoji="1" lang="en-US" altLang="ja-JP" sz="1200" i="1" baseline="-25000" dirty="0" smtClean="0">
+                <a:latin typeface="Book Antiqua"/>
+                <a:cs typeface="Book Antiqua"/>
+              </a:rPr>
+              <a:t>2</a:t>
+            </a:r>
+            <a:endParaRPr kumimoji="1" lang="ja-JP" altLang="en-US" sz="1200" i="1" baseline="-25000" dirty="0">
+              <a:latin typeface="Book Antiqua"/>
+              <a:cs typeface="Book Antiqua"/>
+            </a:endParaRPr>
+          </a:p>
+        </p:txBody>
+      </p:sp>
+      <p:sp>
+        <p:nvSpPr>
+          <p:cNvPr id="96" name="テキスト ボックス 95"/>
+          <p:cNvSpPr txBox="1"/>
+          <p:nvPr/>
+        </p:nvSpPr>
+        <p:spPr>
+          <a:xfrm>
+            <a:off x="1466344" y="5168691"/>
+            <a:ext cx="313386" cy="276999"/>
+          </a:xfrm>
+          <a:prstGeom prst="rect">
+            <a:avLst/>
+          </a:prstGeom>
+          <a:noFill/>
+        </p:spPr>
+        <p:txBody>
+          <a:bodyPr wrap="none" rtlCol="0">
+            <a:spAutoFit/>
+          </a:bodyPr>
+          <a:lstStyle/>
+          <a:p>
+            <a:r>
+              <a:rPr kumimoji="1" lang="en-US" altLang="ja-JP" sz="1200" i="1" dirty="0" smtClean="0">
+                <a:latin typeface="Book Antiqua"/>
+                <a:cs typeface="Book Antiqua"/>
+              </a:rPr>
+              <a:t>i</a:t>
+            </a:r>
+            <a:r>
+              <a:rPr kumimoji="1" lang="en-US" altLang="ja-JP" sz="1200" i="1" baseline="-25000" dirty="0" smtClean="0">
+                <a:latin typeface="Book Antiqua"/>
+                <a:cs typeface="Book Antiqua"/>
+              </a:rPr>
+              <a:t>n</a:t>
+            </a:r>
+            <a:endParaRPr kumimoji="1" lang="ja-JP" altLang="en-US" sz="1200" i="1" baseline="-25000" dirty="0">
+              <a:latin typeface="Book Antiqua"/>
+              <a:cs typeface="Book Antiqua"/>
+            </a:endParaRPr>
+          </a:p>
+        </p:txBody>
+      </p:sp>
+      <p:sp>
+        <p:nvSpPr>
+          <p:cNvPr id="97" name="テキスト ボックス 96"/>
+          <p:cNvSpPr txBox="1"/>
+          <p:nvPr/>
+        </p:nvSpPr>
+        <p:spPr>
+          <a:xfrm>
+            <a:off x="3237994" y="4913420"/>
+            <a:ext cx="291554" cy="276999"/>
+          </a:xfrm>
+          <a:prstGeom prst="rect">
+            <a:avLst/>
+          </a:prstGeom>
+          <a:noFill/>
+        </p:spPr>
+        <p:txBody>
+          <a:bodyPr wrap="none" rtlCol="0">
+            <a:spAutoFit/>
+          </a:bodyPr>
+          <a:lstStyle/>
+          <a:p>
+            <a:r>
+              <a:rPr lang="en-US" altLang="ja-JP" sz="1200" i="1" dirty="0">
+                <a:latin typeface="Book Antiqua"/>
+                <a:cs typeface="Book Antiqua"/>
+              </a:rPr>
+              <a:t>x</a:t>
+            </a:r>
+            <a:endParaRPr kumimoji="1" lang="ja-JP" altLang="en-US" sz="1200" i="1" baseline="-25000" dirty="0">
+              <a:latin typeface="Book Antiqua"/>
+              <a:cs typeface="Book Antiqua"/>
+            </a:endParaRPr>
+          </a:p>
+        </p:txBody>
+      </p:sp>
+      <p:sp>
+        <p:nvSpPr>
+          <p:cNvPr id="101" name="二等辺三角形 100"/>
+          <p:cNvSpPr/>
+          <p:nvPr/>
+        </p:nvSpPr>
+        <p:spPr>
+          <a:xfrm rot="5400000">
+            <a:off x="6761538" y="2206360"/>
+            <a:ext cx="266838" cy="240721"/>
+          </a:xfrm>
+          <a:prstGeom prst="triangle">
+            <a:avLst>
+              <a:gd name="adj" fmla="val 49228"/>
+            </a:avLst>
+          </a:prstGeom>
+          <a:noFill/>
+          <a:ln w="25400">
+            <a:solidFill>
+              <a:schemeClr val="tx1"/>
+            </a:solidFill>
+          </a:ln>
+          <a:effectLst/>
+        </p:spPr>
+        <p:style>
+          <a:lnRef idx="1">
+            <a:schemeClr val="accent1"/>
+          </a:lnRef>
+          <a:fillRef idx="3">
+            <a:schemeClr val="accent1"/>
+          </a:fillRef>
+          <a:effectRef idx="2">
+            <a:schemeClr val="accent1"/>
+          </a:effectRef>
+          <a:fontRef idx="minor">
+            <a:schemeClr val="lt1"/>
+          </a:fontRef>
+        </p:style>
+        <p:txBody>
+          <a:bodyPr/>
+          <a:lstStyle/>
+          <a:p>
+            <a:endParaRPr lang="ja-JP" altLang="en-US"/>
+          </a:p>
+        </p:txBody>
+      </p:sp>
+      <p:sp>
+        <p:nvSpPr>
+          <p:cNvPr id="104" name="円/楕円 103"/>
+          <p:cNvSpPr/>
+          <p:nvPr/>
+        </p:nvSpPr>
+        <p:spPr>
+          <a:xfrm>
+            <a:off x="7015318" y="2270626"/>
+            <a:ext cx="106681" cy="107950"/>
+          </a:xfrm>
+          <a:prstGeom prst="ellipse">
+            <a:avLst/>
+          </a:prstGeom>
+          <a:noFill/>
+          <a:ln w="22225">
+            <a:solidFill>
+              <a:schemeClr val="tx1"/>
+            </a:solidFill>
+          </a:ln>
+          <a:effectLst/>
+        </p:spPr>
+        <p:style>
+          <a:lnRef idx="1">
+            <a:schemeClr val="accent1"/>
+          </a:lnRef>
+          <a:fillRef idx="3">
+            <a:schemeClr val="accent1"/>
+          </a:fillRef>
+          <a:effectRef idx="2">
+            <a:schemeClr val="accent1"/>
+          </a:effectRef>
+          <a:fontRef idx="minor">
+            <a:schemeClr val="lt1"/>
+          </a:fontRef>
+        </p:style>
+        <p:txBody>
+          <a:bodyPr/>
+          <a:lstStyle/>
+          <a:p>
+            <a:endParaRPr lang="ja-JP" altLang="en-US" dirty="0"/>
+          </a:p>
+        </p:txBody>
+      </p:sp>
+      <p:sp>
+        <p:nvSpPr>
+          <p:cNvPr id="105" name="二等辺三角形 104"/>
+          <p:cNvSpPr/>
+          <p:nvPr/>
+        </p:nvSpPr>
+        <p:spPr>
+          <a:xfrm rot="5400000">
+            <a:off x="6761538" y="2497900"/>
+            <a:ext cx="266838" cy="240721"/>
+          </a:xfrm>
+          <a:prstGeom prst="triangle">
+            <a:avLst>
+              <a:gd name="adj" fmla="val 49228"/>
+            </a:avLst>
+          </a:prstGeom>
+          <a:noFill/>
+          <a:ln w="25400">
+            <a:solidFill>
+              <a:schemeClr val="tx1"/>
+            </a:solidFill>
+          </a:ln>
+          <a:effectLst/>
+        </p:spPr>
+        <p:style>
+          <a:lnRef idx="1">
+            <a:schemeClr val="accent1"/>
+          </a:lnRef>
+          <a:fillRef idx="3">
+            <a:schemeClr val="accent1"/>
+          </a:fillRef>
+          <a:effectRef idx="2">
+            <a:schemeClr val="accent1"/>
+          </a:effectRef>
+          <a:fontRef idx="minor">
+            <a:schemeClr val="lt1"/>
+          </a:fontRef>
+        </p:style>
+        <p:txBody>
+          <a:bodyPr/>
+          <a:lstStyle/>
+          <a:p>
+            <a:endParaRPr lang="ja-JP" altLang="en-US"/>
+          </a:p>
+        </p:txBody>
+      </p:sp>
+      <p:sp>
+        <p:nvSpPr>
+          <p:cNvPr id="106" name="円/楕円 105"/>
+          <p:cNvSpPr/>
+          <p:nvPr/>
+        </p:nvSpPr>
+        <p:spPr>
+          <a:xfrm>
+            <a:off x="7015318" y="2562166"/>
+            <a:ext cx="106681" cy="107950"/>
+          </a:xfrm>
+          <a:prstGeom prst="ellipse">
+            <a:avLst/>
+          </a:prstGeom>
+          <a:noFill/>
+          <a:ln w="22225">
+            <a:solidFill>
+              <a:schemeClr val="tx1"/>
+            </a:solidFill>
+          </a:ln>
+          <a:effectLst/>
+        </p:spPr>
+        <p:style>
+          <a:lnRef idx="1">
+            <a:schemeClr val="accent1"/>
+          </a:lnRef>
+          <a:fillRef idx="3">
+            <a:schemeClr val="accent1"/>
+          </a:fillRef>
+          <a:effectRef idx="2">
+            <a:schemeClr val="accent1"/>
+          </a:effectRef>
+          <a:fontRef idx="minor">
+            <a:schemeClr val="lt1"/>
+          </a:fontRef>
+        </p:style>
+        <p:txBody>
+          <a:bodyPr/>
+          <a:lstStyle/>
+          <a:p>
+            <a:endParaRPr lang="ja-JP" altLang="en-US" dirty="0"/>
+          </a:p>
+        </p:txBody>
+      </p:sp>
+      <p:sp>
+        <p:nvSpPr>
+          <p:cNvPr id="107" name="二等辺三角形 106"/>
+          <p:cNvSpPr/>
+          <p:nvPr/>
+        </p:nvSpPr>
+        <p:spPr>
+          <a:xfrm rot="5400000">
+            <a:off x="6761538" y="2869155"/>
+            <a:ext cx="266838" cy="240721"/>
+          </a:xfrm>
+          <a:prstGeom prst="triangle">
+            <a:avLst>
+              <a:gd name="adj" fmla="val 49228"/>
+            </a:avLst>
+          </a:prstGeom>
+          <a:noFill/>
+          <a:ln w="25400">
+            <a:solidFill>
+              <a:schemeClr val="tx1"/>
+            </a:solidFill>
+          </a:ln>
+          <a:effectLst/>
+        </p:spPr>
+        <p:style>
+          <a:lnRef idx="1">
+            <a:schemeClr val="accent1"/>
+          </a:lnRef>
+          <a:fillRef idx="3">
+            <a:schemeClr val="accent1"/>
+          </a:fillRef>
+          <a:effectRef idx="2">
+            <a:schemeClr val="accent1"/>
+          </a:effectRef>
+          <a:fontRef idx="minor">
+            <a:schemeClr val="lt1"/>
+          </a:fontRef>
+        </p:style>
+        <p:txBody>
+          <a:bodyPr/>
+          <a:lstStyle/>
+          <a:p>
+            <a:endParaRPr lang="ja-JP" altLang="en-US"/>
+          </a:p>
+        </p:txBody>
+      </p:sp>
+      <p:sp>
+        <p:nvSpPr>
+          <p:cNvPr id="108" name="円/楕円 107"/>
+          <p:cNvSpPr/>
+          <p:nvPr/>
+        </p:nvSpPr>
+        <p:spPr>
+          <a:xfrm>
+            <a:off x="7015318" y="2933421"/>
+            <a:ext cx="106681" cy="107950"/>
+          </a:xfrm>
+          <a:prstGeom prst="ellipse">
+            <a:avLst/>
+          </a:prstGeom>
+          <a:noFill/>
+          <a:ln w="22225">
+            <a:solidFill>
+              <a:schemeClr val="tx1"/>
+            </a:solidFill>
+          </a:ln>
+          <a:effectLst/>
+        </p:spPr>
+        <p:style>
+          <a:lnRef idx="1">
+            <a:schemeClr val="accent1"/>
+          </a:lnRef>
+          <a:fillRef idx="3">
+            <a:schemeClr val="accent1"/>
+          </a:fillRef>
+          <a:effectRef idx="2">
+            <a:schemeClr val="accent1"/>
+          </a:effectRef>
+          <a:fontRef idx="minor">
+            <a:schemeClr val="lt1"/>
+          </a:fontRef>
+        </p:style>
+        <p:txBody>
+          <a:bodyPr/>
+          <a:lstStyle/>
+          <a:p>
+            <a:endParaRPr lang="ja-JP" altLang="en-US" dirty="0"/>
+          </a:p>
+        </p:txBody>
+      </p:sp>
+      <p:cxnSp>
+        <p:nvCxnSpPr>
+          <p:cNvPr id="109" name="直線コネクタ 108"/>
+          <p:cNvCxnSpPr/>
+          <p:nvPr/>
+        </p:nvCxnSpPr>
+        <p:spPr>
+          <a:xfrm>
+            <a:off x="7121999" y="2327499"/>
+            <a:ext cx="284480" cy="0"/>
+          </a:xfrm>
+          <a:prstGeom prst="line">
+            <a:avLst/>
+          </a:prstGeom>
+          <a:ln>
+            <a:solidFill>
+              <a:schemeClr val="tx1"/>
+            </a:solidFill>
+          </a:ln>
+          <a:effectLst/>
+        </p:spPr>
+        <p:style>
+          <a:lnRef idx="2">
+            <a:schemeClr val="accent1"/>
+          </a:lnRef>
+          <a:fillRef idx="0">
+            <a:schemeClr val="accent1"/>
+          </a:fillRef>
+          <a:effectRef idx="1">
+            <a:schemeClr val="accent1"/>
+          </a:effectRef>
+          <a:fontRef idx="minor">
+            <a:schemeClr val="tx1"/>
+          </a:fontRef>
+        </p:style>
+      </p:cxnSp>
+      <p:cxnSp>
+        <p:nvCxnSpPr>
+          <p:cNvPr id="110" name="直線コネクタ 109"/>
+          <p:cNvCxnSpPr/>
+          <p:nvPr/>
+        </p:nvCxnSpPr>
+        <p:spPr>
+          <a:xfrm>
+            <a:off x="7132159" y="2617059"/>
+            <a:ext cx="284480" cy="0"/>
+          </a:xfrm>
+          <a:prstGeom prst="line">
+            <a:avLst/>
+          </a:prstGeom>
+          <a:ln>
+            <a:solidFill>
+              <a:schemeClr val="tx1"/>
+            </a:solidFill>
+          </a:ln>
+          <a:effectLst/>
+        </p:spPr>
+        <p:style>
+          <a:lnRef idx="2">
+            <a:schemeClr val="accent1"/>
+          </a:lnRef>
+          <a:fillRef idx="0">
+            <a:schemeClr val="accent1"/>
+          </a:fillRef>
+          <a:effectRef idx="1">
+            <a:schemeClr val="accent1"/>
+          </a:effectRef>
+          <a:fontRef idx="minor">
+            <a:schemeClr val="tx1"/>
+          </a:fontRef>
+        </p:style>
+      </p:cxnSp>
+      <p:cxnSp>
+        <p:nvCxnSpPr>
+          <p:cNvPr id="111" name="直線コネクタ 110"/>
+          <p:cNvCxnSpPr/>
+          <p:nvPr/>
+        </p:nvCxnSpPr>
+        <p:spPr>
+          <a:xfrm>
+            <a:off x="7121999" y="2992977"/>
+            <a:ext cx="284480" cy="0"/>
+          </a:xfrm>
+          <a:prstGeom prst="line">
+            <a:avLst/>
+          </a:prstGeom>
+          <a:ln>
+            <a:solidFill>
+              <a:schemeClr val="tx1"/>
+            </a:solidFill>
+          </a:ln>
+          <a:effectLst/>
+        </p:spPr>
+        <p:style>
+          <a:lnRef idx="2">
+            <a:schemeClr val="accent1"/>
+          </a:lnRef>
+          <a:fillRef idx="0">
+            <a:schemeClr val="accent1"/>
+          </a:fillRef>
+          <a:effectRef idx="1">
+            <a:schemeClr val="accent1"/>
+          </a:effectRef>
+          <a:fontRef idx="minor">
+            <a:schemeClr val="tx1"/>
+          </a:fontRef>
+        </p:style>
+      </p:cxnSp>
+      <p:cxnSp>
+        <p:nvCxnSpPr>
+          <p:cNvPr id="112" name="直線コネクタ 111"/>
+          <p:cNvCxnSpPr/>
+          <p:nvPr/>
+        </p:nvCxnSpPr>
+        <p:spPr>
+          <a:xfrm>
+            <a:off x="6490116" y="2327499"/>
+            <a:ext cx="284480" cy="0"/>
+          </a:xfrm>
+          <a:prstGeom prst="line">
+            <a:avLst/>
+          </a:prstGeom>
+          <a:ln>
+            <a:solidFill>
+              <a:schemeClr val="tx1"/>
+            </a:solidFill>
+          </a:ln>
+          <a:effectLst/>
+        </p:spPr>
+        <p:style>
+          <a:lnRef idx="2">
+            <a:schemeClr val="accent1"/>
+          </a:lnRef>
+          <a:fillRef idx="0">
+            <a:schemeClr val="accent1"/>
+          </a:fillRef>
+          <a:effectRef idx="1">
+            <a:schemeClr val="accent1"/>
+          </a:effectRef>
+          <a:fontRef idx="minor">
+            <a:schemeClr val="tx1"/>
+          </a:fontRef>
+        </p:style>
+      </p:cxnSp>
+      <p:cxnSp>
+        <p:nvCxnSpPr>
+          <p:cNvPr id="113" name="直線コネクタ 112"/>
+          <p:cNvCxnSpPr/>
+          <p:nvPr/>
+        </p:nvCxnSpPr>
+        <p:spPr>
+          <a:xfrm>
+            <a:off x="6490116" y="2617059"/>
+            <a:ext cx="284480" cy="0"/>
+          </a:xfrm>
+          <a:prstGeom prst="line">
+            <a:avLst/>
+          </a:prstGeom>
+          <a:ln>
+            <a:solidFill>
+              <a:schemeClr val="tx1"/>
+            </a:solidFill>
+          </a:ln>
+          <a:effectLst/>
+        </p:spPr>
+        <p:style>
+          <a:lnRef idx="2">
+            <a:schemeClr val="accent1"/>
+          </a:lnRef>
+          <a:fillRef idx="0">
+            <a:schemeClr val="accent1"/>
+          </a:fillRef>
+          <a:effectRef idx="1">
+            <a:schemeClr val="accent1"/>
+          </a:effectRef>
+          <a:fontRef idx="minor">
+            <a:schemeClr val="tx1"/>
+          </a:fontRef>
+        </p:style>
+      </p:cxnSp>
+      <p:cxnSp>
+        <p:nvCxnSpPr>
+          <p:cNvPr id="114" name="直線コネクタ 113"/>
+          <p:cNvCxnSpPr/>
+          <p:nvPr/>
+        </p:nvCxnSpPr>
+        <p:spPr>
+          <a:xfrm>
+            <a:off x="6490116" y="2992977"/>
+            <a:ext cx="284480" cy="0"/>
+          </a:xfrm>
+          <a:prstGeom prst="line">
+            <a:avLst/>
+          </a:prstGeom>
+          <a:ln>
+            <a:solidFill>
+              <a:schemeClr val="tx1"/>
+            </a:solidFill>
+          </a:ln>
+          <a:effectLst/>
+        </p:spPr>
+        <p:style>
+          <a:lnRef idx="2">
+            <a:schemeClr val="accent1"/>
+          </a:lnRef>
+          <a:fillRef idx="0">
+            <a:schemeClr val="accent1"/>
+          </a:fillRef>
+          <a:effectRef idx="1">
+            <a:schemeClr val="accent1"/>
+          </a:effectRef>
+          <a:fontRef idx="minor">
+            <a:schemeClr val="tx1"/>
+          </a:fontRef>
+        </p:style>
+      </p:cxnSp>
+      <p:sp>
+        <p:nvSpPr>
+          <p:cNvPr id="115" name="テキスト ボックス 114"/>
+          <p:cNvSpPr txBox="1"/>
+          <p:nvPr/>
+        </p:nvSpPr>
+        <p:spPr>
+          <a:xfrm>
+            <a:off x="6490116" y="2583567"/>
+            <a:ext cx="246432" cy="369332"/>
+          </a:xfrm>
+          <a:prstGeom prst="rect">
+            <a:avLst/>
+          </a:prstGeom>
+          <a:noFill/>
+        </p:spPr>
+        <p:txBody>
+          <a:bodyPr wrap="none" rtlCol="0">
+            <a:spAutoFit/>
+          </a:bodyPr>
+          <a:lstStyle/>
+          <a:p>
+            <a:r>
+              <a:rPr kumimoji="1" lang="en-US" altLang="ja-JP" dirty="0" smtClean="0"/>
+              <a:t>:</a:t>
+            </a:r>
+            <a:endParaRPr kumimoji="1" lang="ja-JP" altLang="en-US" dirty="0"/>
+          </a:p>
+        </p:txBody>
+      </p:sp>
+      <p:sp>
+        <p:nvSpPr>
+          <p:cNvPr id="116" name="テキスト ボックス 115"/>
+          <p:cNvSpPr txBox="1"/>
+          <p:nvPr/>
+        </p:nvSpPr>
+        <p:spPr>
+          <a:xfrm>
+            <a:off x="6260296" y="2176227"/>
+            <a:ext cx="307625" cy="276999"/>
+          </a:xfrm>
+          <a:prstGeom prst="rect">
+            <a:avLst/>
+          </a:prstGeom>
+          <a:noFill/>
+        </p:spPr>
+        <p:txBody>
+          <a:bodyPr wrap="none" rtlCol="0">
+            <a:spAutoFit/>
+          </a:bodyPr>
+          <a:lstStyle/>
+          <a:p>
+            <a:r>
+              <a:rPr kumimoji="1" lang="en-US" altLang="ja-JP" sz="1200" i="1" dirty="0" smtClean="0">
+                <a:latin typeface="Book Antiqua"/>
+                <a:cs typeface="Book Antiqua"/>
+              </a:rPr>
+              <a:t>i</a:t>
+            </a:r>
+            <a:r>
+              <a:rPr kumimoji="1" lang="en-US" altLang="ja-JP" sz="1200" i="1" baseline="-25000" dirty="0" smtClean="0">
+                <a:latin typeface="Book Antiqua"/>
+                <a:cs typeface="Book Antiqua"/>
+              </a:rPr>
+              <a:t>1</a:t>
+            </a:r>
+            <a:endParaRPr kumimoji="1" lang="ja-JP" altLang="en-US" sz="1200" i="1" baseline="-25000" dirty="0">
+              <a:latin typeface="Book Antiqua"/>
+              <a:cs typeface="Book Antiqua"/>
+            </a:endParaRPr>
+          </a:p>
+        </p:txBody>
+      </p:sp>
+      <p:sp>
+        <p:nvSpPr>
+          <p:cNvPr id="117" name="テキスト ボックス 116"/>
+          <p:cNvSpPr txBox="1"/>
+          <p:nvPr/>
+        </p:nvSpPr>
+        <p:spPr>
+          <a:xfrm>
+            <a:off x="6260296" y="2455837"/>
+            <a:ext cx="307625" cy="276999"/>
+          </a:xfrm>
+          <a:prstGeom prst="rect">
+            <a:avLst/>
+          </a:prstGeom>
+          <a:noFill/>
+        </p:spPr>
+        <p:txBody>
+          <a:bodyPr wrap="none" rtlCol="0">
+            <a:spAutoFit/>
+          </a:bodyPr>
+          <a:lstStyle/>
+          <a:p>
+            <a:r>
+              <a:rPr kumimoji="1" lang="en-US" altLang="ja-JP" sz="1200" i="1" dirty="0" smtClean="0">
+                <a:latin typeface="Book Antiqua"/>
+                <a:cs typeface="Book Antiqua"/>
+              </a:rPr>
+              <a:t>i</a:t>
+            </a:r>
+            <a:r>
+              <a:rPr kumimoji="1" lang="en-US" altLang="ja-JP" sz="1200" i="1" baseline="-25000" dirty="0" smtClean="0">
+                <a:latin typeface="Book Antiqua"/>
+                <a:cs typeface="Book Antiqua"/>
+              </a:rPr>
+              <a:t>2</a:t>
+            </a:r>
+            <a:endParaRPr kumimoji="1" lang="ja-JP" altLang="en-US" sz="1200" i="1" baseline="-25000" dirty="0">
+              <a:latin typeface="Book Antiqua"/>
+              <a:cs typeface="Book Antiqua"/>
+            </a:endParaRPr>
+          </a:p>
+        </p:txBody>
+      </p:sp>
+      <p:sp>
+        <p:nvSpPr>
+          <p:cNvPr id="118" name="テキスト ボックス 117"/>
+          <p:cNvSpPr txBox="1"/>
+          <p:nvPr/>
+        </p:nvSpPr>
+        <p:spPr>
+          <a:xfrm>
+            <a:off x="6236754" y="2816310"/>
+            <a:ext cx="313386" cy="276999"/>
+          </a:xfrm>
+          <a:prstGeom prst="rect">
+            <a:avLst/>
+          </a:prstGeom>
+          <a:noFill/>
+        </p:spPr>
+        <p:txBody>
+          <a:bodyPr wrap="none" rtlCol="0">
+            <a:spAutoFit/>
+          </a:bodyPr>
+          <a:lstStyle/>
+          <a:p>
+            <a:r>
+              <a:rPr kumimoji="1" lang="en-US" altLang="ja-JP" sz="1200" i="1" dirty="0" smtClean="0">
+                <a:latin typeface="Book Antiqua"/>
+                <a:cs typeface="Book Antiqua"/>
+              </a:rPr>
+              <a:t>i</a:t>
+            </a:r>
+            <a:r>
+              <a:rPr kumimoji="1" lang="en-US" altLang="ja-JP" sz="1200" i="1" baseline="-25000" dirty="0" smtClean="0">
+                <a:latin typeface="Book Antiqua"/>
+                <a:cs typeface="Book Antiqua"/>
+              </a:rPr>
+              <a:t>n</a:t>
+            </a:r>
+            <a:endParaRPr kumimoji="1" lang="ja-JP" altLang="en-US" sz="1200" i="1" baseline="-25000" dirty="0">
+              <a:latin typeface="Book Antiqua"/>
+              <a:cs typeface="Book Antiqua"/>
+            </a:endParaRPr>
+          </a:p>
+        </p:txBody>
+      </p:sp>
+      <p:sp>
+        <p:nvSpPr>
+          <p:cNvPr id="119" name="テキスト ボックス 118"/>
+          <p:cNvSpPr txBox="1"/>
+          <p:nvPr/>
+        </p:nvSpPr>
+        <p:spPr>
+          <a:xfrm>
+            <a:off x="7375022" y="2174957"/>
+            <a:ext cx="341814" cy="276999"/>
+          </a:xfrm>
+          <a:prstGeom prst="rect">
+            <a:avLst/>
+          </a:prstGeom>
+          <a:noFill/>
+        </p:spPr>
+        <p:txBody>
+          <a:bodyPr wrap="none" rtlCol="0">
+            <a:spAutoFit/>
+          </a:bodyPr>
+          <a:lstStyle/>
+          <a:p>
+            <a:r>
+              <a:rPr lang="en-US" altLang="ja-JP" sz="1200" i="1" dirty="0">
+                <a:latin typeface="Book Antiqua"/>
+                <a:cs typeface="Book Antiqua"/>
+              </a:rPr>
+              <a:t>x</a:t>
+            </a:r>
+            <a:r>
+              <a:rPr kumimoji="1" lang="en-US" altLang="ja-JP" sz="1200" i="1" baseline="-25000" dirty="0" smtClean="0">
+                <a:latin typeface="Book Antiqua"/>
+                <a:cs typeface="Book Antiqua"/>
+              </a:rPr>
+              <a:t>1</a:t>
+            </a:r>
+            <a:endParaRPr kumimoji="1" lang="ja-JP" altLang="en-US" sz="1200" i="1" baseline="-25000" dirty="0">
+              <a:latin typeface="Book Antiqua"/>
+              <a:cs typeface="Book Antiqua"/>
+            </a:endParaRPr>
+          </a:p>
+        </p:txBody>
+      </p:sp>
+      <p:sp>
+        <p:nvSpPr>
+          <p:cNvPr id="120" name="テキスト ボックス 119"/>
+          <p:cNvSpPr txBox="1"/>
+          <p:nvPr/>
+        </p:nvSpPr>
+        <p:spPr>
+          <a:xfrm>
+            <a:off x="7375022" y="2454567"/>
+            <a:ext cx="341814" cy="276999"/>
+          </a:xfrm>
+          <a:prstGeom prst="rect">
+            <a:avLst/>
+          </a:prstGeom>
+          <a:noFill/>
+        </p:spPr>
+        <p:txBody>
+          <a:bodyPr wrap="none" rtlCol="0">
+            <a:spAutoFit/>
+          </a:bodyPr>
+          <a:lstStyle/>
+          <a:p>
+            <a:r>
+              <a:rPr lang="en-US" altLang="ja-JP" sz="1200" i="1" dirty="0">
+                <a:latin typeface="Book Antiqua"/>
+                <a:cs typeface="Book Antiqua"/>
+              </a:rPr>
+              <a:t>x</a:t>
+            </a:r>
+            <a:r>
+              <a:rPr kumimoji="1" lang="en-US" altLang="ja-JP" sz="1200" i="1" baseline="-25000" dirty="0" smtClean="0">
+                <a:latin typeface="Book Antiqua"/>
+                <a:cs typeface="Book Antiqua"/>
+              </a:rPr>
+              <a:t>2</a:t>
+            </a:r>
+            <a:endParaRPr kumimoji="1" lang="ja-JP" altLang="en-US" sz="1200" i="1" baseline="-25000" dirty="0">
+              <a:latin typeface="Book Antiqua"/>
+              <a:cs typeface="Book Antiqua"/>
+            </a:endParaRPr>
+          </a:p>
+        </p:txBody>
+      </p:sp>
+      <p:sp>
+        <p:nvSpPr>
+          <p:cNvPr id="121" name="テキスト ボックス 120"/>
+          <p:cNvSpPr txBox="1"/>
+          <p:nvPr/>
+        </p:nvSpPr>
+        <p:spPr>
+          <a:xfrm>
+            <a:off x="7351480" y="2815040"/>
+            <a:ext cx="347575" cy="276999"/>
+          </a:xfrm>
+          <a:prstGeom prst="rect">
+            <a:avLst/>
+          </a:prstGeom>
+          <a:noFill/>
+        </p:spPr>
+        <p:txBody>
+          <a:bodyPr wrap="none" rtlCol="0">
+            <a:spAutoFit/>
+          </a:bodyPr>
+          <a:lstStyle/>
+          <a:p>
+            <a:r>
+              <a:rPr lang="en-US" altLang="ja-JP" sz="1200" i="1" dirty="0" err="1">
+                <a:latin typeface="Book Antiqua"/>
+                <a:cs typeface="Book Antiqua"/>
+              </a:rPr>
+              <a:t>x</a:t>
+            </a:r>
+            <a:r>
+              <a:rPr kumimoji="1" lang="en-US" altLang="ja-JP" sz="1200" i="1" baseline="-25000" dirty="0" err="1" smtClean="0">
+                <a:latin typeface="Book Antiqua"/>
+                <a:cs typeface="Book Antiqua"/>
+              </a:rPr>
+              <a:t>n</a:t>
+            </a:r>
+            <a:endParaRPr kumimoji="1" lang="ja-JP" altLang="en-US" sz="1200" i="1" baseline="-25000" dirty="0">
+              <a:latin typeface="Book Antiqua"/>
+              <a:cs typeface="Book Antiqua"/>
+            </a:endParaRPr>
+          </a:p>
+        </p:txBody>
+      </p:sp>
+      <p:grpSp>
+        <p:nvGrpSpPr>
+          <p:cNvPr id="133" name="図形グループ 132"/>
+          <p:cNvGrpSpPr/>
+          <p:nvPr/>
+        </p:nvGrpSpPr>
+        <p:grpSpPr>
+          <a:xfrm>
+            <a:off x="6339306" y="3220366"/>
+            <a:ext cx="2221665" cy="1888490"/>
+            <a:chOff x="1724659" y="148866"/>
+            <a:chExt cx="2221665" cy="1888490"/>
+          </a:xfrm>
+        </p:grpSpPr>
+        <p:grpSp>
+          <p:nvGrpSpPr>
+            <p:cNvPr id="56" name="図形グループ 55"/>
+            <p:cNvGrpSpPr/>
+            <p:nvPr/>
+          </p:nvGrpSpPr>
+          <p:grpSpPr>
+            <a:xfrm>
+              <a:off x="1724659" y="148866"/>
+              <a:ext cx="1767839" cy="1888490"/>
+              <a:chOff x="1842770" y="1858010"/>
+              <a:chExt cx="1767839" cy="1888490"/>
+            </a:xfrm>
+          </p:grpSpPr>
+          <p:grpSp>
+            <p:nvGrpSpPr>
+              <p:cNvPr id="50" name="図形グループ 49"/>
+              <p:cNvGrpSpPr/>
+              <p:nvPr/>
+            </p:nvGrpSpPr>
+            <p:grpSpPr>
+              <a:xfrm>
+                <a:off x="2512025" y="2420620"/>
+                <a:ext cx="447075" cy="763270"/>
+                <a:chOff x="2512025" y="2420620"/>
+                <a:chExt cx="447075" cy="763270"/>
+              </a:xfrm>
+            </p:grpSpPr>
+            <p:cxnSp>
+              <p:nvCxnSpPr>
+                <p:cNvPr id="18" name="直線コネクタ 17"/>
+                <p:cNvCxnSpPr/>
+                <p:nvPr/>
+              </p:nvCxnSpPr>
+              <p:spPr>
+                <a:xfrm>
+                  <a:off x="2512025" y="2420620"/>
+                  <a:ext cx="447075" cy="0"/>
+                </a:xfrm>
+                <a:prstGeom prst="line">
+                  <a:avLst/>
+                </a:prstGeom>
+                <a:ln>
+                  <a:solidFill>
+                    <a:schemeClr val="tx1"/>
+                  </a:solidFill>
+                </a:ln>
+                <a:effectLst/>
+              </p:spPr>
+              <p:style>
+                <a:lnRef idx="2">
+                  <a:schemeClr val="accent1"/>
+                </a:lnRef>
+                <a:fillRef idx="0">
+                  <a:schemeClr val="accent1"/>
+                </a:fillRef>
+                <a:effectRef idx="1">
+                  <a:schemeClr val="accent1"/>
+                </a:effectRef>
+                <a:fontRef idx="minor">
+                  <a:schemeClr val="tx1"/>
+                </a:fontRef>
+              </p:style>
+            </p:cxnSp>
+            <p:cxnSp>
+              <p:nvCxnSpPr>
+                <p:cNvPr id="20" name="直線コネクタ 19"/>
+                <p:cNvCxnSpPr/>
+                <p:nvPr/>
+              </p:nvCxnSpPr>
+              <p:spPr>
+                <a:xfrm>
+                  <a:off x="2512025" y="3183890"/>
+                  <a:ext cx="447075" cy="0"/>
+                </a:xfrm>
+                <a:prstGeom prst="line">
+                  <a:avLst/>
+                </a:prstGeom>
+                <a:ln>
+                  <a:solidFill>
+                    <a:schemeClr val="tx1"/>
+                  </a:solidFill>
+                </a:ln>
+                <a:effectLst/>
+              </p:spPr>
+              <p:style>
+                <a:lnRef idx="2">
+                  <a:schemeClr val="accent1"/>
+                </a:lnRef>
+                <a:fillRef idx="0">
+                  <a:schemeClr val="accent1"/>
+                </a:fillRef>
+                <a:effectRef idx="1">
+                  <a:schemeClr val="accent1"/>
+                </a:effectRef>
+                <a:fontRef idx="minor">
+                  <a:schemeClr val="tx1"/>
+                </a:fontRef>
+              </p:style>
+            </p:cxnSp>
+          </p:grpSp>
+          <p:sp>
+            <p:nvSpPr>
+              <p:cNvPr id="29" name="円弧 28"/>
+              <p:cNvSpPr/>
+              <p:nvPr/>
+            </p:nvSpPr>
+            <p:spPr>
+              <a:xfrm>
+                <a:off x="1842770" y="2309494"/>
+                <a:ext cx="822960" cy="992505"/>
+              </a:xfrm>
+              <a:prstGeom prst="arc">
+                <a:avLst>
+                  <a:gd name="adj1" fmla="val 18263074"/>
+                  <a:gd name="adj2" fmla="val 3324404"/>
+                </a:avLst>
+              </a:prstGeom>
+              <a:ln>
+                <a:solidFill>
+                  <a:srgbClr val="000000"/>
+                </a:solidFill>
+              </a:ln>
+              <a:effectLst/>
+            </p:spPr>
+            <p:style>
+              <a:lnRef idx="2">
+                <a:schemeClr val="accent1"/>
+              </a:lnRef>
+              <a:fillRef idx="0">
+                <a:schemeClr val="accent1"/>
+              </a:fillRef>
+              <a:effectRef idx="1">
+                <a:schemeClr val="accent1"/>
+              </a:effectRef>
+              <a:fontRef idx="minor">
+                <a:schemeClr val="tx1"/>
+              </a:fontRef>
+            </p:style>
+            <p:txBody>
+              <a:bodyPr/>
+              <a:lstStyle/>
+              <a:p>
+                <a:endParaRPr lang="ja-JP" altLang="en-US" dirty="0"/>
+              </a:p>
+            </p:txBody>
+          </p:sp>
+          <p:sp>
+            <p:nvSpPr>
+              <p:cNvPr id="30" name="円弧 29"/>
+              <p:cNvSpPr/>
+              <p:nvPr/>
+            </p:nvSpPr>
+            <p:spPr>
+              <a:xfrm>
+                <a:off x="2307590" y="2420620"/>
+                <a:ext cx="1303019" cy="1325880"/>
+              </a:xfrm>
+              <a:prstGeom prst="arc">
+                <a:avLst>
+                  <a:gd name="adj1" fmla="val 16200000"/>
+                  <a:gd name="adj2" fmla="val 20120088"/>
+                </a:avLst>
+              </a:prstGeom>
+              <a:ln>
+                <a:solidFill>
+                  <a:schemeClr val="tx1"/>
+                </a:solidFill>
+              </a:ln>
+              <a:effectLst/>
+            </p:spPr>
+            <p:style>
+              <a:lnRef idx="2">
+                <a:schemeClr val="accent1"/>
+              </a:lnRef>
+              <a:fillRef idx="0">
+                <a:schemeClr val="accent1"/>
+              </a:fillRef>
+              <a:effectRef idx="1">
+                <a:schemeClr val="accent1"/>
+              </a:effectRef>
+              <a:fontRef idx="minor">
+                <a:schemeClr val="tx1"/>
+              </a:fontRef>
+            </p:style>
+            <p:txBody>
+              <a:bodyPr/>
+              <a:lstStyle/>
+              <a:p>
+                <a:endParaRPr lang="ja-JP" altLang="en-US" dirty="0"/>
+              </a:p>
+            </p:txBody>
+          </p:sp>
+          <p:sp>
+            <p:nvSpPr>
+              <p:cNvPr id="42" name="円弧 41"/>
+              <p:cNvSpPr/>
+              <p:nvPr/>
+            </p:nvSpPr>
+            <p:spPr>
+              <a:xfrm flipV="1">
+                <a:off x="2307590" y="1858010"/>
+                <a:ext cx="1303019" cy="1325880"/>
+              </a:xfrm>
+              <a:prstGeom prst="arc">
+                <a:avLst>
+                  <a:gd name="adj1" fmla="val 16200000"/>
+                  <a:gd name="adj2" fmla="val 20074316"/>
+                </a:avLst>
+              </a:prstGeom>
+              <a:ln>
+                <a:solidFill>
+                  <a:schemeClr val="tx1"/>
+                </a:solidFill>
+              </a:ln>
+              <a:effectLst/>
+            </p:spPr>
+            <p:style>
+              <a:lnRef idx="2">
+                <a:schemeClr val="accent1"/>
+              </a:lnRef>
+              <a:fillRef idx="0">
+                <a:schemeClr val="accent1"/>
+              </a:fillRef>
+              <a:effectRef idx="1">
+                <a:schemeClr val="accent1"/>
+              </a:effectRef>
+              <a:fontRef idx="minor">
+                <a:schemeClr val="tx1"/>
+              </a:fontRef>
+            </p:style>
+            <p:txBody>
+              <a:bodyPr/>
+              <a:lstStyle/>
+              <a:p>
+                <a:endParaRPr lang="ja-JP" altLang="en-US" dirty="0"/>
+              </a:p>
+            </p:txBody>
+          </p:sp>
+        </p:grpSp>
+        <p:sp>
+          <p:nvSpPr>
+            <p:cNvPr id="123" name="テキスト ボックス 122"/>
+            <p:cNvSpPr txBox="1"/>
+            <p:nvPr/>
+          </p:nvSpPr>
+          <p:spPr>
+            <a:xfrm>
+              <a:off x="2222518" y="961835"/>
+              <a:ext cx="246432" cy="369332"/>
+            </a:xfrm>
+            <a:prstGeom prst="rect">
+              <a:avLst/>
+            </a:prstGeom>
+            <a:noFill/>
+          </p:spPr>
+          <p:txBody>
+            <a:bodyPr wrap="none" rtlCol="0">
+              <a:spAutoFit/>
+            </a:bodyPr>
+            <a:lstStyle/>
+            <a:p>
+              <a:r>
+                <a:rPr kumimoji="1" lang="en-US" altLang="ja-JP" dirty="0" smtClean="0"/>
+                <a:t>:</a:t>
+              </a:r>
+              <a:endParaRPr kumimoji="1" lang="ja-JP" altLang="en-US" dirty="0"/>
+            </a:p>
+          </p:txBody>
+        </p:sp>
+        <p:cxnSp>
+          <p:nvCxnSpPr>
+            <p:cNvPr id="124" name="直線コネクタ 123"/>
+            <p:cNvCxnSpPr/>
+            <p:nvPr/>
+          </p:nvCxnSpPr>
+          <p:spPr>
+            <a:xfrm>
+              <a:off x="2209868" y="840455"/>
+              <a:ext cx="284480" cy="0"/>
+            </a:xfrm>
+            <a:prstGeom prst="line">
+              <a:avLst/>
+            </a:prstGeom>
+            <a:ln>
+              <a:solidFill>
+                <a:schemeClr val="tx1"/>
+              </a:solidFill>
+            </a:ln>
+            <a:effectLst/>
+          </p:spPr>
+          <p:style>
+            <a:lnRef idx="2">
+              <a:schemeClr val="accent1"/>
+            </a:lnRef>
+            <a:fillRef idx="0">
+              <a:schemeClr val="accent1"/>
+            </a:fillRef>
+            <a:effectRef idx="1">
+              <a:schemeClr val="accent1"/>
+            </a:effectRef>
+            <a:fontRef idx="minor">
+              <a:schemeClr val="tx1"/>
+            </a:fontRef>
+          </p:style>
+        </p:cxnSp>
+        <p:cxnSp>
+          <p:nvCxnSpPr>
+            <p:cNvPr id="125" name="直線コネクタ 124"/>
+            <p:cNvCxnSpPr/>
+            <p:nvPr/>
+          </p:nvCxnSpPr>
+          <p:spPr>
+            <a:xfrm>
+              <a:off x="2209868" y="1013175"/>
+              <a:ext cx="337751" cy="0"/>
+            </a:xfrm>
+            <a:prstGeom prst="line">
+              <a:avLst/>
+            </a:prstGeom>
+            <a:ln>
+              <a:solidFill>
+                <a:schemeClr val="tx1"/>
+              </a:solidFill>
+            </a:ln>
+            <a:effectLst/>
+          </p:spPr>
+          <p:style>
+            <a:lnRef idx="2">
+              <a:schemeClr val="accent1"/>
+            </a:lnRef>
+            <a:fillRef idx="0">
+              <a:schemeClr val="accent1"/>
+            </a:fillRef>
+            <a:effectRef idx="1">
+              <a:schemeClr val="accent1"/>
+            </a:effectRef>
+            <a:fontRef idx="minor">
+              <a:schemeClr val="tx1"/>
+            </a:fontRef>
+          </p:style>
+        </p:cxnSp>
+        <p:cxnSp>
+          <p:nvCxnSpPr>
+            <p:cNvPr id="126" name="直線コネクタ 125"/>
+            <p:cNvCxnSpPr/>
+            <p:nvPr/>
+          </p:nvCxnSpPr>
+          <p:spPr>
+            <a:xfrm>
+              <a:off x="2220028" y="1354805"/>
+              <a:ext cx="284480" cy="0"/>
+            </a:xfrm>
+            <a:prstGeom prst="line">
+              <a:avLst/>
+            </a:prstGeom>
+            <a:ln>
+              <a:solidFill>
+                <a:schemeClr val="tx1"/>
+              </a:solidFill>
+            </a:ln>
+            <a:effectLst/>
+          </p:spPr>
+          <p:style>
+            <a:lnRef idx="2">
+              <a:schemeClr val="accent1"/>
+            </a:lnRef>
+            <a:fillRef idx="0">
+              <a:schemeClr val="accent1"/>
+            </a:fillRef>
+            <a:effectRef idx="1">
+              <a:schemeClr val="accent1"/>
+            </a:effectRef>
+            <a:fontRef idx="minor">
+              <a:schemeClr val="tx1"/>
+            </a:fontRef>
+          </p:style>
+        </p:cxnSp>
+        <p:sp>
+          <p:nvSpPr>
+            <p:cNvPr id="127" name="テキスト ボックス 126"/>
+            <p:cNvSpPr txBox="1"/>
+            <p:nvPr/>
+          </p:nvSpPr>
+          <p:spPr>
+            <a:xfrm>
+              <a:off x="1974669" y="679164"/>
+              <a:ext cx="307625" cy="276999"/>
+            </a:xfrm>
+            <a:prstGeom prst="rect">
+              <a:avLst/>
+            </a:prstGeom>
+            <a:noFill/>
+          </p:spPr>
+          <p:txBody>
+            <a:bodyPr wrap="none" rtlCol="0">
+              <a:spAutoFit/>
+            </a:bodyPr>
+            <a:lstStyle/>
+            <a:p>
+              <a:r>
+                <a:rPr kumimoji="1" lang="en-US" altLang="ja-JP" sz="1200" i="1" dirty="0" smtClean="0">
+                  <a:latin typeface="Book Antiqua"/>
+                  <a:cs typeface="Book Antiqua"/>
+                </a:rPr>
+                <a:t>i</a:t>
+              </a:r>
+              <a:r>
+                <a:rPr kumimoji="1" lang="en-US" altLang="ja-JP" sz="1200" i="1" baseline="-25000" dirty="0" smtClean="0">
+                  <a:latin typeface="Book Antiqua"/>
+                  <a:cs typeface="Book Antiqua"/>
+                </a:rPr>
+                <a:t>1</a:t>
+              </a:r>
+              <a:endParaRPr kumimoji="1" lang="ja-JP" altLang="en-US" sz="1200" i="1" baseline="-25000" dirty="0">
+                <a:latin typeface="Book Antiqua"/>
+                <a:cs typeface="Book Antiqua"/>
+              </a:endParaRPr>
+            </a:p>
+          </p:txBody>
+        </p:sp>
+        <p:sp>
+          <p:nvSpPr>
+            <p:cNvPr id="128" name="テキスト ボックス 127"/>
+            <p:cNvSpPr txBox="1"/>
+            <p:nvPr/>
+          </p:nvSpPr>
+          <p:spPr>
+            <a:xfrm>
+              <a:off x="1974669" y="855833"/>
+              <a:ext cx="307625" cy="276999"/>
+            </a:xfrm>
+            <a:prstGeom prst="rect">
+              <a:avLst/>
+            </a:prstGeom>
+            <a:noFill/>
+          </p:spPr>
+          <p:txBody>
+            <a:bodyPr wrap="none" rtlCol="0">
+              <a:spAutoFit/>
+            </a:bodyPr>
+            <a:lstStyle/>
+            <a:p>
+              <a:r>
+                <a:rPr kumimoji="1" lang="en-US" altLang="ja-JP" sz="1200" i="1" dirty="0" smtClean="0">
+                  <a:latin typeface="Book Antiqua"/>
+                  <a:cs typeface="Book Antiqua"/>
+                </a:rPr>
+                <a:t>i</a:t>
+              </a:r>
+              <a:r>
+                <a:rPr kumimoji="1" lang="en-US" altLang="ja-JP" sz="1200" i="1" baseline="-25000" dirty="0" smtClean="0">
+                  <a:latin typeface="Book Antiqua"/>
+                  <a:cs typeface="Book Antiqua"/>
+                </a:rPr>
+                <a:t>2</a:t>
+              </a:r>
+              <a:endParaRPr kumimoji="1" lang="ja-JP" altLang="en-US" sz="1200" i="1" baseline="-25000" dirty="0">
+                <a:latin typeface="Book Antiqua"/>
+                <a:cs typeface="Book Antiqua"/>
+              </a:endParaRPr>
+            </a:p>
+          </p:txBody>
+        </p:sp>
+        <p:sp>
+          <p:nvSpPr>
+            <p:cNvPr id="129" name="テキスト ボックス 128"/>
+            <p:cNvSpPr txBox="1"/>
+            <p:nvPr/>
+          </p:nvSpPr>
+          <p:spPr>
+            <a:xfrm>
+              <a:off x="1974669" y="1192667"/>
+              <a:ext cx="313386" cy="276999"/>
+            </a:xfrm>
+            <a:prstGeom prst="rect">
+              <a:avLst/>
+            </a:prstGeom>
+            <a:noFill/>
+          </p:spPr>
+          <p:txBody>
+            <a:bodyPr wrap="none" rtlCol="0">
+              <a:spAutoFit/>
+            </a:bodyPr>
+            <a:lstStyle/>
+            <a:p>
+              <a:r>
+                <a:rPr kumimoji="1" lang="en-US" altLang="ja-JP" sz="1200" i="1" dirty="0" smtClean="0">
+                  <a:latin typeface="Book Antiqua"/>
+                  <a:cs typeface="Book Antiqua"/>
+                </a:rPr>
+                <a:t>i</a:t>
+              </a:r>
+              <a:r>
+                <a:rPr kumimoji="1" lang="en-US" altLang="ja-JP" sz="1200" i="1" baseline="-25000" dirty="0" smtClean="0">
+                  <a:latin typeface="Book Antiqua"/>
+                  <a:cs typeface="Book Antiqua"/>
+                </a:rPr>
+                <a:t>n</a:t>
+              </a:r>
+              <a:endParaRPr kumimoji="1" lang="ja-JP" altLang="en-US" sz="1200" i="1" baseline="-25000" dirty="0">
+                <a:latin typeface="Book Antiqua"/>
+                <a:cs typeface="Book Antiqua"/>
+              </a:endParaRPr>
+            </a:p>
+          </p:txBody>
+        </p:sp>
+        <p:cxnSp>
+          <p:nvCxnSpPr>
+            <p:cNvPr id="131" name="直線コネクタ 130"/>
+            <p:cNvCxnSpPr/>
+            <p:nvPr/>
+          </p:nvCxnSpPr>
+          <p:spPr>
+            <a:xfrm>
+              <a:off x="3422644" y="1091777"/>
+              <a:ext cx="284480" cy="0"/>
+            </a:xfrm>
+            <a:prstGeom prst="line">
+              <a:avLst/>
+            </a:prstGeom>
+            <a:ln>
+              <a:solidFill>
+                <a:schemeClr val="tx1"/>
+              </a:solidFill>
+            </a:ln>
+            <a:effectLst/>
+          </p:spPr>
+          <p:style>
+            <a:lnRef idx="2">
+              <a:schemeClr val="accent1"/>
+            </a:lnRef>
+            <a:fillRef idx="0">
+              <a:schemeClr val="accent1"/>
+            </a:fillRef>
+            <a:effectRef idx="1">
+              <a:schemeClr val="accent1"/>
+            </a:effectRef>
+            <a:fontRef idx="minor">
+              <a:schemeClr val="tx1"/>
+            </a:fontRef>
+          </p:style>
+        </p:cxnSp>
+        <p:sp>
+          <p:nvSpPr>
+            <p:cNvPr id="132" name="テキスト ボックス 131"/>
+            <p:cNvSpPr txBox="1"/>
+            <p:nvPr/>
+          </p:nvSpPr>
+          <p:spPr>
+            <a:xfrm>
+              <a:off x="3654770" y="928368"/>
+              <a:ext cx="291554" cy="276999"/>
+            </a:xfrm>
+            <a:prstGeom prst="rect">
+              <a:avLst/>
+            </a:prstGeom>
+            <a:noFill/>
+          </p:spPr>
+          <p:txBody>
+            <a:bodyPr wrap="none" rtlCol="0">
+              <a:spAutoFit/>
+            </a:bodyPr>
+            <a:lstStyle/>
+            <a:p>
+              <a:r>
+                <a:rPr lang="en-US" altLang="ja-JP" sz="1200" i="1" dirty="0">
+                  <a:latin typeface="Book Antiqua"/>
+                  <a:cs typeface="Book Antiqua"/>
+                </a:rPr>
+                <a:t>x</a:t>
+              </a:r>
+              <a:endParaRPr kumimoji="1" lang="ja-JP" altLang="en-US" sz="1200" i="1" baseline="-25000" dirty="0">
+                <a:latin typeface="Book Antiqua"/>
+                <a:cs typeface="Book Antiqua"/>
+              </a:endParaRPr>
+            </a:p>
+          </p:txBody>
+        </p:sp>
+      </p:grpSp>
+      <p:grpSp>
+        <p:nvGrpSpPr>
+          <p:cNvPr id="158" name="図形グループ 157"/>
+          <p:cNvGrpSpPr/>
+          <p:nvPr/>
+        </p:nvGrpSpPr>
+        <p:grpSpPr>
+          <a:xfrm>
+            <a:off x="3723637" y="4165049"/>
+            <a:ext cx="2221665" cy="1888490"/>
+            <a:chOff x="1881130" y="3808857"/>
+            <a:chExt cx="2221665" cy="1888490"/>
+          </a:xfrm>
+        </p:grpSpPr>
+        <p:sp>
+          <p:nvSpPr>
+            <p:cNvPr id="54" name="円/楕円 53"/>
+            <p:cNvSpPr/>
+            <p:nvPr/>
+          </p:nvSpPr>
+          <p:spPr>
+            <a:xfrm>
+              <a:off x="3595628" y="4702716"/>
+              <a:ext cx="106681" cy="107950"/>
+            </a:xfrm>
+            <a:prstGeom prst="ellipse">
+              <a:avLst/>
+            </a:prstGeom>
+            <a:noFill/>
+            <a:ln w="22225">
+              <a:solidFill>
+                <a:schemeClr val="tx1"/>
+              </a:solidFill>
+            </a:ln>
+            <a:effectLst/>
+          </p:spPr>
+          <p:style>
+            <a:lnRef idx="1">
+              <a:schemeClr val="accent1"/>
+            </a:lnRef>
+            <a:fillRef idx="3">
+              <a:schemeClr val="accent1"/>
+            </a:fillRef>
+            <a:effectRef idx="2">
+              <a:schemeClr val="accent1"/>
+            </a:effectRef>
+            <a:fontRef idx="minor">
+              <a:schemeClr val="lt1"/>
+            </a:fontRef>
+          </p:style>
+          <p:txBody>
+            <a:bodyPr/>
+            <a:lstStyle/>
+            <a:p>
+              <a:endParaRPr lang="ja-JP" altLang="en-US" dirty="0"/>
+            </a:p>
+          </p:txBody>
+        </p:sp>
+        <p:grpSp>
+          <p:nvGrpSpPr>
+            <p:cNvPr id="135" name="図形グループ 134"/>
+            <p:cNvGrpSpPr/>
+            <p:nvPr/>
+          </p:nvGrpSpPr>
+          <p:grpSpPr>
+            <a:xfrm>
+              <a:off x="1881130" y="3808857"/>
+              <a:ext cx="1767839" cy="1888490"/>
+              <a:chOff x="1842770" y="1858010"/>
+              <a:chExt cx="1767839" cy="1888490"/>
+            </a:xfrm>
+          </p:grpSpPr>
+          <p:grpSp>
+            <p:nvGrpSpPr>
+              <p:cNvPr id="145" name="図形グループ 144"/>
+              <p:cNvGrpSpPr/>
+              <p:nvPr/>
+            </p:nvGrpSpPr>
+            <p:grpSpPr>
+              <a:xfrm>
+                <a:off x="2512025" y="2420620"/>
+                <a:ext cx="447075" cy="763270"/>
+                <a:chOff x="2512025" y="2420620"/>
+                <a:chExt cx="447075" cy="763270"/>
+              </a:xfrm>
+            </p:grpSpPr>
+            <p:cxnSp>
+              <p:nvCxnSpPr>
+                <p:cNvPr id="149" name="直線コネクタ 148"/>
+                <p:cNvCxnSpPr/>
+                <p:nvPr/>
+              </p:nvCxnSpPr>
+              <p:spPr>
+                <a:xfrm>
+                  <a:off x="2512025" y="2420620"/>
+                  <a:ext cx="447075" cy="0"/>
+                </a:xfrm>
+                <a:prstGeom prst="line">
+                  <a:avLst/>
+                </a:prstGeom>
+                <a:ln>
+                  <a:solidFill>
+                    <a:schemeClr val="tx1"/>
+                  </a:solidFill>
+                </a:ln>
+                <a:effectLst/>
+              </p:spPr>
+              <p:style>
+                <a:lnRef idx="2">
+                  <a:schemeClr val="accent1"/>
+                </a:lnRef>
+                <a:fillRef idx="0">
+                  <a:schemeClr val="accent1"/>
+                </a:fillRef>
+                <a:effectRef idx="1">
+                  <a:schemeClr val="accent1"/>
+                </a:effectRef>
+                <a:fontRef idx="minor">
+                  <a:schemeClr val="tx1"/>
+                </a:fontRef>
+              </p:style>
+            </p:cxnSp>
+            <p:cxnSp>
+              <p:nvCxnSpPr>
+                <p:cNvPr id="150" name="直線コネクタ 149"/>
+                <p:cNvCxnSpPr/>
+                <p:nvPr/>
+              </p:nvCxnSpPr>
+              <p:spPr>
+                <a:xfrm>
+                  <a:off x="2512025" y="3183890"/>
+                  <a:ext cx="447075" cy="0"/>
+                </a:xfrm>
+                <a:prstGeom prst="line">
+                  <a:avLst/>
+                </a:prstGeom>
+                <a:ln>
+                  <a:solidFill>
+                    <a:schemeClr val="tx1"/>
+                  </a:solidFill>
+                </a:ln>
+                <a:effectLst/>
+              </p:spPr>
+              <p:style>
+                <a:lnRef idx="2">
+                  <a:schemeClr val="accent1"/>
+                </a:lnRef>
+                <a:fillRef idx="0">
+                  <a:schemeClr val="accent1"/>
+                </a:fillRef>
+                <a:effectRef idx="1">
+                  <a:schemeClr val="accent1"/>
+                </a:effectRef>
+                <a:fontRef idx="minor">
+                  <a:schemeClr val="tx1"/>
+                </a:fontRef>
+              </p:style>
+            </p:cxnSp>
+          </p:grpSp>
+          <p:sp>
+            <p:nvSpPr>
+              <p:cNvPr id="146" name="円弧 145"/>
+              <p:cNvSpPr/>
+              <p:nvPr/>
+            </p:nvSpPr>
+            <p:spPr>
+              <a:xfrm>
+                <a:off x="1842770" y="2309494"/>
+                <a:ext cx="822960" cy="992505"/>
+              </a:xfrm>
+              <a:prstGeom prst="arc">
+                <a:avLst>
+                  <a:gd name="adj1" fmla="val 18263074"/>
+                  <a:gd name="adj2" fmla="val 3324404"/>
+                </a:avLst>
+              </a:prstGeom>
+              <a:ln>
+                <a:solidFill>
+                  <a:srgbClr val="000000"/>
+                </a:solidFill>
+              </a:ln>
+              <a:effectLst/>
+            </p:spPr>
+            <p:style>
+              <a:lnRef idx="2">
+                <a:schemeClr val="accent1"/>
+              </a:lnRef>
+              <a:fillRef idx="0">
+                <a:schemeClr val="accent1"/>
+              </a:fillRef>
+              <a:effectRef idx="1">
+                <a:schemeClr val="accent1"/>
+              </a:effectRef>
+              <a:fontRef idx="minor">
+                <a:schemeClr val="tx1"/>
+              </a:fontRef>
+            </p:style>
+            <p:txBody>
+              <a:bodyPr/>
+              <a:lstStyle/>
+              <a:p>
+                <a:endParaRPr lang="ja-JP" altLang="en-US" dirty="0"/>
+              </a:p>
+            </p:txBody>
+          </p:sp>
+          <p:sp>
+            <p:nvSpPr>
+              <p:cNvPr id="147" name="円弧 146"/>
+              <p:cNvSpPr/>
+              <p:nvPr/>
+            </p:nvSpPr>
+            <p:spPr>
+              <a:xfrm>
+                <a:off x="2307590" y="2420620"/>
+                <a:ext cx="1303019" cy="1325880"/>
+              </a:xfrm>
+              <a:prstGeom prst="arc">
+                <a:avLst>
+                  <a:gd name="adj1" fmla="val 16200000"/>
+                  <a:gd name="adj2" fmla="val 20120088"/>
+                </a:avLst>
+              </a:prstGeom>
+              <a:ln>
+                <a:solidFill>
+                  <a:schemeClr val="tx1"/>
+                </a:solidFill>
+              </a:ln>
+              <a:effectLst/>
+            </p:spPr>
+            <p:style>
+              <a:lnRef idx="2">
+                <a:schemeClr val="accent1"/>
+              </a:lnRef>
+              <a:fillRef idx="0">
+                <a:schemeClr val="accent1"/>
+              </a:fillRef>
+              <a:effectRef idx="1">
+                <a:schemeClr val="accent1"/>
+              </a:effectRef>
+              <a:fontRef idx="minor">
+                <a:schemeClr val="tx1"/>
+              </a:fontRef>
+            </p:style>
+            <p:txBody>
+              <a:bodyPr/>
+              <a:lstStyle/>
+              <a:p>
+                <a:endParaRPr lang="ja-JP" altLang="en-US" dirty="0"/>
+              </a:p>
+            </p:txBody>
+          </p:sp>
+          <p:sp>
+            <p:nvSpPr>
+              <p:cNvPr id="148" name="円弧 147"/>
+              <p:cNvSpPr/>
+              <p:nvPr/>
+            </p:nvSpPr>
+            <p:spPr>
+              <a:xfrm flipV="1">
+                <a:off x="2307590" y="1858010"/>
+                <a:ext cx="1303019" cy="1325880"/>
+              </a:xfrm>
+              <a:prstGeom prst="arc">
+                <a:avLst>
+                  <a:gd name="adj1" fmla="val 16200000"/>
+                  <a:gd name="adj2" fmla="val 20074316"/>
+                </a:avLst>
+              </a:prstGeom>
+              <a:ln>
+                <a:solidFill>
+                  <a:schemeClr val="tx1"/>
+                </a:solidFill>
+              </a:ln>
+              <a:effectLst/>
+            </p:spPr>
+            <p:style>
+              <a:lnRef idx="2">
+                <a:schemeClr val="accent1"/>
+              </a:lnRef>
+              <a:fillRef idx="0">
+                <a:schemeClr val="accent1"/>
+              </a:fillRef>
+              <a:effectRef idx="1">
+                <a:schemeClr val="accent1"/>
+              </a:effectRef>
+              <a:fontRef idx="minor">
+                <a:schemeClr val="tx1"/>
+              </a:fontRef>
+            </p:style>
+            <p:txBody>
+              <a:bodyPr/>
+              <a:lstStyle/>
+              <a:p>
+                <a:endParaRPr lang="ja-JP" altLang="en-US" dirty="0"/>
+              </a:p>
+            </p:txBody>
+          </p:sp>
+        </p:grpSp>
+        <p:sp>
+          <p:nvSpPr>
+            <p:cNvPr id="136" name="テキスト ボックス 135"/>
+            <p:cNvSpPr txBox="1"/>
+            <p:nvPr/>
+          </p:nvSpPr>
+          <p:spPr>
+            <a:xfrm>
+              <a:off x="2378989" y="4621826"/>
+              <a:ext cx="246432" cy="369332"/>
+            </a:xfrm>
+            <a:prstGeom prst="rect">
+              <a:avLst/>
+            </a:prstGeom>
+            <a:noFill/>
+          </p:spPr>
+          <p:txBody>
+            <a:bodyPr wrap="none" rtlCol="0">
+              <a:spAutoFit/>
+            </a:bodyPr>
+            <a:lstStyle/>
+            <a:p>
+              <a:r>
+                <a:rPr kumimoji="1" lang="en-US" altLang="ja-JP" dirty="0" smtClean="0"/>
+                <a:t>:</a:t>
+              </a:r>
+              <a:endParaRPr kumimoji="1" lang="ja-JP" altLang="en-US" dirty="0"/>
+            </a:p>
+          </p:txBody>
+        </p:sp>
+        <p:cxnSp>
+          <p:nvCxnSpPr>
+            <p:cNvPr id="137" name="直線コネクタ 136"/>
+            <p:cNvCxnSpPr/>
+            <p:nvPr/>
+          </p:nvCxnSpPr>
+          <p:spPr>
+            <a:xfrm>
+              <a:off x="2366339" y="4500446"/>
+              <a:ext cx="284480" cy="0"/>
+            </a:xfrm>
+            <a:prstGeom prst="line">
+              <a:avLst/>
+            </a:prstGeom>
+            <a:ln>
+              <a:solidFill>
+                <a:schemeClr val="tx1"/>
+              </a:solidFill>
+            </a:ln>
+            <a:effectLst/>
+          </p:spPr>
+          <p:style>
+            <a:lnRef idx="2">
+              <a:schemeClr val="accent1"/>
+            </a:lnRef>
+            <a:fillRef idx="0">
+              <a:schemeClr val="accent1"/>
+            </a:fillRef>
+            <a:effectRef idx="1">
+              <a:schemeClr val="accent1"/>
+            </a:effectRef>
+            <a:fontRef idx="minor">
+              <a:schemeClr val="tx1"/>
+            </a:fontRef>
+          </p:style>
+        </p:cxnSp>
+        <p:cxnSp>
+          <p:nvCxnSpPr>
+            <p:cNvPr id="138" name="直線コネクタ 137"/>
+            <p:cNvCxnSpPr/>
+            <p:nvPr/>
+          </p:nvCxnSpPr>
+          <p:spPr>
+            <a:xfrm>
+              <a:off x="2366339" y="4673166"/>
+              <a:ext cx="337751" cy="0"/>
+            </a:xfrm>
+            <a:prstGeom prst="line">
+              <a:avLst/>
+            </a:prstGeom>
+            <a:ln>
+              <a:solidFill>
+                <a:schemeClr val="tx1"/>
+              </a:solidFill>
+            </a:ln>
+            <a:effectLst/>
+          </p:spPr>
+          <p:style>
+            <a:lnRef idx="2">
+              <a:schemeClr val="accent1"/>
+            </a:lnRef>
+            <a:fillRef idx="0">
+              <a:schemeClr val="accent1"/>
+            </a:fillRef>
+            <a:effectRef idx="1">
+              <a:schemeClr val="accent1"/>
+            </a:effectRef>
+            <a:fontRef idx="minor">
+              <a:schemeClr val="tx1"/>
+            </a:fontRef>
+          </p:style>
+        </p:cxnSp>
+        <p:cxnSp>
+          <p:nvCxnSpPr>
+            <p:cNvPr id="139" name="直線コネクタ 138"/>
+            <p:cNvCxnSpPr/>
+            <p:nvPr/>
+          </p:nvCxnSpPr>
+          <p:spPr>
+            <a:xfrm>
+              <a:off x="2376499" y="5014796"/>
+              <a:ext cx="284480" cy="0"/>
+            </a:xfrm>
+            <a:prstGeom prst="line">
+              <a:avLst/>
+            </a:prstGeom>
+            <a:ln>
+              <a:solidFill>
+                <a:schemeClr val="tx1"/>
+              </a:solidFill>
+            </a:ln>
+            <a:effectLst/>
+          </p:spPr>
+          <p:style>
+            <a:lnRef idx="2">
+              <a:schemeClr val="accent1"/>
+            </a:lnRef>
+            <a:fillRef idx="0">
+              <a:schemeClr val="accent1"/>
+            </a:fillRef>
+            <a:effectRef idx="1">
+              <a:schemeClr val="accent1"/>
+            </a:effectRef>
+            <a:fontRef idx="minor">
+              <a:schemeClr val="tx1"/>
+            </a:fontRef>
+          </p:style>
+        </p:cxnSp>
+        <p:sp>
+          <p:nvSpPr>
+            <p:cNvPr id="140" name="テキスト ボックス 139"/>
+            <p:cNvSpPr txBox="1"/>
+            <p:nvPr/>
+          </p:nvSpPr>
+          <p:spPr>
+            <a:xfrm>
+              <a:off x="2131140" y="4339155"/>
+              <a:ext cx="307625" cy="276999"/>
+            </a:xfrm>
+            <a:prstGeom prst="rect">
+              <a:avLst/>
+            </a:prstGeom>
+            <a:noFill/>
+          </p:spPr>
+          <p:txBody>
+            <a:bodyPr wrap="none" rtlCol="0">
+              <a:spAutoFit/>
+            </a:bodyPr>
+            <a:lstStyle/>
+            <a:p>
+              <a:r>
+                <a:rPr kumimoji="1" lang="en-US" altLang="ja-JP" sz="1200" i="1" dirty="0" smtClean="0">
+                  <a:latin typeface="Book Antiqua"/>
+                  <a:cs typeface="Book Antiqua"/>
+                </a:rPr>
+                <a:t>i</a:t>
+              </a:r>
+              <a:r>
+                <a:rPr kumimoji="1" lang="en-US" altLang="ja-JP" sz="1200" i="1" baseline="-25000" dirty="0" smtClean="0">
+                  <a:latin typeface="Book Antiqua"/>
+                  <a:cs typeface="Book Antiqua"/>
+                </a:rPr>
+                <a:t>1</a:t>
+              </a:r>
+              <a:endParaRPr kumimoji="1" lang="ja-JP" altLang="en-US" sz="1200" i="1" baseline="-25000" dirty="0">
+                <a:latin typeface="Book Antiqua"/>
+                <a:cs typeface="Book Antiqua"/>
+              </a:endParaRPr>
+            </a:p>
+          </p:txBody>
+        </p:sp>
+        <p:sp>
+          <p:nvSpPr>
+            <p:cNvPr id="141" name="テキスト ボックス 140"/>
+            <p:cNvSpPr txBox="1"/>
+            <p:nvPr/>
+          </p:nvSpPr>
+          <p:spPr>
+            <a:xfrm>
+              <a:off x="2131140" y="4515824"/>
+              <a:ext cx="307625" cy="276999"/>
+            </a:xfrm>
+            <a:prstGeom prst="rect">
+              <a:avLst/>
+            </a:prstGeom>
+            <a:noFill/>
+          </p:spPr>
+          <p:txBody>
+            <a:bodyPr wrap="none" rtlCol="0">
+              <a:spAutoFit/>
+            </a:bodyPr>
+            <a:lstStyle/>
+            <a:p>
+              <a:r>
+                <a:rPr kumimoji="1" lang="en-US" altLang="ja-JP" sz="1200" i="1" dirty="0" smtClean="0">
+                  <a:latin typeface="Book Antiqua"/>
+                  <a:cs typeface="Book Antiqua"/>
+                </a:rPr>
+                <a:t>i</a:t>
+              </a:r>
+              <a:r>
+                <a:rPr kumimoji="1" lang="en-US" altLang="ja-JP" sz="1200" i="1" baseline="-25000" dirty="0" smtClean="0">
+                  <a:latin typeface="Book Antiqua"/>
+                  <a:cs typeface="Book Antiqua"/>
+                </a:rPr>
+                <a:t>2</a:t>
+              </a:r>
+              <a:endParaRPr kumimoji="1" lang="ja-JP" altLang="en-US" sz="1200" i="1" baseline="-25000" dirty="0">
+                <a:latin typeface="Book Antiqua"/>
+                <a:cs typeface="Book Antiqua"/>
+              </a:endParaRPr>
+            </a:p>
+          </p:txBody>
+        </p:sp>
+        <p:sp>
+          <p:nvSpPr>
+            <p:cNvPr id="142" name="テキスト ボックス 141"/>
+            <p:cNvSpPr txBox="1"/>
+            <p:nvPr/>
+          </p:nvSpPr>
+          <p:spPr>
+            <a:xfrm>
+              <a:off x="2131140" y="4852658"/>
+              <a:ext cx="313386" cy="276999"/>
+            </a:xfrm>
+            <a:prstGeom prst="rect">
+              <a:avLst/>
+            </a:prstGeom>
+            <a:noFill/>
+          </p:spPr>
+          <p:txBody>
+            <a:bodyPr wrap="none" rtlCol="0">
+              <a:spAutoFit/>
+            </a:bodyPr>
+            <a:lstStyle/>
+            <a:p>
+              <a:r>
+                <a:rPr kumimoji="1" lang="en-US" altLang="ja-JP" sz="1200" i="1" dirty="0" smtClean="0">
+                  <a:latin typeface="Book Antiqua"/>
+                  <a:cs typeface="Book Antiqua"/>
+                </a:rPr>
+                <a:t>i</a:t>
+              </a:r>
+              <a:r>
+                <a:rPr kumimoji="1" lang="en-US" altLang="ja-JP" sz="1200" i="1" baseline="-25000" dirty="0" smtClean="0">
+                  <a:latin typeface="Book Antiqua"/>
+                  <a:cs typeface="Book Antiqua"/>
+                </a:rPr>
+                <a:t>n</a:t>
+              </a:r>
+              <a:endParaRPr kumimoji="1" lang="ja-JP" altLang="en-US" sz="1200" i="1" baseline="-25000" dirty="0">
+                <a:latin typeface="Book Antiqua"/>
+                <a:cs typeface="Book Antiqua"/>
+              </a:endParaRPr>
+            </a:p>
+          </p:txBody>
+        </p:sp>
+        <p:sp>
+          <p:nvSpPr>
+            <p:cNvPr id="144" name="テキスト ボックス 143"/>
+            <p:cNvSpPr txBox="1"/>
+            <p:nvPr/>
+          </p:nvSpPr>
+          <p:spPr>
+            <a:xfrm>
+              <a:off x="3811241" y="4588359"/>
+              <a:ext cx="291554" cy="276999"/>
+            </a:xfrm>
+            <a:prstGeom prst="rect">
+              <a:avLst/>
+            </a:prstGeom>
+            <a:noFill/>
+          </p:spPr>
+          <p:txBody>
+            <a:bodyPr wrap="none" rtlCol="0">
+              <a:spAutoFit/>
+            </a:bodyPr>
+            <a:lstStyle/>
+            <a:p>
+              <a:r>
+                <a:rPr lang="en-US" altLang="ja-JP" sz="1200" i="1" dirty="0">
+                  <a:latin typeface="Book Antiqua"/>
+                  <a:cs typeface="Book Antiqua"/>
+                </a:rPr>
+                <a:t>x</a:t>
+              </a:r>
+              <a:endParaRPr kumimoji="1" lang="ja-JP" altLang="en-US" sz="1200" i="1" baseline="-25000" dirty="0">
+                <a:latin typeface="Book Antiqua"/>
+                <a:cs typeface="Book Antiqua"/>
+              </a:endParaRPr>
+            </a:p>
+          </p:txBody>
+        </p:sp>
+        <p:cxnSp>
+          <p:nvCxnSpPr>
+            <p:cNvPr id="156" name="直線コネクタ 155"/>
+            <p:cNvCxnSpPr>
+              <a:stCxn id="54" idx="6"/>
+            </p:cNvCxnSpPr>
+            <p:nvPr/>
+          </p:nvCxnSpPr>
+          <p:spPr>
+            <a:xfrm flipV="1">
+              <a:off x="3702309" y="4754723"/>
+              <a:ext cx="171449" cy="1968"/>
+            </a:xfrm>
+            <a:prstGeom prst="line">
+              <a:avLst/>
+            </a:prstGeom>
+            <a:ln>
+              <a:solidFill>
+                <a:schemeClr val="tx1"/>
+              </a:solidFill>
+            </a:ln>
+            <a:effectLst/>
+          </p:spPr>
+          <p:style>
+            <a:lnRef idx="2">
+              <a:schemeClr val="accent1"/>
+            </a:lnRef>
+            <a:fillRef idx="0">
+              <a:schemeClr val="accent1"/>
+            </a:fillRef>
+            <a:effectRef idx="1">
+              <a:schemeClr val="accent1"/>
+            </a:effectRef>
+            <a:fontRef idx="minor">
+              <a:schemeClr val="tx1"/>
+            </a:fontRef>
+          </p:style>
+        </p:cxnSp>
+      </p:grpSp>
+      <p:sp>
+        <p:nvSpPr>
+          <p:cNvPr id="159" name="テキスト ボックス 158"/>
+          <p:cNvSpPr txBox="1"/>
+          <p:nvPr/>
+        </p:nvSpPr>
+        <p:spPr>
+          <a:xfrm>
+            <a:off x="6933510" y="6260244"/>
+            <a:ext cx="623425" cy="307777"/>
+          </a:xfrm>
+          <a:prstGeom prst="rect">
+            <a:avLst/>
+          </a:prstGeom>
+          <a:noFill/>
+        </p:spPr>
+        <p:txBody>
+          <a:bodyPr wrap="none" rtlCol="0">
+            <a:spAutoFit/>
+          </a:bodyPr>
+          <a:lstStyle/>
+          <a:p>
+            <a:r>
+              <a:rPr kumimoji="1" lang="en-US" altLang="ja-JP" sz="1400" b="1" dirty="0" smtClean="0">
+                <a:latin typeface="Book Antiqua"/>
+                <a:cs typeface="Book Antiqua"/>
+              </a:rPr>
+              <a:t>AND</a:t>
+            </a:r>
+            <a:endParaRPr kumimoji="1" lang="ja-JP" altLang="en-US" sz="1400" b="1" dirty="0">
+              <a:latin typeface="Book Antiqua"/>
+              <a:cs typeface="Book Antiqua"/>
+            </a:endParaRPr>
+          </a:p>
+        </p:txBody>
+      </p:sp>
+      <p:sp>
+        <p:nvSpPr>
+          <p:cNvPr id="161" name="テキスト ボックス 160"/>
+          <p:cNvSpPr txBox="1"/>
+          <p:nvPr/>
+        </p:nvSpPr>
+        <p:spPr>
+          <a:xfrm>
+            <a:off x="7320010" y="4539118"/>
+            <a:ext cx="466794" cy="307777"/>
+          </a:xfrm>
+          <a:prstGeom prst="rect">
+            <a:avLst/>
+          </a:prstGeom>
+          <a:noFill/>
+        </p:spPr>
+        <p:txBody>
+          <a:bodyPr wrap="none" rtlCol="0">
+            <a:spAutoFit/>
+          </a:bodyPr>
+          <a:lstStyle/>
+          <a:p>
+            <a:r>
+              <a:rPr kumimoji="1" lang="en-US" altLang="ja-JP" sz="1400" b="1" dirty="0" smtClean="0">
+                <a:latin typeface="Book Antiqua"/>
+                <a:cs typeface="Book Antiqua"/>
+              </a:rPr>
+              <a:t>OR</a:t>
+            </a:r>
+            <a:endParaRPr kumimoji="1" lang="ja-JP" altLang="en-US" sz="1400" b="1" dirty="0">
+              <a:latin typeface="Book Antiqua"/>
+              <a:cs typeface="Book Antiqua"/>
+            </a:endParaRPr>
+          </a:p>
+        </p:txBody>
+      </p:sp>
+      <p:sp>
+        <p:nvSpPr>
+          <p:cNvPr id="162" name="テキスト ボックス 161"/>
+          <p:cNvSpPr txBox="1"/>
+          <p:nvPr/>
+        </p:nvSpPr>
+        <p:spPr>
+          <a:xfrm>
+            <a:off x="6697418" y="3091521"/>
+            <a:ext cx="603526" cy="307777"/>
+          </a:xfrm>
+          <a:prstGeom prst="rect">
+            <a:avLst/>
+          </a:prstGeom>
+          <a:noFill/>
+        </p:spPr>
+        <p:txBody>
+          <a:bodyPr wrap="none" rtlCol="0">
+            <a:spAutoFit/>
+          </a:bodyPr>
+          <a:lstStyle/>
+          <a:p>
+            <a:r>
+              <a:rPr kumimoji="1" lang="en-US" altLang="ja-JP" sz="1400" b="1" dirty="0" smtClean="0">
+                <a:latin typeface="Book Antiqua"/>
+                <a:cs typeface="Book Antiqua"/>
+              </a:rPr>
+              <a:t>NOT</a:t>
+            </a:r>
+            <a:endParaRPr kumimoji="1" lang="ja-JP" altLang="en-US" sz="1400" b="1" dirty="0">
+              <a:latin typeface="Book Antiqua"/>
+              <a:cs typeface="Book Antiqua"/>
+            </a:endParaRPr>
+          </a:p>
+        </p:txBody>
+      </p:sp>
+      <p:sp>
+        <p:nvSpPr>
+          <p:cNvPr id="163" name="テキスト ボックス 162"/>
+          <p:cNvSpPr txBox="1"/>
+          <p:nvPr/>
+        </p:nvSpPr>
+        <p:spPr>
+          <a:xfrm>
+            <a:off x="4546597" y="5500698"/>
+            <a:ext cx="613432" cy="307777"/>
+          </a:xfrm>
+          <a:prstGeom prst="rect">
+            <a:avLst/>
+          </a:prstGeom>
+          <a:noFill/>
+        </p:spPr>
+        <p:txBody>
+          <a:bodyPr wrap="none" rtlCol="0">
+            <a:spAutoFit/>
+          </a:bodyPr>
+          <a:lstStyle/>
+          <a:p>
+            <a:r>
+              <a:rPr kumimoji="1" lang="en-US" altLang="ja-JP" sz="1400" b="1" dirty="0" smtClean="0">
+                <a:latin typeface="Book Antiqua"/>
+                <a:cs typeface="Book Antiqua"/>
+              </a:rPr>
+              <a:t>NOR</a:t>
+            </a:r>
+            <a:endParaRPr kumimoji="1" lang="ja-JP" altLang="en-US" sz="1400" b="1" dirty="0">
+              <a:latin typeface="Book Antiqua"/>
+              <a:cs typeface="Book Antiqua"/>
+            </a:endParaRPr>
+          </a:p>
+        </p:txBody>
+      </p:sp>
+      <p:sp>
+        <p:nvSpPr>
+          <p:cNvPr id="164" name="テキスト ボックス 163"/>
+          <p:cNvSpPr txBox="1"/>
+          <p:nvPr/>
+        </p:nvSpPr>
+        <p:spPr>
+          <a:xfrm>
+            <a:off x="2182908" y="5466325"/>
+            <a:ext cx="772981" cy="307777"/>
+          </a:xfrm>
+          <a:prstGeom prst="rect">
+            <a:avLst/>
+          </a:prstGeom>
+          <a:noFill/>
+        </p:spPr>
+        <p:txBody>
+          <a:bodyPr wrap="none" rtlCol="0">
+            <a:spAutoFit/>
+          </a:bodyPr>
+          <a:lstStyle/>
+          <a:p>
+            <a:r>
+              <a:rPr kumimoji="1" lang="en-US" altLang="ja-JP" sz="1400" b="1" dirty="0" smtClean="0">
+                <a:latin typeface="Book Antiqua"/>
+                <a:cs typeface="Book Antiqua"/>
+              </a:rPr>
+              <a:t>NAND</a:t>
+            </a:r>
+            <a:endParaRPr kumimoji="1" lang="ja-JP" altLang="en-US" sz="1400" b="1" dirty="0">
+              <a:latin typeface="Book Antiqua"/>
+              <a:cs typeface="Book Antiqua"/>
+            </a:endParaRPr>
+          </a:p>
+        </p:txBody>
+      </p:sp>
+      <p:sp>
+        <p:nvSpPr>
+          <p:cNvPr id="103" name="二等辺三角形 102"/>
+          <p:cNvSpPr/>
+          <p:nvPr/>
+        </p:nvSpPr>
+        <p:spPr>
+          <a:xfrm rot="5400000">
+            <a:off x="2992809" y="3021484"/>
+            <a:ext cx="266838" cy="240721"/>
+          </a:xfrm>
+          <a:prstGeom prst="triangle">
+            <a:avLst>
+              <a:gd name="adj" fmla="val 49228"/>
+            </a:avLst>
+          </a:prstGeom>
+          <a:noFill/>
+          <a:ln w="25400">
+            <a:solidFill>
+              <a:schemeClr val="tx1"/>
+            </a:solidFill>
+          </a:ln>
+          <a:effectLst/>
+        </p:spPr>
+        <p:style>
+          <a:lnRef idx="1">
+            <a:schemeClr val="accent1"/>
+          </a:lnRef>
+          <a:fillRef idx="3">
+            <a:schemeClr val="accent1"/>
+          </a:fillRef>
+          <a:effectRef idx="2">
+            <a:schemeClr val="accent1"/>
+          </a:effectRef>
+          <a:fontRef idx="minor">
+            <a:schemeClr val="lt1"/>
+          </a:fontRef>
+        </p:style>
+        <p:txBody>
+          <a:bodyPr/>
+          <a:lstStyle/>
+          <a:p>
+            <a:endParaRPr lang="ja-JP" altLang="en-US"/>
+          </a:p>
+        </p:txBody>
+      </p:sp>
+      <p:sp>
+        <p:nvSpPr>
+          <p:cNvPr id="130" name="円/楕円 129"/>
+          <p:cNvSpPr/>
+          <p:nvPr/>
+        </p:nvSpPr>
+        <p:spPr>
+          <a:xfrm>
+            <a:off x="3246589" y="3085750"/>
+            <a:ext cx="106681" cy="107950"/>
+          </a:xfrm>
+          <a:prstGeom prst="ellipse">
+            <a:avLst/>
+          </a:prstGeom>
+          <a:noFill/>
+          <a:ln w="22225">
+            <a:solidFill>
+              <a:schemeClr val="tx1"/>
+            </a:solidFill>
+          </a:ln>
+          <a:effectLst/>
+        </p:spPr>
+        <p:style>
+          <a:lnRef idx="1">
+            <a:schemeClr val="accent1"/>
+          </a:lnRef>
+          <a:fillRef idx="3">
+            <a:schemeClr val="accent1"/>
+          </a:fillRef>
+          <a:effectRef idx="2">
+            <a:schemeClr val="accent1"/>
+          </a:effectRef>
+          <a:fontRef idx="minor">
+            <a:schemeClr val="lt1"/>
+          </a:fontRef>
+        </p:style>
+        <p:txBody>
+          <a:bodyPr/>
+          <a:lstStyle/>
+          <a:p>
+            <a:endParaRPr lang="ja-JP" altLang="en-US" dirty="0"/>
+          </a:p>
+        </p:txBody>
+      </p:sp>
+      <p:sp>
+        <p:nvSpPr>
+          <p:cNvPr id="134" name="二等辺三角形 133"/>
+          <p:cNvSpPr/>
+          <p:nvPr/>
+        </p:nvSpPr>
+        <p:spPr>
+          <a:xfrm rot="5400000">
+            <a:off x="2992809" y="3670034"/>
+            <a:ext cx="266838" cy="240721"/>
+          </a:xfrm>
+          <a:prstGeom prst="triangle">
+            <a:avLst>
+              <a:gd name="adj" fmla="val 49228"/>
+            </a:avLst>
+          </a:prstGeom>
+          <a:noFill/>
+          <a:ln w="25400">
+            <a:solidFill>
+              <a:schemeClr val="tx1"/>
+            </a:solidFill>
+          </a:ln>
+          <a:effectLst/>
+        </p:spPr>
+        <p:style>
+          <a:lnRef idx="1">
+            <a:schemeClr val="accent1"/>
+          </a:lnRef>
+          <a:fillRef idx="3">
+            <a:schemeClr val="accent1"/>
+          </a:fillRef>
+          <a:effectRef idx="2">
+            <a:schemeClr val="accent1"/>
+          </a:effectRef>
+          <a:fontRef idx="minor">
+            <a:schemeClr val="lt1"/>
+          </a:fontRef>
+        </p:style>
+        <p:txBody>
+          <a:bodyPr/>
+          <a:lstStyle/>
+          <a:p>
+            <a:endParaRPr lang="ja-JP" altLang="en-US"/>
+          </a:p>
+        </p:txBody>
+      </p:sp>
+      <p:sp>
+        <p:nvSpPr>
+          <p:cNvPr id="143" name="円/楕円 142"/>
+          <p:cNvSpPr/>
+          <p:nvPr/>
+        </p:nvSpPr>
+        <p:spPr>
+          <a:xfrm>
+            <a:off x="3246589" y="3734300"/>
+            <a:ext cx="106681" cy="107950"/>
+          </a:xfrm>
+          <a:prstGeom prst="ellipse">
+            <a:avLst/>
+          </a:prstGeom>
+          <a:noFill/>
+          <a:ln w="22225">
+            <a:solidFill>
+              <a:schemeClr val="tx1"/>
+            </a:solidFill>
+          </a:ln>
+          <a:effectLst/>
+        </p:spPr>
+        <p:style>
+          <a:lnRef idx="1">
+            <a:schemeClr val="accent1"/>
+          </a:lnRef>
+          <a:fillRef idx="3">
+            <a:schemeClr val="accent1"/>
+          </a:fillRef>
+          <a:effectRef idx="2">
+            <a:schemeClr val="accent1"/>
+          </a:effectRef>
+          <a:fontRef idx="minor">
+            <a:schemeClr val="lt1"/>
+          </a:fontRef>
+        </p:style>
+        <p:txBody>
+          <a:bodyPr/>
+          <a:lstStyle/>
+          <a:p>
+            <a:endParaRPr lang="ja-JP" altLang="en-US" dirty="0"/>
+          </a:p>
+        </p:txBody>
+      </p:sp>
+      <p:cxnSp>
+        <p:nvCxnSpPr>
+          <p:cNvPr id="151" name="直線コネクタ 150"/>
+          <p:cNvCxnSpPr>
+            <a:endCxn id="103" idx="3"/>
+          </p:cNvCxnSpPr>
+          <p:nvPr/>
+        </p:nvCxnSpPr>
+        <p:spPr>
+          <a:xfrm>
+            <a:off x="1854669" y="3139785"/>
+            <a:ext cx="1151199" cy="0"/>
+          </a:xfrm>
+          <a:prstGeom prst="line">
+            <a:avLst/>
+          </a:prstGeom>
+          <a:ln>
+            <a:solidFill>
+              <a:schemeClr val="tx1"/>
+            </a:solidFill>
+          </a:ln>
+          <a:effectLst/>
+        </p:spPr>
+        <p:style>
+          <a:lnRef idx="2">
+            <a:schemeClr val="accent1"/>
+          </a:lnRef>
+          <a:fillRef idx="0">
+            <a:schemeClr val="accent1"/>
+          </a:fillRef>
+          <a:effectRef idx="1">
+            <a:schemeClr val="accent1"/>
+          </a:effectRef>
+          <a:fontRef idx="minor">
+            <a:schemeClr val="tx1"/>
+          </a:fontRef>
+        </p:style>
+      </p:cxnSp>
+      <p:cxnSp>
+        <p:nvCxnSpPr>
+          <p:cNvPr id="152" name="直線コネクタ 151"/>
+          <p:cNvCxnSpPr>
+            <a:endCxn id="134" idx="3"/>
+          </p:cNvCxnSpPr>
+          <p:nvPr/>
+        </p:nvCxnSpPr>
+        <p:spPr>
+          <a:xfrm>
+            <a:off x="1854668" y="3777617"/>
+            <a:ext cx="1151200" cy="10718"/>
+          </a:xfrm>
+          <a:prstGeom prst="line">
+            <a:avLst/>
+          </a:prstGeom>
+          <a:ln>
+            <a:solidFill>
+              <a:schemeClr val="tx1"/>
+            </a:solidFill>
+          </a:ln>
+          <a:effectLst/>
+        </p:spPr>
+        <p:style>
+          <a:lnRef idx="2">
+            <a:schemeClr val="accent1"/>
+          </a:lnRef>
+          <a:fillRef idx="0">
+            <a:schemeClr val="accent1"/>
+          </a:fillRef>
+          <a:effectRef idx="1">
+            <a:schemeClr val="accent1"/>
+          </a:effectRef>
+          <a:fontRef idx="minor">
+            <a:schemeClr val="tx1"/>
+          </a:fontRef>
+        </p:style>
+      </p:cxnSp>
+      <p:cxnSp>
+        <p:nvCxnSpPr>
+          <p:cNvPr id="8" name="カギ線コネクタ 7"/>
+          <p:cNvCxnSpPr/>
+          <p:nvPr/>
+        </p:nvCxnSpPr>
+        <p:spPr>
+          <a:xfrm flipV="1">
+            <a:off x="2483556" y="2856097"/>
+            <a:ext cx="970844" cy="283689"/>
+          </a:xfrm>
+          <a:prstGeom prst="bentConnector3">
+            <a:avLst>
+              <a:gd name="adj1" fmla="val 291"/>
+            </a:avLst>
+          </a:prstGeom>
+          <a:ln w="28575" cmpd="sng">
+            <a:solidFill>
+              <a:srgbClr val="000000"/>
+            </a:solidFill>
+          </a:ln>
+          <a:effectLst/>
+        </p:spPr>
+        <p:style>
+          <a:lnRef idx="3">
+            <a:schemeClr val="dk1"/>
+          </a:lnRef>
+          <a:fillRef idx="0">
+            <a:schemeClr val="dk1"/>
+          </a:fillRef>
+          <a:effectRef idx="2">
+            <a:schemeClr val="dk1"/>
+          </a:effectRef>
+          <a:fontRef idx="minor">
+            <a:schemeClr val="tx1"/>
+          </a:fontRef>
+        </p:style>
+      </p:cxnSp>
+      <p:cxnSp>
+        <p:nvCxnSpPr>
+          <p:cNvPr id="153" name="直線コネクタ 152"/>
+          <p:cNvCxnSpPr>
+            <a:stCxn id="130" idx="6"/>
+          </p:cNvCxnSpPr>
+          <p:nvPr/>
+        </p:nvCxnSpPr>
+        <p:spPr>
+          <a:xfrm>
+            <a:off x="3353270" y="3139725"/>
+            <a:ext cx="370367" cy="0"/>
+          </a:xfrm>
+          <a:prstGeom prst="line">
+            <a:avLst/>
+          </a:prstGeom>
+          <a:ln>
+            <a:solidFill>
+              <a:schemeClr val="tx1"/>
+            </a:solidFill>
+          </a:ln>
+          <a:effectLst/>
+        </p:spPr>
+        <p:style>
+          <a:lnRef idx="2">
+            <a:schemeClr val="accent1"/>
+          </a:lnRef>
+          <a:fillRef idx="0">
+            <a:schemeClr val="accent1"/>
+          </a:fillRef>
+          <a:effectRef idx="1">
+            <a:schemeClr val="accent1"/>
+          </a:effectRef>
+          <a:fontRef idx="minor">
+            <a:schemeClr val="tx1"/>
+          </a:fontRef>
+        </p:style>
+      </p:cxnSp>
+      <p:cxnSp>
+        <p:nvCxnSpPr>
+          <p:cNvPr id="154" name="直線コネクタ 153"/>
+          <p:cNvCxnSpPr>
+            <a:stCxn id="143" idx="6"/>
+          </p:cNvCxnSpPr>
+          <p:nvPr/>
+        </p:nvCxnSpPr>
+        <p:spPr>
+          <a:xfrm flipV="1">
+            <a:off x="3353270" y="3782976"/>
+            <a:ext cx="370367" cy="5299"/>
+          </a:xfrm>
+          <a:prstGeom prst="line">
+            <a:avLst/>
+          </a:prstGeom>
+          <a:ln>
+            <a:solidFill>
+              <a:schemeClr val="tx1"/>
+            </a:solidFill>
+          </a:ln>
+          <a:effectLst/>
+        </p:spPr>
+        <p:style>
+          <a:lnRef idx="2">
+            <a:schemeClr val="accent1"/>
+          </a:lnRef>
+          <a:fillRef idx="0">
+            <a:schemeClr val="accent1"/>
+          </a:fillRef>
+          <a:effectRef idx="1">
+            <a:schemeClr val="accent1"/>
+          </a:effectRef>
+          <a:fontRef idx="minor">
+            <a:schemeClr val="tx1"/>
+          </a:fontRef>
+        </p:style>
+      </p:cxnSp>
+      <p:cxnSp>
+        <p:nvCxnSpPr>
+          <p:cNvPr id="157" name="カギ線コネクタ 156"/>
+          <p:cNvCxnSpPr/>
+          <p:nvPr/>
+        </p:nvCxnSpPr>
+        <p:spPr>
+          <a:xfrm flipV="1">
+            <a:off x="2483556" y="3499286"/>
+            <a:ext cx="1434397" cy="283690"/>
+          </a:xfrm>
+          <a:prstGeom prst="bentConnector3">
+            <a:avLst>
+              <a:gd name="adj1" fmla="val 418"/>
+            </a:avLst>
+          </a:prstGeom>
+          <a:ln w="28575" cmpd="sng">
+            <a:solidFill>
+              <a:srgbClr val="000000"/>
+            </a:solidFill>
+          </a:ln>
+          <a:effectLst/>
+        </p:spPr>
+        <p:style>
+          <a:lnRef idx="3">
+            <a:schemeClr val="dk1"/>
+          </a:lnRef>
+          <a:fillRef idx="0">
+            <a:schemeClr val="dk1"/>
+          </a:fillRef>
+          <a:effectRef idx="2">
+            <a:schemeClr val="dk1"/>
+          </a:effectRef>
+          <a:fontRef idx="minor">
+            <a:schemeClr val="tx1"/>
+          </a:fontRef>
+        </p:style>
+      </p:cxnSp>
+      <p:sp>
+        <p:nvSpPr>
+          <p:cNvPr id="165" name="円/楕円 164"/>
+          <p:cNvSpPr/>
+          <p:nvPr/>
+        </p:nvSpPr>
+        <p:spPr>
+          <a:xfrm>
+            <a:off x="2460696" y="3108609"/>
+            <a:ext cx="45719" cy="45719"/>
+          </a:xfrm>
+          <a:prstGeom prst="ellipse">
+            <a:avLst/>
+          </a:prstGeom>
+          <a:solidFill>
+            <a:schemeClr val="tx1"/>
+          </a:solidFill>
+          <a:ln w="22225">
+            <a:solidFill>
+              <a:schemeClr val="tx1"/>
+            </a:solidFill>
+          </a:ln>
+          <a:effectLst/>
+        </p:spPr>
+        <p:style>
+          <a:lnRef idx="1">
+            <a:schemeClr val="accent1"/>
+          </a:lnRef>
+          <a:fillRef idx="3">
+            <a:schemeClr val="accent1"/>
+          </a:fillRef>
+          <a:effectRef idx="2">
+            <a:schemeClr val="accent1"/>
+          </a:effectRef>
+          <a:fontRef idx="minor">
+            <a:schemeClr val="lt1"/>
+          </a:fontRef>
+        </p:style>
+        <p:txBody>
+          <a:bodyPr/>
+          <a:lstStyle/>
+          <a:p>
+            <a:endParaRPr lang="ja-JP" altLang="en-US" dirty="0"/>
+          </a:p>
+        </p:txBody>
+      </p:sp>
+      <p:sp>
+        <p:nvSpPr>
+          <p:cNvPr id="167" name="円/楕円 166"/>
+          <p:cNvSpPr/>
+          <p:nvPr/>
+        </p:nvSpPr>
+        <p:spPr>
+          <a:xfrm>
+            <a:off x="2461402" y="3760116"/>
+            <a:ext cx="45719" cy="45719"/>
+          </a:xfrm>
+          <a:prstGeom prst="ellipse">
+            <a:avLst/>
+          </a:prstGeom>
+          <a:solidFill>
+            <a:schemeClr val="tx1"/>
+          </a:solidFill>
+          <a:ln w="22225">
+            <a:solidFill>
+              <a:schemeClr val="tx1"/>
+            </a:solidFill>
+          </a:ln>
+          <a:effectLst/>
+        </p:spPr>
+        <p:style>
+          <a:lnRef idx="1">
+            <a:schemeClr val="accent1"/>
+          </a:lnRef>
+          <a:fillRef idx="3">
+            <a:schemeClr val="accent1"/>
+          </a:fillRef>
+          <a:effectRef idx="2">
+            <a:schemeClr val="accent1"/>
+          </a:effectRef>
+          <a:fontRef idx="minor">
+            <a:schemeClr val="lt1"/>
+          </a:fontRef>
+        </p:style>
+        <p:txBody>
+          <a:bodyPr/>
+          <a:lstStyle/>
+          <a:p>
+            <a:endParaRPr lang="ja-JP" altLang="en-US" dirty="0"/>
+          </a:p>
+        </p:txBody>
+      </p:sp>
+      <p:sp>
+        <p:nvSpPr>
+          <p:cNvPr id="168" name="テキスト ボックス 167"/>
+          <p:cNvSpPr txBox="1"/>
+          <p:nvPr/>
+        </p:nvSpPr>
+        <p:spPr>
+          <a:xfrm>
+            <a:off x="1652533" y="2978028"/>
+            <a:ext cx="294668" cy="276999"/>
+          </a:xfrm>
+          <a:prstGeom prst="rect">
+            <a:avLst/>
+          </a:prstGeom>
+          <a:noFill/>
+        </p:spPr>
+        <p:txBody>
+          <a:bodyPr wrap="none" rtlCol="0">
+            <a:spAutoFit/>
+          </a:bodyPr>
+          <a:lstStyle/>
+          <a:p>
+            <a:r>
+              <a:rPr lang="en-US" altLang="ja-JP" sz="1200" i="1" dirty="0">
+                <a:latin typeface="Book Antiqua"/>
+                <a:cs typeface="Book Antiqua"/>
+              </a:rPr>
+              <a:t>a</a:t>
+            </a:r>
+            <a:endParaRPr kumimoji="1" lang="ja-JP" altLang="en-US" sz="1200" i="1" dirty="0">
+              <a:latin typeface="Book Antiqua"/>
+              <a:cs typeface="Book Antiqua"/>
+            </a:endParaRPr>
+          </a:p>
+        </p:txBody>
+      </p:sp>
+      <p:sp>
+        <p:nvSpPr>
+          <p:cNvPr id="169" name="テキスト ボックス 168"/>
+          <p:cNvSpPr txBox="1"/>
+          <p:nvPr/>
+        </p:nvSpPr>
+        <p:spPr>
+          <a:xfrm>
+            <a:off x="1657318" y="3625410"/>
+            <a:ext cx="297599" cy="276999"/>
+          </a:xfrm>
+          <a:prstGeom prst="rect">
+            <a:avLst/>
+          </a:prstGeom>
+          <a:noFill/>
+        </p:spPr>
+        <p:txBody>
+          <a:bodyPr wrap="none" rtlCol="0">
+            <a:spAutoFit/>
+          </a:bodyPr>
+          <a:lstStyle/>
+          <a:p>
+            <a:r>
+              <a:rPr lang="en-US" altLang="ja-JP" sz="1200" i="1" dirty="0">
+                <a:latin typeface="Book Antiqua"/>
+                <a:cs typeface="Book Antiqua"/>
+              </a:rPr>
+              <a:t>b</a:t>
+            </a:r>
+            <a:endParaRPr kumimoji="1" lang="ja-JP" altLang="en-US" sz="1200" i="1" dirty="0">
+              <a:latin typeface="Book Antiqua"/>
+              <a:cs typeface="Book Antiqua"/>
+            </a:endParaRPr>
+          </a:p>
+        </p:txBody>
+      </p:sp>
+      <p:grpSp>
+        <p:nvGrpSpPr>
+          <p:cNvPr id="32" name="図形グループ 31"/>
+          <p:cNvGrpSpPr/>
+          <p:nvPr/>
+        </p:nvGrpSpPr>
+        <p:grpSpPr>
+          <a:xfrm>
+            <a:off x="4029907" y="2837461"/>
+            <a:ext cx="708798" cy="463134"/>
+            <a:chOff x="4194838" y="3528549"/>
+            <a:chExt cx="708798" cy="463134"/>
+          </a:xfrm>
+        </p:grpSpPr>
+        <p:sp>
+          <p:nvSpPr>
+            <p:cNvPr id="170" name="円/楕円 169"/>
+            <p:cNvSpPr/>
+            <p:nvPr/>
+          </p:nvSpPr>
+          <p:spPr>
+            <a:xfrm>
+              <a:off x="4796955" y="3712494"/>
+              <a:ext cx="106681" cy="107950"/>
+            </a:xfrm>
+            <a:prstGeom prst="ellipse">
+              <a:avLst/>
+            </a:prstGeom>
+            <a:noFill/>
+            <a:ln w="22225">
+              <a:solidFill>
+                <a:schemeClr val="tx1"/>
+              </a:solidFill>
+            </a:ln>
+            <a:effectLst/>
+          </p:spPr>
+          <p:style>
+            <a:lnRef idx="1">
+              <a:schemeClr val="accent1"/>
+            </a:lnRef>
+            <a:fillRef idx="3">
+              <a:schemeClr val="accent1"/>
+            </a:fillRef>
+            <a:effectRef idx="2">
+              <a:schemeClr val="accent1"/>
+            </a:effectRef>
+            <a:fontRef idx="minor">
+              <a:schemeClr val="lt1"/>
+            </a:fontRef>
+          </p:style>
+          <p:txBody>
+            <a:bodyPr/>
+            <a:lstStyle/>
+            <a:p>
+              <a:endParaRPr lang="ja-JP" altLang="en-US" dirty="0"/>
+            </a:p>
+          </p:txBody>
+        </p:sp>
+        <p:grpSp>
+          <p:nvGrpSpPr>
+            <p:cNvPr id="171" name="図形グループ 170"/>
+            <p:cNvGrpSpPr/>
+            <p:nvPr/>
+          </p:nvGrpSpPr>
+          <p:grpSpPr>
+            <a:xfrm>
+              <a:off x="4194838" y="3528549"/>
+              <a:ext cx="608498" cy="463134"/>
+              <a:chOff x="2495550" y="3385820"/>
+              <a:chExt cx="1019845" cy="762000"/>
+            </a:xfrm>
+          </p:grpSpPr>
+          <p:sp>
+            <p:nvSpPr>
+              <p:cNvPr id="172" name="円弧 171"/>
+              <p:cNvSpPr/>
+              <p:nvPr/>
+            </p:nvSpPr>
+            <p:spPr>
+              <a:xfrm>
+                <a:off x="2692435" y="3385820"/>
+                <a:ext cx="822960" cy="760730"/>
+              </a:xfrm>
+              <a:prstGeom prst="arc">
+                <a:avLst>
+                  <a:gd name="adj1" fmla="val 16200000"/>
+                  <a:gd name="adj2" fmla="val 5440160"/>
+                </a:avLst>
+              </a:prstGeom>
+              <a:ln>
+                <a:solidFill>
+                  <a:schemeClr val="tx1"/>
+                </a:solidFill>
+              </a:ln>
+              <a:effectLst/>
+            </p:spPr>
+            <p:style>
+              <a:lnRef idx="2">
+                <a:schemeClr val="accent1"/>
+              </a:lnRef>
+              <a:fillRef idx="0">
+                <a:schemeClr val="accent1"/>
+              </a:fillRef>
+              <a:effectRef idx="1">
+                <a:schemeClr val="accent1"/>
+              </a:effectRef>
+              <a:fontRef idx="minor">
+                <a:schemeClr val="tx1"/>
+              </a:fontRef>
+            </p:style>
+            <p:txBody>
+              <a:bodyPr/>
+              <a:lstStyle/>
+              <a:p>
+                <a:endParaRPr lang="ja-JP" altLang="en-US" dirty="0"/>
+              </a:p>
+            </p:txBody>
+          </p:sp>
+          <p:cxnSp>
+            <p:nvCxnSpPr>
+              <p:cNvPr id="173" name="直線コネクタ 172"/>
+              <p:cNvCxnSpPr>
+                <a:endCxn id="172" idx="0"/>
+              </p:cNvCxnSpPr>
+              <p:nvPr/>
+            </p:nvCxnSpPr>
+            <p:spPr>
+              <a:xfrm>
+                <a:off x="2495550" y="3385820"/>
+                <a:ext cx="608365" cy="0"/>
+              </a:xfrm>
+              <a:prstGeom prst="line">
+                <a:avLst/>
+              </a:prstGeom>
+              <a:ln>
+                <a:solidFill>
+                  <a:schemeClr val="tx1"/>
+                </a:solidFill>
+              </a:ln>
+              <a:effectLst/>
+            </p:spPr>
+            <p:style>
+              <a:lnRef idx="2">
+                <a:schemeClr val="accent1"/>
+              </a:lnRef>
+              <a:fillRef idx="0">
+                <a:schemeClr val="accent1"/>
+              </a:fillRef>
+              <a:effectRef idx="1">
+                <a:schemeClr val="accent1"/>
+              </a:effectRef>
+              <a:fontRef idx="minor">
+                <a:schemeClr val="tx1"/>
+              </a:fontRef>
+            </p:style>
+          </p:cxnSp>
+          <p:cxnSp>
+            <p:nvCxnSpPr>
+              <p:cNvPr id="174" name="直線コネクタ 173"/>
+              <p:cNvCxnSpPr/>
+              <p:nvPr/>
+            </p:nvCxnSpPr>
+            <p:spPr>
+              <a:xfrm>
+                <a:off x="2501900" y="3387090"/>
+                <a:ext cx="0" cy="760730"/>
+              </a:xfrm>
+              <a:prstGeom prst="line">
+                <a:avLst/>
+              </a:prstGeom>
+              <a:ln>
+                <a:solidFill>
+                  <a:schemeClr val="tx1"/>
+                </a:solidFill>
+              </a:ln>
+              <a:effectLst/>
+            </p:spPr>
+            <p:style>
+              <a:lnRef idx="2">
+                <a:schemeClr val="accent1"/>
+              </a:lnRef>
+              <a:fillRef idx="0">
+                <a:schemeClr val="accent1"/>
+              </a:fillRef>
+              <a:effectRef idx="1">
+                <a:schemeClr val="accent1"/>
+              </a:effectRef>
+              <a:fontRef idx="minor">
+                <a:schemeClr val="tx1"/>
+              </a:fontRef>
+            </p:style>
+          </p:cxnSp>
+          <p:cxnSp>
+            <p:nvCxnSpPr>
+              <p:cNvPr id="175" name="直線コネクタ 174"/>
+              <p:cNvCxnSpPr>
+                <a:endCxn id="172" idx="2"/>
+              </p:cNvCxnSpPr>
+              <p:nvPr/>
+            </p:nvCxnSpPr>
+            <p:spPr>
+              <a:xfrm flipV="1">
+                <a:off x="2495550" y="4146528"/>
+                <a:ext cx="603922" cy="1292"/>
+              </a:xfrm>
+              <a:prstGeom prst="line">
+                <a:avLst/>
+              </a:prstGeom>
+              <a:ln>
+                <a:solidFill>
+                  <a:schemeClr val="tx1"/>
+                </a:solidFill>
+              </a:ln>
+              <a:effectLst/>
+            </p:spPr>
+            <p:style>
+              <a:lnRef idx="2">
+                <a:schemeClr val="accent1"/>
+              </a:lnRef>
+              <a:fillRef idx="0">
+                <a:schemeClr val="accent1"/>
+              </a:fillRef>
+              <a:effectRef idx="1">
+                <a:schemeClr val="accent1"/>
+              </a:effectRef>
+              <a:fontRef idx="minor">
+                <a:schemeClr val="tx1"/>
+              </a:fontRef>
+            </p:style>
+          </p:cxnSp>
+        </p:grpSp>
+      </p:grpSp>
+      <p:cxnSp>
+        <p:nvCxnSpPr>
+          <p:cNvPr id="176" name="直線コネクタ 175"/>
+          <p:cNvCxnSpPr>
+            <a:stCxn id="170" idx="6"/>
+          </p:cNvCxnSpPr>
+          <p:nvPr/>
+        </p:nvCxnSpPr>
+        <p:spPr>
+          <a:xfrm>
+            <a:off x="4738705" y="3075381"/>
+            <a:ext cx="177799" cy="0"/>
+          </a:xfrm>
+          <a:prstGeom prst="line">
+            <a:avLst/>
+          </a:prstGeom>
+          <a:ln>
+            <a:solidFill>
+              <a:schemeClr val="tx1"/>
+            </a:solidFill>
+          </a:ln>
+          <a:effectLst/>
+        </p:spPr>
+        <p:style>
+          <a:lnRef idx="2">
+            <a:schemeClr val="accent1"/>
+          </a:lnRef>
+          <a:fillRef idx="0">
+            <a:schemeClr val="accent1"/>
+          </a:fillRef>
+          <a:effectRef idx="1">
+            <a:schemeClr val="accent1"/>
+          </a:effectRef>
+          <a:fontRef idx="minor">
+            <a:schemeClr val="tx1"/>
+          </a:fontRef>
+        </p:style>
+      </p:cxnSp>
+      <p:grpSp>
+        <p:nvGrpSpPr>
+          <p:cNvPr id="177" name="図形グループ 176"/>
+          <p:cNvGrpSpPr/>
+          <p:nvPr/>
+        </p:nvGrpSpPr>
+        <p:grpSpPr>
+          <a:xfrm>
+            <a:off x="4025110" y="1635111"/>
+            <a:ext cx="708798" cy="463134"/>
+            <a:chOff x="4194838" y="3528549"/>
+            <a:chExt cx="708798" cy="463134"/>
+          </a:xfrm>
+        </p:grpSpPr>
+        <p:sp>
+          <p:nvSpPr>
+            <p:cNvPr id="178" name="円/楕円 177"/>
+            <p:cNvSpPr/>
+            <p:nvPr/>
+          </p:nvSpPr>
+          <p:spPr>
+            <a:xfrm>
+              <a:off x="4796955" y="3712494"/>
+              <a:ext cx="106681" cy="107950"/>
+            </a:xfrm>
+            <a:prstGeom prst="ellipse">
+              <a:avLst/>
+            </a:prstGeom>
+            <a:noFill/>
+            <a:ln w="22225">
+              <a:solidFill>
+                <a:schemeClr val="tx1"/>
+              </a:solidFill>
+            </a:ln>
+            <a:effectLst/>
+          </p:spPr>
+          <p:style>
+            <a:lnRef idx="1">
+              <a:schemeClr val="accent1"/>
+            </a:lnRef>
+            <a:fillRef idx="3">
+              <a:schemeClr val="accent1"/>
+            </a:fillRef>
+            <a:effectRef idx="2">
+              <a:schemeClr val="accent1"/>
+            </a:effectRef>
+            <a:fontRef idx="minor">
+              <a:schemeClr val="lt1"/>
+            </a:fontRef>
+          </p:style>
+          <p:txBody>
+            <a:bodyPr/>
+            <a:lstStyle/>
+            <a:p>
+              <a:endParaRPr lang="ja-JP" altLang="en-US" dirty="0"/>
+            </a:p>
+          </p:txBody>
+        </p:sp>
+        <p:grpSp>
+          <p:nvGrpSpPr>
+            <p:cNvPr id="179" name="図形グループ 178"/>
+            <p:cNvGrpSpPr/>
+            <p:nvPr/>
+          </p:nvGrpSpPr>
+          <p:grpSpPr>
+            <a:xfrm>
+              <a:off x="4194838" y="3528549"/>
+              <a:ext cx="608498" cy="463134"/>
+              <a:chOff x="2495550" y="3385820"/>
+              <a:chExt cx="1019845" cy="762000"/>
+            </a:xfrm>
+          </p:grpSpPr>
+          <p:sp>
+            <p:nvSpPr>
+              <p:cNvPr id="180" name="円弧 179"/>
+              <p:cNvSpPr/>
+              <p:nvPr/>
+            </p:nvSpPr>
+            <p:spPr>
+              <a:xfrm>
+                <a:off x="2692435" y="3385820"/>
+                <a:ext cx="822960" cy="760730"/>
+              </a:xfrm>
+              <a:prstGeom prst="arc">
+                <a:avLst>
+                  <a:gd name="adj1" fmla="val 16200000"/>
+                  <a:gd name="adj2" fmla="val 5440160"/>
+                </a:avLst>
+              </a:prstGeom>
+              <a:ln>
+                <a:solidFill>
+                  <a:schemeClr val="tx1"/>
+                </a:solidFill>
+              </a:ln>
+              <a:effectLst/>
+            </p:spPr>
+            <p:style>
+              <a:lnRef idx="2">
+                <a:schemeClr val="accent1"/>
+              </a:lnRef>
+              <a:fillRef idx="0">
+                <a:schemeClr val="accent1"/>
+              </a:fillRef>
+              <a:effectRef idx="1">
+                <a:schemeClr val="accent1"/>
+              </a:effectRef>
+              <a:fontRef idx="minor">
+                <a:schemeClr val="tx1"/>
+              </a:fontRef>
+            </p:style>
+            <p:txBody>
+              <a:bodyPr/>
+              <a:lstStyle/>
+              <a:p>
+                <a:endParaRPr lang="ja-JP" altLang="en-US" dirty="0"/>
+              </a:p>
+            </p:txBody>
+          </p:sp>
+          <p:cxnSp>
+            <p:nvCxnSpPr>
+              <p:cNvPr id="181" name="直線コネクタ 180"/>
+              <p:cNvCxnSpPr>
+                <a:endCxn id="180" idx="0"/>
+              </p:cNvCxnSpPr>
+              <p:nvPr/>
+            </p:nvCxnSpPr>
+            <p:spPr>
+              <a:xfrm>
+                <a:off x="2495550" y="3385820"/>
+                <a:ext cx="608365" cy="0"/>
+              </a:xfrm>
+              <a:prstGeom prst="line">
+                <a:avLst/>
+              </a:prstGeom>
+              <a:ln>
+                <a:solidFill>
+                  <a:schemeClr val="tx1"/>
+                </a:solidFill>
+              </a:ln>
+              <a:effectLst/>
+            </p:spPr>
+            <p:style>
+              <a:lnRef idx="2">
+                <a:schemeClr val="accent1"/>
+              </a:lnRef>
+              <a:fillRef idx="0">
+                <a:schemeClr val="accent1"/>
+              </a:fillRef>
+              <a:effectRef idx="1">
+                <a:schemeClr val="accent1"/>
+              </a:effectRef>
+              <a:fontRef idx="minor">
+                <a:schemeClr val="tx1"/>
+              </a:fontRef>
+            </p:style>
+          </p:cxnSp>
+          <p:cxnSp>
+            <p:nvCxnSpPr>
+              <p:cNvPr id="182" name="直線コネクタ 181"/>
+              <p:cNvCxnSpPr/>
+              <p:nvPr/>
+            </p:nvCxnSpPr>
+            <p:spPr>
+              <a:xfrm>
+                <a:off x="2501900" y="3387090"/>
+                <a:ext cx="0" cy="760730"/>
+              </a:xfrm>
+              <a:prstGeom prst="line">
+                <a:avLst/>
+              </a:prstGeom>
+              <a:ln>
+                <a:solidFill>
+                  <a:schemeClr val="tx1"/>
+                </a:solidFill>
+              </a:ln>
+              <a:effectLst/>
+            </p:spPr>
+            <p:style>
+              <a:lnRef idx="2">
+                <a:schemeClr val="accent1"/>
+              </a:lnRef>
+              <a:fillRef idx="0">
+                <a:schemeClr val="accent1"/>
+              </a:fillRef>
+              <a:effectRef idx="1">
+                <a:schemeClr val="accent1"/>
+              </a:effectRef>
+              <a:fontRef idx="minor">
+                <a:schemeClr val="tx1"/>
+              </a:fontRef>
+            </p:style>
+          </p:cxnSp>
+          <p:cxnSp>
+            <p:nvCxnSpPr>
+              <p:cNvPr id="183" name="直線コネクタ 182"/>
+              <p:cNvCxnSpPr>
+                <a:endCxn id="180" idx="2"/>
+              </p:cNvCxnSpPr>
+              <p:nvPr/>
+            </p:nvCxnSpPr>
+            <p:spPr>
+              <a:xfrm flipV="1">
+                <a:off x="2495550" y="4146528"/>
+                <a:ext cx="603922" cy="1292"/>
+              </a:xfrm>
+              <a:prstGeom prst="line">
+                <a:avLst/>
+              </a:prstGeom>
+              <a:ln>
+                <a:solidFill>
+                  <a:schemeClr val="tx1"/>
+                </a:solidFill>
+              </a:ln>
+              <a:effectLst/>
+            </p:spPr>
+            <p:style>
+              <a:lnRef idx="2">
+                <a:schemeClr val="accent1"/>
+              </a:lnRef>
+              <a:fillRef idx="0">
+                <a:schemeClr val="accent1"/>
+              </a:fillRef>
+              <a:effectRef idx="1">
+                <a:schemeClr val="accent1"/>
+              </a:effectRef>
+              <a:fontRef idx="minor">
+                <a:schemeClr val="tx1"/>
+              </a:fontRef>
+            </p:style>
+          </p:cxnSp>
+        </p:grpSp>
+      </p:grpSp>
+      <p:grpSp>
+        <p:nvGrpSpPr>
+          <p:cNvPr id="184" name="図形グループ 183"/>
+          <p:cNvGrpSpPr/>
+          <p:nvPr/>
+        </p:nvGrpSpPr>
+        <p:grpSpPr>
+          <a:xfrm>
+            <a:off x="4038493" y="3440283"/>
+            <a:ext cx="708798" cy="463134"/>
+            <a:chOff x="4194838" y="3528549"/>
+            <a:chExt cx="708798" cy="463134"/>
+          </a:xfrm>
+        </p:grpSpPr>
+        <p:sp>
+          <p:nvSpPr>
+            <p:cNvPr id="185" name="円/楕円 184"/>
+            <p:cNvSpPr/>
+            <p:nvPr/>
+          </p:nvSpPr>
+          <p:spPr>
+            <a:xfrm>
+              <a:off x="4796955" y="3712494"/>
+              <a:ext cx="106681" cy="107950"/>
+            </a:xfrm>
+            <a:prstGeom prst="ellipse">
+              <a:avLst/>
+            </a:prstGeom>
+            <a:noFill/>
+            <a:ln w="22225">
+              <a:solidFill>
+                <a:schemeClr val="tx1"/>
+              </a:solidFill>
+            </a:ln>
+            <a:effectLst/>
+          </p:spPr>
+          <p:style>
+            <a:lnRef idx="1">
+              <a:schemeClr val="accent1"/>
+            </a:lnRef>
+            <a:fillRef idx="3">
+              <a:schemeClr val="accent1"/>
+            </a:fillRef>
+            <a:effectRef idx="2">
+              <a:schemeClr val="accent1"/>
+            </a:effectRef>
+            <a:fontRef idx="minor">
+              <a:schemeClr val="lt1"/>
+            </a:fontRef>
+          </p:style>
+          <p:txBody>
+            <a:bodyPr/>
+            <a:lstStyle/>
+            <a:p>
+              <a:endParaRPr lang="ja-JP" altLang="en-US" dirty="0"/>
+            </a:p>
+          </p:txBody>
+        </p:sp>
+        <p:grpSp>
+          <p:nvGrpSpPr>
+            <p:cNvPr id="186" name="図形グループ 185"/>
+            <p:cNvGrpSpPr/>
+            <p:nvPr/>
+          </p:nvGrpSpPr>
+          <p:grpSpPr>
+            <a:xfrm>
+              <a:off x="4194838" y="3528549"/>
+              <a:ext cx="608498" cy="463134"/>
+              <a:chOff x="2495550" y="3385820"/>
+              <a:chExt cx="1019845" cy="762000"/>
+            </a:xfrm>
+          </p:grpSpPr>
+          <p:sp>
+            <p:nvSpPr>
+              <p:cNvPr id="187" name="円弧 186"/>
+              <p:cNvSpPr/>
+              <p:nvPr/>
+            </p:nvSpPr>
+            <p:spPr>
+              <a:xfrm>
+                <a:off x="2692435" y="3385820"/>
+                <a:ext cx="822960" cy="760730"/>
+              </a:xfrm>
+              <a:prstGeom prst="arc">
+                <a:avLst>
+                  <a:gd name="adj1" fmla="val 16200000"/>
+                  <a:gd name="adj2" fmla="val 5440160"/>
+                </a:avLst>
+              </a:prstGeom>
+              <a:ln>
+                <a:solidFill>
+                  <a:schemeClr val="tx1"/>
+                </a:solidFill>
+              </a:ln>
+              <a:effectLst/>
+            </p:spPr>
+            <p:style>
+              <a:lnRef idx="2">
+                <a:schemeClr val="accent1"/>
+              </a:lnRef>
+              <a:fillRef idx="0">
+                <a:schemeClr val="accent1"/>
+              </a:fillRef>
+              <a:effectRef idx="1">
+                <a:schemeClr val="accent1"/>
+              </a:effectRef>
+              <a:fontRef idx="minor">
+                <a:schemeClr val="tx1"/>
+              </a:fontRef>
+            </p:style>
+            <p:txBody>
+              <a:bodyPr/>
+              <a:lstStyle/>
+              <a:p>
+                <a:endParaRPr lang="ja-JP" altLang="en-US" dirty="0"/>
+              </a:p>
+            </p:txBody>
+          </p:sp>
+          <p:cxnSp>
+            <p:nvCxnSpPr>
+              <p:cNvPr id="188" name="直線コネクタ 187"/>
+              <p:cNvCxnSpPr>
+                <a:endCxn id="187" idx="0"/>
+              </p:cNvCxnSpPr>
+              <p:nvPr/>
+            </p:nvCxnSpPr>
+            <p:spPr>
+              <a:xfrm>
+                <a:off x="2495550" y="3385820"/>
+                <a:ext cx="608365" cy="0"/>
+              </a:xfrm>
+              <a:prstGeom prst="line">
+                <a:avLst/>
+              </a:prstGeom>
+              <a:ln>
+                <a:solidFill>
+                  <a:schemeClr val="tx1"/>
+                </a:solidFill>
+              </a:ln>
+              <a:effectLst/>
+            </p:spPr>
+            <p:style>
+              <a:lnRef idx="2">
+                <a:schemeClr val="accent1"/>
+              </a:lnRef>
+              <a:fillRef idx="0">
+                <a:schemeClr val="accent1"/>
+              </a:fillRef>
+              <a:effectRef idx="1">
+                <a:schemeClr val="accent1"/>
+              </a:effectRef>
+              <a:fontRef idx="minor">
+                <a:schemeClr val="tx1"/>
+              </a:fontRef>
+            </p:style>
+          </p:cxnSp>
+          <p:cxnSp>
+            <p:nvCxnSpPr>
+              <p:cNvPr id="189" name="直線コネクタ 188"/>
+              <p:cNvCxnSpPr/>
+              <p:nvPr/>
+            </p:nvCxnSpPr>
+            <p:spPr>
+              <a:xfrm>
+                <a:off x="2501900" y="3387090"/>
+                <a:ext cx="0" cy="760730"/>
+              </a:xfrm>
+              <a:prstGeom prst="line">
+                <a:avLst/>
+              </a:prstGeom>
+              <a:ln>
+                <a:solidFill>
+                  <a:schemeClr val="tx1"/>
+                </a:solidFill>
+              </a:ln>
+              <a:effectLst/>
+            </p:spPr>
+            <p:style>
+              <a:lnRef idx="2">
+                <a:schemeClr val="accent1"/>
+              </a:lnRef>
+              <a:fillRef idx="0">
+                <a:schemeClr val="accent1"/>
+              </a:fillRef>
+              <a:effectRef idx="1">
+                <a:schemeClr val="accent1"/>
+              </a:effectRef>
+              <a:fontRef idx="minor">
+                <a:schemeClr val="tx1"/>
+              </a:fontRef>
+            </p:style>
+          </p:cxnSp>
+          <p:cxnSp>
+            <p:nvCxnSpPr>
+              <p:cNvPr id="190" name="直線コネクタ 189"/>
+              <p:cNvCxnSpPr>
+                <a:endCxn id="187" idx="2"/>
+              </p:cNvCxnSpPr>
+              <p:nvPr/>
+            </p:nvCxnSpPr>
+            <p:spPr>
+              <a:xfrm flipV="1">
+                <a:off x="2495550" y="4146528"/>
+                <a:ext cx="603922" cy="1292"/>
+              </a:xfrm>
+              <a:prstGeom prst="line">
+                <a:avLst/>
+              </a:prstGeom>
+              <a:ln>
+                <a:solidFill>
+                  <a:schemeClr val="tx1"/>
+                </a:solidFill>
+              </a:ln>
+              <a:effectLst/>
+            </p:spPr>
+            <p:style>
+              <a:lnRef idx="2">
+                <a:schemeClr val="accent1"/>
+              </a:lnRef>
+              <a:fillRef idx="0">
+                <a:schemeClr val="accent1"/>
+              </a:fillRef>
+              <a:effectRef idx="1">
+                <a:schemeClr val="accent1"/>
+              </a:effectRef>
+              <a:fontRef idx="minor">
+                <a:schemeClr val="tx1"/>
+              </a:fontRef>
+            </p:style>
+          </p:cxnSp>
+        </p:grpSp>
+      </p:grpSp>
+      <p:grpSp>
+        <p:nvGrpSpPr>
+          <p:cNvPr id="191" name="図形グループ 190"/>
+          <p:cNvGrpSpPr/>
+          <p:nvPr/>
+        </p:nvGrpSpPr>
+        <p:grpSpPr>
+          <a:xfrm>
+            <a:off x="4021321" y="2240910"/>
+            <a:ext cx="708798" cy="463134"/>
+            <a:chOff x="4194838" y="3528549"/>
+            <a:chExt cx="708798" cy="463134"/>
+          </a:xfrm>
+        </p:grpSpPr>
+        <p:sp>
+          <p:nvSpPr>
+            <p:cNvPr id="192" name="円/楕円 191"/>
+            <p:cNvSpPr/>
+            <p:nvPr/>
+          </p:nvSpPr>
+          <p:spPr>
+            <a:xfrm>
+              <a:off x="4796955" y="3712494"/>
+              <a:ext cx="106681" cy="107950"/>
+            </a:xfrm>
+            <a:prstGeom prst="ellipse">
+              <a:avLst/>
+            </a:prstGeom>
+            <a:noFill/>
+            <a:ln w="22225">
+              <a:solidFill>
+                <a:schemeClr val="tx1"/>
+              </a:solidFill>
+            </a:ln>
+            <a:effectLst/>
+          </p:spPr>
+          <p:style>
+            <a:lnRef idx="1">
+              <a:schemeClr val="accent1"/>
+            </a:lnRef>
+            <a:fillRef idx="3">
+              <a:schemeClr val="accent1"/>
+            </a:fillRef>
+            <a:effectRef idx="2">
+              <a:schemeClr val="accent1"/>
+            </a:effectRef>
+            <a:fontRef idx="minor">
+              <a:schemeClr val="lt1"/>
+            </a:fontRef>
+          </p:style>
+          <p:txBody>
+            <a:bodyPr/>
+            <a:lstStyle/>
+            <a:p>
+              <a:endParaRPr lang="ja-JP" altLang="en-US" dirty="0"/>
+            </a:p>
+          </p:txBody>
+        </p:sp>
+        <p:grpSp>
+          <p:nvGrpSpPr>
+            <p:cNvPr id="193" name="図形グループ 192"/>
+            <p:cNvGrpSpPr/>
+            <p:nvPr/>
+          </p:nvGrpSpPr>
+          <p:grpSpPr>
+            <a:xfrm>
+              <a:off x="4194838" y="3528549"/>
+              <a:ext cx="608498" cy="463134"/>
+              <a:chOff x="2495550" y="3385820"/>
+              <a:chExt cx="1019845" cy="762000"/>
+            </a:xfrm>
+          </p:grpSpPr>
+          <p:sp>
+            <p:nvSpPr>
+              <p:cNvPr id="194" name="円弧 193"/>
+              <p:cNvSpPr/>
+              <p:nvPr/>
+            </p:nvSpPr>
+            <p:spPr>
+              <a:xfrm>
+                <a:off x="2692435" y="3385820"/>
+                <a:ext cx="822960" cy="760730"/>
+              </a:xfrm>
+              <a:prstGeom prst="arc">
+                <a:avLst>
+                  <a:gd name="adj1" fmla="val 16200000"/>
+                  <a:gd name="adj2" fmla="val 5440160"/>
+                </a:avLst>
+              </a:prstGeom>
+              <a:ln>
+                <a:solidFill>
+                  <a:schemeClr val="tx1"/>
+                </a:solidFill>
+              </a:ln>
+              <a:effectLst/>
+            </p:spPr>
+            <p:style>
+              <a:lnRef idx="2">
+                <a:schemeClr val="accent1"/>
+              </a:lnRef>
+              <a:fillRef idx="0">
+                <a:schemeClr val="accent1"/>
+              </a:fillRef>
+              <a:effectRef idx="1">
+                <a:schemeClr val="accent1"/>
+              </a:effectRef>
+              <a:fontRef idx="minor">
+                <a:schemeClr val="tx1"/>
+              </a:fontRef>
+            </p:style>
+            <p:txBody>
+              <a:bodyPr/>
+              <a:lstStyle/>
+              <a:p>
+                <a:endParaRPr lang="ja-JP" altLang="en-US" dirty="0"/>
+              </a:p>
+            </p:txBody>
+          </p:sp>
+          <p:cxnSp>
+            <p:nvCxnSpPr>
+              <p:cNvPr id="195" name="直線コネクタ 194"/>
+              <p:cNvCxnSpPr>
+                <a:endCxn id="194" idx="0"/>
+              </p:cNvCxnSpPr>
+              <p:nvPr/>
+            </p:nvCxnSpPr>
+            <p:spPr>
+              <a:xfrm>
+                <a:off x="2495550" y="3385820"/>
+                <a:ext cx="608365" cy="0"/>
+              </a:xfrm>
+              <a:prstGeom prst="line">
+                <a:avLst/>
+              </a:prstGeom>
+              <a:ln>
+                <a:solidFill>
+                  <a:schemeClr val="tx1"/>
+                </a:solidFill>
+              </a:ln>
+              <a:effectLst/>
+            </p:spPr>
+            <p:style>
+              <a:lnRef idx="2">
+                <a:schemeClr val="accent1"/>
+              </a:lnRef>
+              <a:fillRef idx="0">
+                <a:schemeClr val="accent1"/>
+              </a:fillRef>
+              <a:effectRef idx="1">
+                <a:schemeClr val="accent1"/>
+              </a:effectRef>
+              <a:fontRef idx="minor">
+                <a:schemeClr val="tx1"/>
+              </a:fontRef>
+            </p:style>
+          </p:cxnSp>
+          <p:cxnSp>
+            <p:nvCxnSpPr>
+              <p:cNvPr id="196" name="直線コネクタ 195"/>
+              <p:cNvCxnSpPr/>
+              <p:nvPr/>
+            </p:nvCxnSpPr>
+            <p:spPr>
+              <a:xfrm>
+                <a:off x="2501900" y="3387090"/>
+                <a:ext cx="0" cy="760730"/>
+              </a:xfrm>
+              <a:prstGeom prst="line">
+                <a:avLst/>
+              </a:prstGeom>
+              <a:ln>
+                <a:solidFill>
+                  <a:schemeClr val="tx1"/>
+                </a:solidFill>
+              </a:ln>
+              <a:effectLst/>
+            </p:spPr>
+            <p:style>
+              <a:lnRef idx="2">
+                <a:schemeClr val="accent1"/>
+              </a:lnRef>
+              <a:fillRef idx="0">
+                <a:schemeClr val="accent1"/>
+              </a:fillRef>
+              <a:effectRef idx="1">
+                <a:schemeClr val="accent1"/>
+              </a:effectRef>
+              <a:fontRef idx="minor">
+                <a:schemeClr val="tx1"/>
+              </a:fontRef>
+            </p:style>
+          </p:cxnSp>
+          <p:cxnSp>
+            <p:nvCxnSpPr>
+              <p:cNvPr id="197" name="直線コネクタ 196"/>
+              <p:cNvCxnSpPr>
+                <a:endCxn id="194" idx="2"/>
+              </p:cNvCxnSpPr>
+              <p:nvPr/>
+            </p:nvCxnSpPr>
+            <p:spPr>
+              <a:xfrm flipV="1">
+                <a:off x="2495550" y="4146528"/>
+                <a:ext cx="603922" cy="1292"/>
+              </a:xfrm>
+              <a:prstGeom prst="line">
+                <a:avLst/>
+              </a:prstGeom>
+              <a:ln>
+                <a:solidFill>
+                  <a:schemeClr val="tx1"/>
+                </a:solidFill>
+              </a:ln>
+              <a:effectLst/>
+            </p:spPr>
+            <p:style>
+              <a:lnRef idx="2">
+                <a:schemeClr val="accent1"/>
+              </a:lnRef>
+              <a:fillRef idx="0">
+                <a:schemeClr val="accent1"/>
+              </a:fillRef>
+              <a:effectRef idx="1">
+                <a:schemeClr val="accent1"/>
+              </a:effectRef>
+              <a:fontRef idx="minor">
+                <a:schemeClr val="tx1"/>
+              </a:fontRef>
+            </p:style>
+          </p:cxnSp>
+        </p:grpSp>
+      </p:grpSp>
+      <p:cxnSp>
+        <p:nvCxnSpPr>
+          <p:cNvPr id="198" name="カギ線コネクタ 197"/>
+          <p:cNvCxnSpPr/>
+          <p:nvPr/>
+        </p:nvCxnSpPr>
+        <p:spPr>
+          <a:xfrm rot="5400000" flipH="1" flipV="1">
+            <a:off x="3178886" y="2297351"/>
+            <a:ext cx="1387186" cy="297684"/>
+          </a:xfrm>
+          <a:prstGeom prst="bentConnector3">
+            <a:avLst>
+              <a:gd name="adj1" fmla="val 99438"/>
+            </a:avLst>
+          </a:prstGeom>
+          <a:ln w="28575" cmpd="sng">
+            <a:solidFill>
+              <a:srgbClr val="000000"/>
+            </a:solidFill>
+          </a:ln>
+          <a:effectLst/>
+        </p:spPr>
+        <p:style>
+          <a:lnRef idx="3">
+            <a:schemeClr val="dk1"/>
+          </a:lnRef>
+          <a:fillRef idx="0">
+            <a:schemeClr val="dk1"/>
+          </a:fillRef>
+          <a:effectRef idx="2">
+            <a:schemeClr val="dk1"/>
+          </a:effectRef>
+          <a:fontRef idx="minor">
+            <a:schemeClr val="tx1"/>
+          </a:fontRef>
+        </p:style>
+      </p:cxnSp>
+      <p:cxnSp>
+        <p:nvCxnSpPr>
+          <p:cNvPr id="199" name="カギ線コネクタ 198"/>
+          <p:cNvCxnSpPr/>
+          <p:nvPr/>
+        </p:nvCxnSpPr>
+        <p:spPr>
+          <a:xfrm rot="5400000" flipH="1" flipV="1">
+            <a:off x="2878633" y="2826206"/>
+            <a:ext cx="1801778" cy="111766"/>
+          </a:xfrm>
+          <a:prstGeom prst="bentConnector3">
+            <a:avLst>
+              <a:gd name="adj1" fmla="val -45"/>
+            </a:avLst>
+          </a:prstGeom>
+          <a:ln w="28575" cmpd="sng">
+            <a:solidFill>
+              <a:srgbClr val="000000"/>
+            </a:solidFill>
+          </a:ln>
+          <a:effectLst/>
+        </p:spPr>
+        <p:style>
+          <a:lnRef idx="3">
+            <a:schemeClr val="dk1"/>
+          </a:lnRef>
+          <a:fillRef idx="0">
+            <a:schemeClr val="dk1"/>
+          </a:fillRef>
+          <a:effectRef idx="2">
+            <a:schemeClr val="dk1"/>
+          </a:effectRef>
+          <a:fontRef idx="minor">
+            <a:schemeClr val="tx1"/>
+          </a:fontRef>
+        </p:style>
+      </p:cxnSp>
+      <p:cxnSp>
+        <p:nvCxnSpPr>
+          <p:cNvPr id="200" name="直線コネクタ 199"/>
+          <p:cNvCxnSpPr/>
+          <p:nvPr/>
+        </p:nvCxnSpPr>
+        <p:spPr>
+          <a:xfrm>
+            <a:off x="3835406" y="1981200"/>
+            <a:ext cx="177799" cy="0"/>
+          </a:xfrm>
+          <a:prstGeom prst="line">
+            <a:avLst/>
+          </a:prstGeom>
+          <a:ln>
+            <a:solidFill>
+              <a:schemeClr val="tx1"/>
+            </a:solidFill>
+          </a:ln>
+          <a:effectLst/>
+        </p:spPr>
+        <p:style>
+          <a:lnRef idx="2">
+            <a:schemeClr val="accent1"/>
+          </a:lnRef>
+          <a:fillRef idx="0">
+            <a:schemeClr val="accent1"/>
+          </a:fillRef>
+          <a:effectRef idx="1">
+            <a:schemeClr val="accent1"/>
+          </a:effectRef>
+          <a:fontRef idx="minor">
+            <a:schemeClr val="tx1"/>
+          </a:fontRef>
+        </p:style>
+      </p:cxnSp>
+      <p:cxnSp>
+        <p:nvCxnSpPr>
+          <p:cNvPr id="201" name="カギ線コネクタ 200"/>
+          <p:cNvCxnSpPr/>
+          <p:nvPr/>
+        </p:nvCxnSpPr>
+        <p:spPr>
+          <a:xfrm flipV="1">
+            <a:off x="3454400" y="2378579"/>
+            <a:ext cx="566923" cy="477518"/>
+          </a:xfrm>
+          <a:prstGeom prst="bentConnector3">
+            <a:avLst>
+              <a:gd name="adj1" fmla="val 13037"/>
+            </a:avLst>
+          </a:prstGeom>
+          <a:ln w="28575" cmpd="sng">
+            <a:solidFill>
+              <a:srgbClr val="000000"/>
+            </a:solidFill>
+          </a:ln>
+          <a:effectLst/>
+        </p:spPr>
+        <p:style>
+          <a:lnRef idx="3">
+            <a:schemeClr val="dk1"/>
+          </a:lnRef>
+          <a:fillRef idx="0">
+            <a:schemeClr val="dk1"/>
+          </a:fillRef>
+          <a:effectRef idx="2">
+            <a:schemeClr val="dk1"/>
+          </a:effectRef>
+          <a:fontRef idx="minor">
+            <a:schemeClr val="tx1"/>
+          </a:fontRef>
+        </p:style>
+      </p:cxnSp>
+      <p:cxnSp>
+        <p:nvCxnSpPr>
+          <p:cNvPr id="202" name="カギ線コネクタ 201"/>
+          <p:cNvCxnSpPr/>
+          <p:nvPr/>
+        </p:nvCxnSpPr>
+        <p:spPr>
+          <a:xfrm rot="16200000" flipH="1">
+            <a:off x="3426439" y="2959204"/>
+            <a:ext cx="718958" cy="512740"/>
+          </a:xfrm>
+          <a:prstGeom prst="bentConnector3">
+            <a:avLst>
+              <a:gd name="adj1" fmla="val 101227"/>
+            </a:avLst>
+          </a:prstGeom>
+          <a:ln w="28575" cmpd="sng">
+            <a:solidFill>
+              <a:srgbClr val="000000"/>
+            </a:solidFill>
+          </a:ln>
+          <a:effectLst/>
+        </p:spPr>
+        <p:style>
+          <a:lnRef idx="3">
+            <a:schemeClr val="dk1"/>
+          </a:lnRef>
+          <a:fillRef idx="0">
+            <a:schemeClr val="dk1"/>
+          </a:fillRef>
+          <a:effectRef idx="2">
+            <a:schemeClr val="dk1"/>
+          </a:effectRef>
+          <a:fontRef idx="minor">
+            <a:schemeClr val="tx1"/>
+          </a:fontRef>
+        </p:style>
+      </p:cxnSp>
+      <p:cxnSp>
+        <p:nvCxnSpPr>
+          <p:cNvPr id="210" name="カギ線コネクタ 209"/>
+          <p:cNvCxnSpPr/>
+          <p:nvPr/>
+        </p:nvCxnSpPr>
+        <p:spPr>
+          <a:xfrm rot="5400000" flipH="1" flipV="1">
+            <a:off x="3710905" y="3185080"/>
+            <a:ext cx="521257" cy="107160"/>
+          </a:xfrm>
+          <a:prstGeom prst="bentConnector3">
+            <a:avLst>
+              <a:gd name="adj1" fmla="val 99947"/>
+            </a:avLst>
+          </a:prstGeom>
+          <a:ln w="28575" cmpd="sng">
+            <a:solidFill>
+              <a:srgbClr val="000000"/>
+            </a:solidFill>
+          </a:ln>
+          <a:effectLst/>
+        </p:spPr>
+        <p:style>
+          <a:lnRef idx="3">
+            <a:schemeClr val="dk1"/>
+          </a:lnRef>
+          <a:fillRef idx="0">
+            <a:schemeClr val="dk1"/>
+          </a:fillRef>
+          <a:effectRef idx="2">
+            <a:schemeClr val="dk1"/>
+          </a:effectRef>
+          <a:fontRef idx="minor">
+            <a:schemeClr val="tx1"/>
+          </a:fontRef>
+        </p:style>
+      </p:cxnSp>
+    </p:spTree>
+    <p:extLst>
+      <p:ext uri="{BB962C8B-B14F-4D97-AF65-F5344CB8AC3E}">
+        <p14:creationId xmlns:p14="http://schemas.microsoft.com/office/powerpoint/2010/main" val="613418039"/>
+      </p:ext>
+    </p:extLst>
+  </p:cSld>
+  <p:clrMapOvr>
+    <a:masterClrMapping/>
+  </p:clrMapOvr>
+</p:sld>
+</file>
+
 <file path=ppt/theme/theme1.xml><?xml version="1.0" encoding="utf-8"?>
 <a:theme xmlns:a="http://schemas.openxmlformats.org/drawingml/2006/main" name="ホワイト">
   <a:themeElements>

--- a/articles/201512/basic-gate.pptx
+++ b/articles/201512/basic-gate.pptx
@@ -4,6 +4,9 @@
   <p:sldMasterIdLst>
     <p:sldMasterId id="2147483648" r:id="rId1"/>
   </p:sldMasterIdLst>
+  <p:notesMasterIdLst>
+    <p:notesMasterId r:id="rId5"/>
+  </p:notesMasterIdLst>
   <p:sldIdLst>
     <p:sldId id="256" r:id="rId2"/>
     <p:sldId id="257" r:id="rId3"/>
@@ -106,7 +109,489 @@
       </a:defRPr>
     </a:lvl9pPr>
   </p:defaultTextStyle>
+  <p:extLst>
+    <p:ext uri="{EFAFB233-063F-42B5-8137-9DF3F51BA10A}">
+      <p15:sldGuideLst xmlns:p15="http://schemas.microsoft.com/office/powerpoint/2012/main">
+        <p15:guide id="1" orient="horz" pos="2160">
+          <p15:clr>
+            <a:srgbClr val="A4A3A4"/>
+          </p15:clr>
+        </p15:guide>
+        <p15:guide id="2" pos="2880">
+          <p15:clr>
+            <a:srgbClr val="A4A3A4"/>
+          </p15:clr>
+        </p15:guide>
+      </p15:sldGuideLst>
+    </p:ext>
+  </p:extLst>
 </p:presentation>
+</file>
+
+<file path=ppt/notesMasters/notesMaster1.xml><?xml version="1.0" encoding="utf-8"?>
+<p:notesMaster xmlns:a="http://schemas.openxmlformats.org/drawingml/2006/main" xmlns:r="http://schemas.openxmlformats.org/officeDocument/2006/relationships" xmlns:p="http://schemas.openxmlformats.org/presentationml/2006/main">
+  <p:cSld>
+    <p:bg>
+      <p:bgRef idx="1001">
+        <a:schemeClr val="bg1"/>
+      </p:bgRef>
+    </p:bg>
+    <p:spTree>
+      <p:nvGrpSpPr>
+        <p:cNvPr id="1" name=""/>
+        <p:cNvGrpSpPr/>
+        <p:nvPr/>
+      </p:nvGrpSpPr>
+      <p:grpSpPr>
+        <a:xfrm>
+          <a:off x="0" y="0"/>
+          <a:ext cx="0" cy="0"/>
+          <a:chOff x="0" y="0"/>
+          <a:chExt cx="0" cy="0"/>
+        </a:xfrm>
+      </p:grpSpPr>
+      <p:sp>
+        <p:nvSpPr>
+          <p:cNvPr id="2" name="ヘッダー プレースホルダー 1"/>
+          <p:cNvSpPr>
+            <a:spLocks noGrp="1"/>
+          </p:cNvSpPr>
+          <p:nvPr>
+            <p:ph type="hdr" sz="quarter"/>
+          </p:nvPr>
+        </p:nvSpPr>
+        <p:spPr>
+          <a:xfrm>
+            <a:off x="0" y="0"/>
+            <a:ext cx="2971800" cy="458788"/>
+          </a:xfrm>
+          <a:prstGeom prst="rect">
+            <a:avLst/>
+          </a:prstGeom>
+        </p:spPr>
+        <p:txBody>
+          <a:bodyPr vert="horz" lIns="91440" tIns="45720" rIns="91440" bIns="45720" rtlCol="0"/>
+          <a:lstStyle>
+            <a:lvl1pPr algn="l">
+              <a:defRPr sz="1200"/>
+            </a:lvl1pPr>
+          </a:lstStyle>
+          <a:p>
+            <a:endParaRPr kumimoji="1" lang="ja-JP" altLang="en-US"/>
+          </a:p>
+        </p:txBody>
+      </p:sp>
+      <p:sp>
+        <p:nvSpPr>
+          <p:cNvPr id="3" name="日付プレースホルダー 2"/>
+          <p:cNvSpPr>
+            <a:spLocks noGrp="1"/>
+          </p:cNvSpPr>
+          <p:nvPr>
+            <p:ph type="dt" idx="1"/>
+          </p:nvPr>
+        </p:nvSpPr>
+        <p:spPr>
+          <a:xfrm>
+            <a:off x="3884613" y="0"/>
+            <a:ext cx="2971800" cy="458788"/>
+          </a:xfrm>
+          <a:prstGeom prst="rect">
+            <a:avLst/>
+          </a:prstGeom>
+        </p:spPr>
+        <p:txBody>
+          <a:bodyPr vert="horz" lIns="91440" tIns="45720" rIns="91440" bIns="45720" rtlCol="0"/>
+          <a:lstStyle>
+            <a:lvl1pPr algn="r">
+              <a:defRPr sz="1200"/>
+            </a:lvl1pPr>
+          </a:lstStyle>
+          <a:p>
+            <a:fld id="{2918C323-83F7-4732-8C24-393CA25F4165}" type="datetimeFigureOut">
+              <a:rPr kumimoji="1" lang="ja-JP" altLang="en-US" smtClean="0"/>
+              <a:t>2016/3/14</a:t>
+            </a:fld>
+            <a:endParaRPr kumimoji="1" lang="ja-JP" altLang="en-US"/>
+          </a:p>
+        </p:txBody>
+      </p:sp>
+      <p:sp>
+        <p:nvSpPr>
+          <p:cNvPr id="4" name="スライド イメージ プレースホルダー 3"/>
+          <p:cNvSpPr>
+            <a:spLocks noGrp="1" noRot="1" noChangeAspect="1"/>
+          </p:cNvSpPr>
+          <p:nvPr>
+            <p:ph type="sldImg" idx="2"/>
+          </p:nvPr>
+        </p:nvSpPr>
+        <p:spPr>
+          <a:xfrm>
+            <a:off x="1371600" y="1143000"/>
+            <a:ext cx="4114800" cy="3086100"/>
+          </a:xfrm>
+          <a:prstGeom prst="rect">
+            <a:avLst/>
+          </a:prstGeom>
+          <a:noFill/>
+          <a:ln w="12700">
+            <a:solidFill>
+              <a:prstClr val="black"/>
+            </a:solidFill>
+          </a:ln>
+        </p:spPr>
+        <p:txBody>
+          <a:bodyPr vert="horz" lIns="91440" tIns="45720" rIns="91440" bIns="45720" rtlCol="0" anchor="ctr"/>
+          <a:lstStyle/>
+          <a:p>
+            <a:endParaRPr lang="ja-JP" altLang="en-US"/>
+          </a:p>
+        </p:txBody>
+      </p:sp>
+      <p:sp>
+        <p:nvSpPr>
+          <p:cNvPr id="5" name="ノート プレースホルダー 4"/>
+          <p:cNvSpPr>
+            <a:spLocks noGrp="1"/>
+          </p:cNvSpPr>
+          <p:nvPr>
+            <p:ph type="body" sz="quarter" idx="3"/>
+          </p:nvPr>
+        </p:nvSpPr>
+        <p:spPr>
+          <a:xfrm>
+            <a:off x="685800" y="4400550"/>
+            <a:ext cx="5486400" cy="3600450"/>
+          </a:xfrm>
+          <a:prstGeom prst="rect">
+            <a:avLst/>
+          </a:prstGeom>
+        </p:spPr>
+        <p:txBody>
+          <a:bodyPr vert="horz" lIns="91440" tIns="45720" rIns="91440" bIns="45720" rtlCol="0"/>
+          <a:lstStyle/>
+          <a:p>
+            <a:pPr lvl="0"/>
+            <a:r>
+              <a:rPr kumimoji="1" lang="ja-JP" altLang="en-US" smtClean="0"/>
+              <a:t>マスター テキストの書式設定</a:t>
+            </a:r>
+          </a:p>
+          <a:p>
+            <a:pPr lvl="1"/>
+            <a:r>
+              <a:rPr kumimoji="1" lang="ja-JP" altLang="en-US" smtClean="0"/>
+              <a:t>第 </a:t>
+            </a:r>
+            <a:r>
+              <a:rPr kumimoji="1" lang="en-US" altLang="ja-JP" smtClean="0"/>
+              <a:t>2 </a:t>
+            </a:r>
+            <a:r>
+              <a:rPr kumimoji="1" lang="ja-JP" altLang="en-US" smtClean="0"/>
+              <a:t>レベル</a:t>
+            </a:r>
+          </a:p>
+          <a:p>
+            <a:pPr lvl="2"/>
+            <a:r>
+              <a:rPr kumimoji="1" lang="ja-JP" altLang="en-US" smtClean="0"/>
+              <a:t>第 </a:t>
+            </a:r>
+            <a:r>
+              <a:rPr kumimoji="1" lang="en-US" altLang="ja-JP" smtClean="0"/>
+              <a:t>3 </a:t>
+            </a:r>
+            <a:r>
+              <a:rPr kumimoji="1" lang="ja-JP" altLang="en-US" smtClean="0"/>
+              <a:t>レベル</a:t>
+            </a:r>
+          </a:p>
+          <a:p>
+            <a:pPr lvl="3"/>
+            <a:r>
+              <a:rPr kumimoji="1" lang="ja-JP" altLang="en-US" smtClean="0"/>
+              <a:t>第 </a:t>
+            </a:r>
+            <a:r>
+              <a:rPr kumimoji="1" lang="en-US" altLang="ja-JP" smtClean="0"/>
+              <a:t>4 </a:t>
+            </a:r>
+            <a:r>
+              <a:rPr kumimoji="1" lang="ja-JP" altLang="en-US" smtClean="0"/>
+              <a:t>レベル</a:t>
+            </a:r>
+          </a:p>
+          <a:p>
+            <a:pPr lvl="4"/>
+            <a:r>
+              <a:rPr kumimoji="1" lang="ja-JP" altLang="en-US" smtClean="0"/>
+              <a:t>第 </a:t>
+            </a:r>
+            <a:r>
+              <a:rPr kumimoji="1" lang="en-US" altLang="ja-JP" smtClean="0"/>
+              <a:t>5 </a:t>
+            </a:r>
+            <a:r>
+              <a:rPr kumimoji="1" lang="ja-JP" altLang="en-US" smtClean="0"/>
+              <a:t>レベル</a:t>
+            </a:r>
+            <a:endParaRPr kumimoji="1" lang="ja-JP" altLang="en-US"/>
+          </a:p>
+        </p:txBody>
+      </p:sp>
+      <p:sp>
+        <p:nvSpPr>
+          <p:cNvPr id="6" name="フッター プレースホルダー 5"/>
+          <p:cNvSpPr>
+            <a:spLocks noGrp="1"/>
+          </p:cNvSpPr>
+          <p:nvPr>
+            <p:ph type="ftr" sz="quarter" idx="4"/>
+          </p:nvPr>
+        </p:nvSpPr>
+        <p:spPr>
+          <a:xfrm>
+            <a:off x="0" y="8685213"/>
+            <a:ext cx="2971800" cy="458787"/>
+          </a:xfrm>
+          <a:prstGeom prst="rect">
+            <a:avLst/>
+          </a:prstGeom>
+        </p:spPr>
+        <p:txBody>
+          <a:bodyPr vert="horz" lIns="91440" tIns="45720" rIns="91440" bIns="45720" rtlCol="0" anchor="b"/>
+          <a:lstStyle>
+            <a:lvl1pPr algn="l">
+              <a:defRPr sz="1200"/>
+            </a:lvl1pPr>
+          </a:lstStyle>
+          <a:p>
+            <a:endParaRPr kumimoji="1" lang="ja-JP" altLang="en-US"/>
+          </a:p>
+        </p:txBody>
+      </p:sp>
+      <p:sp>
+        <p:nvSpPr>
+          <p:cNvPr id="7" name="スライド番号プレースホルダー 6"/>
+          <p:cNvSpPr>
+            <a:spLocks noGrp="1"/>
+          </p:cNvSpPr>
+          <p:nvPr>
+            <p:ph type="sldNum" sz="quarter" idx="5"/>
+          </p:nvPr>
+        </p:nvSpPr>
+        <p:spPr>
+          <a:xfrm>
+            <a:off x="3884613" y="8685213"/>
+            <a:ext cx="2971800" cy="458787"/>
+          </a:xfrm>
+          <a:prstGeom prst="rect">
+            <a:avLst/>
+          </a:prstGeom>
+        </p:spPr>
+        <p:txBody>
+          <a:bodyPr vert="horz" lIns="91440" tIns="45720" rIns="91440" bIns="45720" rtlCol="0" anchor="b"/>
+          <a:lstStyle>
+            <a:lvl1pPr algn="r">
+              <a:defRPr sz="1200"/>
+            </a:lvl1pPr>
+          </a:lstStyle>
+          <a:p>
+            <a:fld id="{5E369532-FCBE-49C3-98FA-05B707424A50}" type="slidenum">
+              <a:rPr kumimoji="1" lang="ja-JP" altLang="en-US" smtClean="0"/>
+              <a:t>‹#›</a:t>
+            </a:fld>
+            <a:endParaRPr kumimoji="1" lang="ja-JP" altLang="en-US"/>
+          </a:p>
+        </p:txBody>
+      </p:sp>
+    </p:spTree>
+    <p:extLst>
+      <p:ext uri="{BB962C8B-B14F-4D97-AF65-F5344CB8AC3E}">
+        <p14:creationId xmlns:p14="http://schemas.microsoft.com/office/powerpoint/2010/main" val="3986538852"/>
+      </p:ext>
+    </p:extLst>
+  </p:cSld>
+  <p:clrMap bg1="lt1" tx1="dk1" bg2="lt2" tx2="dk2" accent1="accent1" accent2="accent2" accent3="accent3" accent4="accent4" accent5="accent5" accent6="accent6" hlink="hlink" folHlink="folHlink"/>
+  <p:notesStyle>
+    <a:lvl1pPr marL="0" algn="l" defTabSz="914400" rtl="0" eaLnBrk="1" latinLnBrk="0" hangingPunct="1">
+      <a:defRPr kumimoji="1" sz="1200" kern="1200">
+        <a:solidFill>
+          <a:schemeClr val="tx1"/>
+        </a:solidFill>
+        <a:latin typeface="+mn-lt"/>
+        <a:ea typeface="+mn-ea"/>
+        <a:cs typeface="+mn-cs"/>
+      </a:defRPr>
+    </a:lvl1pPr>
+    <a:lvl2pPr marL="457200" algn="l" defTabSz="914400" rtl="0" eaLnBrk="1" latinLnBrk="0" hangingPunct="1">
+      <a:defRPr kumimoji="1" sz="1200" kern="1200">
+        <a:solidFill>
+          <a:schemeClr val="tx1"/>
+        </a:solidFill>
+        <a:latin typeface="+mn-lt"/>
+        <a:ea typeface="+mn-ea"/>
+        <a:cs typeface="+mn-cs"/>
+      </a:defRPr>
+    </a:lvl2pPr>
+    <a:lvl3pPr marL="914400" algn="l" defTabSz="914400" rtl="0" eaLnBrk="1" latinLnBrk="0" hangingPunct="1">
+      <a:defRPr kumimoji="1" sz="1200" kern="1200">
+        <a:solidFill>
+          <a:schemeClr val="tx1"/>
+        </a:solidFill>
+        <a:latin typeface="+mn-lt"/>
+        <a:ea typeface="+mn-ea"/>
+        <a:cs typeface="+mn-cs"/>
+      </a:defRPr>
+    </a:lvl3pPr>
+    <a:lvl4pPr marL="1371600" algn="l" defTabSz="914400" rtl="0" eaLnBrk="1" latinLnBrk="0" hangingPunct="1">
+      <a:defRPr kumimoji="1" sz="1200" kern="1200">
+        <a:solidFill>
+          <a:schemeClr val="tx1"/>
+        </a:solidFill>
+        <a:latin typeface="+mn-lt"/>
+        <a:ea typeface="+mn-ea"/>
+        <a:cs typeface="+mn-cs"/>
+      </a:defRPr>
+    </a:lvl4pPr>
+    <a:lvl5pPr marL="1828800" algn="l" defTabSz="914400" rtl="0" eaLnBrk="1" latinLnBrk="0" hangingPunct="1">
+      <a:defRPr kumimoji="1" sz="1200" kern="1200">
+        <a:solidFill>
+          <a:schemeClr val="tx1"/>
+        </a:solidFill>
+        <a:latin typeface="+mn-lt"/>
+        <a:ea typeface="+mn-ea"/>
+        <a:cs typeface="+mn-cs"/>
+      </a:defRPr>
+    </a:lvl5pPr>
+    <a:lvl6pPr marL="2286000" algn="l" defTabSz="914400" rtl="0" eaLnBrk="1" latinLnBrk="0" hangingPunct="1">
+      <a:defRPr kumimoji="1" sz="1200" kern="1200">
+        <a:solidFill>
+          <a:schemeClr val="tx1"/>
+        </a:solidFill>
+        <a:latin typeface="+mn-lt"/>
+        <a:ea typeface="+mn-ea"/>
+        <a:cs typeface="+mn-cs"/>
+      </a:defRPr>
+    </a:lvl6pPr>
+    <a:lvl7pPr marL="2743200" algn="l" defTabSz="914400" rtl="0" eaLnBrk="1" latinLnBrk="0" hangingPunct="1">
+      <a:defRPr kumimoji="1" sz="1200" kern="1200">
+        <a:solidFill>
+          <a:schemeClr val="tx1"/>
+        </a:solidFill>
+        <a:latin typeface="+mn-lt"/>
+        <a:ea typeface="+mn-ea"/>
+        <a:cs typeface="+mn-cs"/>
+      </a:defRPr>
+    </a:lvl7pPr>
+    <a:lvl8pPr marL="3200400" algn="l" defTabSz="914400" rtl="0" eaLnBrk="1" latinLnBrk="0" hangingPunct="1">
+      <a:defRPr kumimoji="1" sz="1200" kern="1200">
+        <a:solidFill>
+          <a:schemeClr val="tx1"/>
+        </a:solidFill>
+        <a:latin typeface="+mn-lt"/>
+        <a:ea typeface="+mn-ea"/>
+        <a:cs typeface="+mn-cs"/>
+      </a:defRPr>
+    </a:lvl8pPr>
+    <a:lvl9pPr marL="3657600" algn="l" defTabSz="914400" rtl="0" eaLnBrk="1" latinLnBrk="0" hangingPunct="1">
+      <a:defRPr kumimoji="1" sz="1200" kern="1200">
+        <a:solidFill>
+          <a:schemeClr val="tx1"/>
+        </a:solidFill>
+        <a:latin typeface="+mn-lt"/>
+        <a:ea typeface="+mn-ea"/>
+        <a:cs typeface="+mn-cs"/>
+      </a:defRPr>
+    </a:lvl9pPr>
+  </p:notesStyle>
+</p:notesMaster>
+</file>
+
+<file path=ppt/notesSlides/notesSlide1.xml><?xml version="1.0" encoding="utf-8"?>
+<p:notes xmlns:a="http://schemas.openxmlformats.org/drawingml/2006/main" xmlns:r="http://schemas.openxmlformats.org/officeDocument/2006/relationships" xmlns:p="http://schemas.openxmlformats.org/presentationml/2006/main">
+  <p:cSld>
+    <p:spTree>
+      <p:nvGrpSpPr>
+        <p:cNvPr id="1" name=""/>
+        <p:cNvGrpSpPr/>
+        <p:nvPr/>
+      </p:nvGrpSpPr>
+      <p:grpSpPr>
+        <a:xfrm>
+          <a:off x="0" y="0"/>
+          <a:ext cx="0" cy="0"/>
+          <a:chOff x="0" y="0"/>
+          <a:chExt cx="0" cy="0"/>
+        </a:xfrm>
+      </p:grpSpPr>
+      <p:sp>
+        <p:nvSpPr>
+          <p:cNvPr id="2" name="スライド イメージ プレースホルダー 1"/>
+          <p:cNvSpPr>
+            <a:spLocks noGrp="1" noRot="1" noChangeAspect="1"/>
+          </p:cNvSpPr>
+          <p:nvPr>
+            <p:ph type="sldImg"/>
+          </p:nvPr>
+        </p:nvSpPr>
+        <p:spPr/>
+      </p:sp>
+      <p:sp>
+        <p:nvSpPr>
+          <p:cNvPr id="3" name="ノート プレースホルダー 2"/>
+          <p:cNvSpPr>
+            <a:spLocks noGrp="1"/>
+          </p:cNvSpPr>
+          <p:nvPr>
+            <p:ph type="body" idx="1"/>
+          </p:nvPr>
+        </p:nvSpPr>
+        <p:spPr/>
+        <p:txBody>
+          <a:bodyPr/>
+          <a:lstStyle/>
+          <a:p>
+            <a:endParaRPr kumimoji="1" lang="ja-JP" altLang="en-US" dirty="0"/>
+          </a:p>
+        </p:txBody>
+      </p:sp>
+      <p:sp>
+        <p:nvSpPr>
+          <p:cNvPr id="4" name="スライド番号プレースホルダー 3"/>
+          <p:cNvSpPr>
+            <a:spLocks noGrp="1"/>
+          </p:cNvSpPr>
+          <p:nvPr>
+            <p:ph type="sldNum" sz="quarter" idx="10"/>
+          </p:nvPr>
+        </p:nvSpPr>
+        <p:spPr/>
+        <p:txBody>
+          <a:bodyPr/>
+          <a:lstStyle/>
+          <a:p>
+            <a:fld id="{5E369532-FCBE-49C3-98FA-05B707424A50}" type="slidenum">
+              <a:rPr kumimoji="1" lang="ja-JP" altLang="en-US" smtClean="0"/>
+              <a:t>1</a:t>
+            </a:fld>
+            <a:endParaRPr kumimoji="1" lang="ja-JP" altLang="en-US"/>
+          </a:p>
+        </p:txBody>
+      </p:sp>
+    </p:spTree>
+    <p:extLst>
+      <p:ext uri="{BB962C8B-B14F-4D97-AF65-F5344CB8AC3E}">
+        <p14:creationId xmlns:p14="http://schemas.microsoft.com/office/powerpoint/2010/main" val="2095827707"/>
+      </p:ext>
+    </p:extLst>
+  </p:cSld>
+  <p:clrMapOvr>
+    <a:masterClrMapping/>
+  </p:clrMapOvr>
+</p:notes>
 </file>
 
 <file path=ppt/slideLayouts/slideLayout1.xml><?xml version="1.0" encoding="utf-8"?>
@@ -290,7 +775,7 @@
           <a:p>
             <a:fld id="{A8E9A745-3EA7-7E4D-86A9-68F556C25F1D}" type="datetimeFigureOut">
               <a:rPr kumimoji="1" lang="ja-JP" altLang="en-US" smtClean="0"/>
-              <a:t>12/12/15</a:t>
+              <a:t>2016/3/14</a:t>
             </a:fld>
             <a:endParaRPr kumimoji="1" lang="ja-JP" altLang="en-US"/>
           </a:p>
@@ -492,7 +977,7 @@
           <a:p>
             <a:fld id="{A8E9A745-3EA7-7E4D-86A9-68F556C25F1D}" type="datetimeFigureOut">
               <a:rPr kumimoji="1" lang="ja-JP" altLang="en-US" smtClean="0"/>
-              <a:t>12/12/15</a:t>
+              <a:t>2016/3/14</a:t>
             </a:fld>
             <a:endParaRPr kumimoji="1" lang="ja-JP" altLang="en-US"/>
           </a:p>
@@ -704,7 +1189,7 @@
           <a:p>
             <a:fld id="{A8E9A745-3EA7-7E4D-86A9-68F556C25F1D}" type="datetimeFigureOut">
               <a:rPr kumimoji="1" lang="ja-JP" altLang="en-US" smtClean="0"/>
-              <a:t>12/12/15</a:t>
+              <a:t>2016/3/14</a:t>
             </a:fld>
             <a:endParaRPr kumimoji="1" lang="ja-JP" altLang="en-US"/>
           </a:p>
@@ -906,7 +1391,7 @@
           <a:p>
             <a:fld id="{A8E9A745-3EA7-7E4D-86A9-68F556C25F1D}" type="datetimeFigureOut">
               <a:rPr kumimoji="1" lang="ja-JP" altLang="en-US" smtClean="0"/>
-              <a:t>12/12/15</a:t>
+              <a:t>2016/3/14</a:t>
             </a:fld>
             <a:endParaRPr kumimoji="1" lang="ja-JP" altLang="en-US"/>
           </a:p>
@@ -1152,7 +1637,7 @@
           <a:p>
             <a:fld id="{A8E9A745-3EA7-7E4D-86A9-68F556C25F1D}" type="datetimeFigureOut">
               <a:rPr kumimoji="1" lang="ja-JP" altLang="en-US" smtClean="0"/>
-              <a:t>12/12/15</a:t>
+              <a:t>2016/3/14</a:t>
             </a:fld>
             <a:endParaRPr kumimoji="1" lang="ja-JP" altLang="en-US"/>
           </a:p>
@@ -1504,7 +1989,7 @@
           <a:p>
             <a:fld id="{A8E9A745-3EA7-7E4D-86A9-68F556C25F1D}" type="datetimeFigureOut">
               <a:rPr kumimoji="1" lang="ja-JP" altLang="en-US" smtClean="0"/>
-              <a:t>12/12/15</a:t>
+              <a:t>2016/3/14</a:t>
             </a:fld>
             <a:endParaRPr kumimoji="1" lang="ja-JP" altLang="en-US"/>
           </a:p>
@@ -1990,7 +2475,7 @@
           <a:p>
             <a:fld id="{A8E9A745-3EA7-7E4D-86A9-68F556C25F1D}" type="datetimeFigureOut">
               <a:rPr kumimoji="1" lang="ja-JP" altLang="en-US" smtClean="0"/>
-              <a:t>12/12/15</a:t>
+              <a:t>2016/3/14</a:t>
             </a:fld>
             <a:endParaRPr kumimoji="1" lang="ja-JP" altLang="en-US"/>
           </a:p>
@@ -2108,7 +2593,7 @@
           <a:p>
             <a:fld id="{A8E9A745-3EA7-7E4D-86A9-68F556C25F1D}" type="datetimeFigureOut">
               <a:rPr kumimoji="1" lang="ja-JP" altLang="en-US" smtClean="0"/>
-              <a:t>12/12/15</a:t>
+              <a:t>2016/3/14</a:t>
             </a:fld>
             <a:endParaRPr kumimoji="1" lang="ja-JP" altLang="en-US"/>
           </a:p>
@@ -2203,7 +2688,7 @@
           <a:p>
             <a:fld id="{A8E9A745-3EA7-7E4D-86A9-68F556C25F1D}" type="datetimeFigureOut">
               <a:rPr kumimoji="1" lang="ja-JP" altLang="en-US" smtClean="0"/>
-              <a:t>12/12/15</a:t>
+              <a:t>2016/3/14</a:t>
             </a:fld>
             <a:endParaRPr kumimoji="1" lang="ja-JP" altLang="en-US"/>
           </a:p>
@@ -2512,7 +2997,7 @@
           <a:p>
             <a:fld id="{A8E9A745-3EA7-7E4D-86A9-68F556C25F1D}" type="datetimeFigureOut">
               <a:rPr kumimoji="1" lang="ja-JP" altLang="en-US" smtClean="0"/>
-              <a:t>12/12/15</a:t>
+              <a:t>2016/3/14</a:t>
             </a:fld>
             <a:endParaRPr kumimoji="1" lang="ja-JP" altLang="en-US"/>
           </a:p>
@@ -2765,7 +3250,7 @@
           <a:p>
             <a:fld id="{A8E9A745-3EA7-7E4D-86A9-68F556C25F1D}" type="datetimeFigureOut">
               <a:rPr kumimoji="1" lang="ja-JP" altLang="en-US" smtClean="0"/>
-              <a:t>12/12/15</a:t>
+              <a:t>2016/3/14</a:t>
             </a:fld>
             <a:endParaRPr kumimoji="1" lang="ja-JP" altLang="en-US"/>
           </a:p>
@@ -3010,7 +3495,7 @@
           <a:p>
             <a:fld id="{A8E9A745-3EA7-7E4D-86A9-68F556C25F1D}" type="datetimeFigureOut">
               <a:rPr kumimoji="1" lang="ja-JP" altLang="en-US" smtClean="0"/>
-              <a:t>12/12/15</a:t>
+              <a:t>2016/3/14</a:t>
             </a:fld>
             <a:endParaRPr kumimoji="1" lang="ja-JP" altLang="en-US"/>
           </a:p>
@@ -6778,6 +7263,558 @@
           </a:p>
         </p:txBody>
       </p:sp>
+      <p:cxnSp>
+        <p:nvCxnSpPr>
+          <p:cNvPr id="103" name="直線コネクタ 102"/>
+          <p:cNvCxnSpPr/>
+          <p:nvPr/>
+        </p:nvCxnSpPr>
+        <p:spPr>
+          <a:xfrm>
+            <a:off x="6514726" y="4856200"/>
+            <a:ext cx="284480" cy="0"/>
+          </a:xfrm>
+          <a:prstGeom prst="line">
+            <a:avLst/>
+          </a:prstGeom>
+          <a:ln>
+            <a:solidFill>
+              <a:schemeClr val="tx1"/>
+            </a:solidFill>
+          </a:ln>
+          <a:effectLst/>
+        </p:spPr>
+        <p:style>
+          <a:lnRef idx="2">
+            <a:schemeClr val="accent1"/>
+          </a:lnRef>
+          <a:fillRef idx="0">
+            <a:schemeClr val="accent1"/>
+          </a:fillRef>
+          <a:effectRef idx="1">
+            <a:schemeClr val="accent1"/>
+          </a:effectRef>
+          <a:fontRef idx="minor">
+            <a:schemeClr val="tx1"/>
+          </a:fontRef>
+        </p:style>
+      </p:cxnSp>
+      <p:cxnSp>
+        <p:nvCxnSpPr>
+          <p:cNvPr id="134" name="直線コネクタ 133"/>
+          <p:cNvCxnSpPr/>
+          <p:nvPr/>
+        </p:nvCxnSpPr>
+        <p:spPr>
+          <a:xfrm>
+            <a:off x="6524886" y="5370550"/>
+            <a:ext cx="284480" cy="0"/>
+          </a:xfrm>
+          <a:prstGeom prst="line">
+            <a:avLst/>
+          </a:prstGeom>
+          <a:ln>
+            <a:solidFill>
+              <a:schemeClr val="tx1"/>
+            </a:solidFill>
+          </a:ln>
+          <a:effectLst/>
+        </p:spPr>
+        <p:style>
+          <a:lnRef idx="2">
+            <a:schemeClr val="accent1"/>
+          </a:lnRef>
+          <a:fillRef idx="0">
+            <a:schemeClr val="accent1"/>
+          </a:fillRef>
+          <a:effectRef idx="1">
+            <a:schemeClr val="accent1"/>
+          </a:effectRef>
+          <a:fontRef idx="minor">
+            <a:schemeClr val="tx1"/>
+          </a:fontRef>
+        </p:style>
+      </p:cxnSp>
+      <p:sp>
+        <p:nvSpPr>
+          <p:cNvPr id="143" name="テキスト ボックス 142"/>
+          <p:cNvSpPr txBox="1"/>
+          <p:nvPr/>
+        </p:nvSpPr>
+        <p:spPr>
+          <a:xfrm>
+            <a:off x="6279527" y="4694909"/>
+            <a:ext cx="307625" cy="276999"/>
+          </a:xfrm>
+          <a:prstGeom prst="rect">
+            <a:avLst/>
+          </a:prstGeom>
+          <a:noFill/>
+        </p:spPr>
+        <p:txBody>
+          <a:bodyPr wrap="none" rtlCol="0">
+            <a:spAutoFit/>
+          </a:bodyPr>
+          <a:lstStyle/>
+          <a:p>
+            <a:r>
+              <a:rPr kumimoji="1" lang="en-US" altLang="ja-JP" sz="1200" i="1" dirty="0" smtClean="0">
+                <a:latin typeface="Book Antiqua"/>
+                <a:cs typeface="Book Antiqua"/>
+              </a:rPr>
+              <a:t>i</a:t>
+            </a:r>
+            <a:r>
+              <a:rPr kumimoji="1" lang="en-US" altLang="ja-JP" sz="1200" i="1" baseline="-25000" dirty="0" smtClean="0">
+                <a:latin typeface="Book Antiqua"/>
+                <a:cs typeface="Book Antiqua"/>
+              </a:rPr>
+              <a:t>1</a:t>
+            </a:r>
+            <a:endParaRPr kumimoji="1" lang="ja-JP" altLang="en-US" sz="1200" i="1" baseline="-25000" dirty="0">
+              <a:latin typeface="Book Antiqua"/>
+              <a:cs typeface="Book Antiqua"/>
+            </a:endParaRPr>
+          </a:p>
+        </p:txBody>
+      </p:sp>
+      <p:sp>
+        <p:nvSpPr>
+          <p:cNvPr id="152" name="テキスト ボックス 151"/>
+          <p:cNvSpPr txBox="1"/>
+          <p:nvPr/>
+        </p:nvSpPr>
+        <p:spPr>
+          <a:xfrm>
+            <a:off x="6279527" y="5208412"/>
+            <a:ext cx="279244" cy="276999"/>
+          </a:xfrm>
+          <a:prstGeom prst="rect">
+            <a:avLst/>
+          </a:prstGeom>
+          <a:noFill/>
+        </p:spPr>
+        <p:txBody>
+          <a:bodyPr wrap="none" rtlCol="0">
+            <a:spAutoFit/>
+          </a:bodyPr>
+          <a:lstStyle/>
+          <a:p>
+            <a:r>
+              <a:rPr kumimoji="1" lang="en-US" altLang="ja-JP" sz="1200" i="1" dirty="0" smtClean="0">
+                <a:latin typeface="Book Antiqua"/>
+                <a:cs typeface="Book Antiqua"/>
+              </a:rPr>
+              <a:t>i</a:t>
+            </a:r>
+            <a:r>
+              <a:rPr kumimoji="1" lang="en-US" altLang="ja-JP" sz="1200" i="1" baseline="-25000" dirty="0" smtClean="0">
+                <a:latin typeface="Book Antiqua"/>
+                <a:cs typeface="Book Antiqua"/>
+              </a:rPr>
+              <a:t>2</a:t>
+            </a:r>
+            <a:endParaRPr kumimoji="1" lang="ja-JP" altLang="en-US" sz="1200" i="1" baseline="-25000" dirty="0">
+              <a:latin typeface="Book Antiqua"/>
+              <a:cs typeface="Book Antiqua"/>
+            </a:endParaRPr>
+          </a:p>
+        </p:txBody>
+      </p:sp>
+      <p:cxnSp>
+        <p:nvCxnSpPr>
+          <p:cNvPr id="153" name="直線コネクタ 152"/>
+          <p:cNvCxnSpPr/>
+          <p:nvPr/>
+        </p:nvCxnSpPr>
+        <p:spPr>
+          <a:xfrm>
+            <a:off x="7805559" y="5107522"/>
+            <a:ext cx="284480" cy="0"/>
+          </a:xfrm>
+          <a:prstGeom prst="line">
+            <a:avLst/>
+          </a:prstGeom>
+          <a:ln>
+            <a:solidFill>
+              <a:schemeClr val="tx1"/>
+            </a:solidFill>
+          </a:ln>
+          <a:effectLst/>
+        </p:spPr>
+        <p:style>
+          <a:lnRef idx="2">
+            <a:schemeClr val="accent1"/>
+          </a:lnRef>
+          <a:fillRef idx="0">
+            <a:schemeClr val="accent1"/>
+          </a:fillRef>
+          <a:effectRef idx="1">
+            <a:schemeClr val="accent1"/>
+          </a:effectRef>
+          <a:fontRef idx="minor">
+            <a:schemeClr val="tx1"/>
+          </a:fontRef>
+        </p:style>
+      </p:cxnSp>
+      <p:sp>
+        <p:nvSpPr>
+          <p:cNvPr id="154" name="テキスト ボックス 153"/>
+          <p:cNvSpPr txBox="1"/>
+          <p:nvPr/>
+        </p:nvSpPr>
+        <p:spPr>
+          <a:xfrm>
+            <a:off x="8037685" y="4944113"/>
+            <a:ext cx="291554" cy="276999"/>
+          </a:xfrm>
+          <a:prstGeom prst="rect">
+            <a:avLst/>
+          </a:prstGeom>
+          <a:noFill/>
+        </p:spPr>
+        <p:txBody>
+          <a:bodyPr wrap="none" rtlCol="0">
+            <a:spAutoFit/>
+          </a:bodyPr>
+          <a:lstStyle/>
+          <a:p>
+            <a:r>
+              <a:rPr lang="en-US" altLang="ja-JP" sz="1200" i="1" dirty="0">
+                <a:latin typeface="Book Antiqua"/>
+                <a:cs typeface="Book Antiqua"/>
+              </a:rPr>
+              <a:t>x</a:t>
+            </a:r>
+            <a:endParaRPr kumimoji="1" lang="ja-JP" altLang="en-US" sz="1200" i="1" baseline="-25000" dirty="0">
+              <a:latin typeface="Book Antiqua"/>
+              <a:cs typeface="Book Antiqua"/>
+            </a:endParaRPr>
+          </a:p>
+        </p:txBody>
+      </p:sp>
+      <p:sp>
+        <p:nvSpPr>
+          <p:cNvPr id="168" name="テキスト ボックス 167"/>
+          <p:cNvSpPr txBox="1"/>
+          <p:nvPr/>
+        </p:nvSpPr>
+        <p:spPr>
+          <a:xfrm>
+            <a:off x="7088278" y="5483363"/>
+            <a:ext cx="583814" cy="307777"/>
+          </a:xfrm>
+          <a:prstGeom prst="rect">
+            <a:avLst/>
+          </a:prstGeom>
+          <a:noFill/>
+        </p:spPr>
+        <p:txBody>
+          <a:bodyPr wrap="none" rtlCol="0">
+            <a:spAutoFit/>
+          </a:bodyPr>
+          <a:lstStyle/>
+          <a:p>
+            <a:r>
+              <a:rPr kumimoji="1" lang="en-US" altLang="ja-JP" sz="1400" b="1" dirty="0" smtClean="0">
+                <a:latin typeface="Book Antiqua"/>
+                <a:cs typeface="Book Antiqua"/>
+              </a:rPr>
+              <a:t>XOR</a:t>
+            </a:r>
+            <a:endParaRPr kumimoji="1" lang="ja-JP" altLang="en-US" sz="1400" b="1" dirty="0">
+              <a:latin typeface="Book Antiqua"/>
+              <a:cs typeface="Book Antiqua"/>
+            </a:endParaRPr>
+          </a:p>
+        </p:txBody>
+      </p:sp>
+      <p:grpSp>
+        <p:nvGrpSpPr>
+          <p:cNvPr id="3" name="グループ化 2"/>
+          <p:cNvGrpSpPr/>
+          <p:nvPr/>
+        </p:nvGrpSpPr>
+        <p:grpSpPr>
+          <a:xfrm>
+            <a:off x="6048105" y="4164611"/>
+            <a:ext cx="1827308" cy="1888490"/>
+            <a:chOff x="6048105" y="4164611"/>
+            <a:chExt cx="1827308" cy="1888490"/>
+          </a:xfrm>
+        </p:grpSpPr>
+        <p:grpSp>
+          <p:nvGrpSpPr>
+            <p:cNvPr id="155" name="図形グループ 49"/>
+            <p:cNvGrpSpPr/>
+            <p:nvPr/>
+          </p:nvGrpSpPr>
+          <p:grpSpPr>
+            <a:xfrm>
+              <a:off x="6776829" y="4727221"/>
+              <a:ext cx="447075" cy="763270"/>
+              <a:chOff x="2512025" y="2420620"/>
+              <a:chExt cx="447075" cy="763270"/>
+            </a:xfrm>
+          </p:grpSpPr>
+          <p:cxnSp>
+            <p:nvCxnSpPr>
+              <p:cNvPr id="166" name="直線コネクタ 165"/>
+              <p:cNvCxnSpPr/>
+              <p:nvPr/>
+            </p:nvCxnSpPr>
+            <p:spPr>
+              <a:xfrm>
+                <a:off x="2512025" y="2420620"/>
+                <a:ext cx="447075" cy="0"/>
+              </a:xfrm>
+              <a:prstGeom prst="line">
+                <a:avLst/>
+              </a:prstGeom>
+              <a:ln>
+                <a:solidFill>
+                  <a:schemeClr val="tx1"/>
+                </a:solidFill>
+              </a:ln>
+              <a:effectLst/>
+            </p:spPr>
+            <p:style>
+              <a:lnRef idx="2">
+                <a:schemeClr val="accent1"/>
+              </a:lnRef>
+              <a:fillRef idx="0">
+                <a:schemeClr val="accent1"/>
+              </a:fillRef>
+              <a:effectRef idx="1">
+                <a:schemeClr val="accent1"/>
+              </a:effectRef>
+              <a:fontRef idx="minor">
+                <a:schemeClr val="tx1"/>
+              </a:fontRef>
+            </p:style>
+          </p:cxnSp>
+          <p:cxnSp>
+            <p:nvCxnSpPr>
+              <p:cNvPr id="167" name="直線コネクタ 166"/>
+              <p:cNvCxnSpPr/>
+              <p:nvPr/>
+            </p:nvCxnSpPr>
+            <p:spPr>
+              <a:xfrm>
+                <a:off x="2512025" y="3183890"/>
+                <a:ext cx="447075" cy="0"/>
+              </a:xfrm>
+              <a:prstGeom prst="line">
+                <a:avLst/>
+              </a:prstGeom>
+              <a:ln>
+                <a:solidFill>
+                  <a:schemeClr val="tx1"/>
+                </a:solidFill>
+              </a:ln>
+              <a:effectLst/>
+            </p:spPr>
+            <p:style>
+              <a:lnRef idx="2">
+                <a:schemeClr val="accent1"/>
+              </a:lnRef>
+              <a:fillRef idx="0">
+                <a:schemeClr val="accent1"/>
+              </a:fillRef>
+              <a:effectRef idx="1">
+                <a:schemeClr val="accent1"/>
+              </a:effectRef>
+              <a:fontRef idx="minor">
+                <a:schemeClr val="tx1"/>
+              </a:fontRef>
+            </p:style>
+          </p:cxnSp>
+        </p:grpSp>
+        <p:sp>
+          <p:nvSpPr>
+            <p:cNvPr id="157" name="円弧 156"/>
+            <p:cNvSpPr/>
+            <p:nvPr/>
+          </p:nvSpPr>
+          <p:spPr>
+            <a:xfrm>
+              <a:off x="6107574" y="4616095"/>
+              <a:ext cx="822960" cy="992505"/>
+            </a:xfrm>
+            <a:prstGeom prst="arc">
+              <a:avLst>
+                <a:gd name="adj1" fmla="val 18263074"/>
+                <a:gd name="adj2" fmla="val 3324404"/>
+              </a:avLst>
+            </a:prstGeom>
+            <a:ln>
+              <a:solidFill>
+                <a:srgbClr val="000000"/>
+              </a:solidFill>
+            </a:ln>
+            <a:effectLst/>
+          </p:spPr>
+          <p:style>
+            <a:lnRef idx="2">
+              <a:schemeClr val="accent1"/>
+            </a:lnRef>
+            <a:fillRef idx="0">
+              <a:schemeClr val="accent1"/>
+            </a:fillRef>
+            <a:effectRef idx="1">
+              <a:schemeClr val="accent1"/>
+            </a:effectRef>
+            <a:fontRef idx="minor">
+              <a:schemeClr val="tx1"/>
+            </a:fontRef>
+          </p:style>
+          <p:txBody>
+            <a:bodyPr/>
+            <a:lstStyle/>
+            <a:p>
+              <a:endParaRPr lang="ja-JP" altLang="en-US" dirty="0"/>
+            </a:p>
+          </p:txBody>
+        </p:sp>
+        <p:sp>
+          <p:nvSpPr>
+            <p:cNvPr id="160" name="円弧 159"/>
+            <p:cNvSpPr/>
+            <p:nvPr/>
+          </p:nvSpPr>
+          <p:spPr>
+            <a:xfrm>
+              <a:off x="6572394" y="4727221"/>
+              <a:ext cx="1303019" cy="1325880"/>
+            </a:xfrm>
+            <a:prstGeom prst="arc">
+              <a:avLst>
+                <a:gd name="adj1" fmla="val 16200000"/>
+                <a:gd name="adj2" fmla="val 20120088"/>
+              </a:avLst>
+            </a:prstGeom>
+            <a:ln>
+              <a:solidFill>
+                <a:schemeClr val="tx1"/>
+              </a:solidFill>
+            </a:ln>
+            <a:effectLst/>
+          </p:spPr>
+          <p:style>
+            <a:lnRef idx="2">
+              <a:schemeClr val="accent1"/>
+            </a:lnRef>
+            <a:fillRef idx="0">
+              <a:schemeClr val="accent1"/>
+            </a:fillRef>
+            <a:effectRef idx="1">
+              <a:schemeClr val="accent1"/>
+            </a:effectRef>
+            <a:fontRef idx="minor">
+              <a:schemeClr val="tx1"/>
+            </a:fontRef>
+          </p:style>
+          <p:txBody>
+            <a:bodyPr/>
+            <a:lstStyle/>
+            <a:p>
+              <a:endParaRPr lang="ja-JP" altLang="en-US" dirty="0"/>
+            </a:p>
+          </p:txBody>
+        </p:sp>
+        <p:sp>
+          <p:nvSpPr>
+            <p:cNvPr id="165" name="円弧 164"/>
+            <p:cNvSpPr/>
+            <p:nvPr/>
+          </p:nvSpPr>
+          <p:spPr>
+            <a:xfrm flipV="1">
+              <a:off x="6572394" y="4164611"/>
+              <a:ext cx="1303019" cy="1325880"/>
+            </a:xfrm>
+            <a:prstGeom prst="arc">
+              <a:avLst>
+                <a:gd name="adj1" fmla="val 16200000"/>
+                <a:gd name="adj2" fmla="val 20074316"/>
+              </a:avLst>
+            </a:prstGeom>
+            <a:ln>
+              <a:solidFill>
+                <a:schemeClr val="tx1"/>
+              </a:solidFill>
+            </a:ln>
+            <a:effectLst/>
+          </p:spPr>
+          <p:style>
+            <a:lnRef idx="2">
+              <a:schemeClr val="accent1"/>
+            </a:lnRef>
+            <a:fillRef idx="0">
+              <a:schemeClr val="accent1"/>
+            </a:fillRef>
+            <a:effectRef idx="1">
+              <a:schemeClr val="accent1"/>
+            </a:effectRef>
+            <a:fontRef idx="minor">
+              <a:schemeClr val="tx1"/>
+            </a:fontRef>
+          </p:style>
+          <p:txBody>
+            <a:bodyPr/>
+            <a:lstStyle/>
+            <a:p>
+              <a:endParaRPr lang="ja-JP" altLang="en-US" dirty="0"/>
+            </a:p>
+          </p:txBody>
+        </p:sp>
+        <p:sp>
+          <p:nvSpPr>
+            <p:cNvPr id="169" name="円弧 168"/>
+            <p:cNvSpPr/>
+            <p:nvPr/>
+          </p:nvSpPr>
+          <p:spPr>
+            <a:xfrm>
+              <a:off x="6048105" y="4612381"/>
+              <a:ext cx="822960" cy="992505"/>
+            </a:xfrm>
+            <a:prstGeom prst="arc">
+              <a:avLst>
+                <a:gd name="adj1" fmla="val 18263074"/>
+                <a:gd name="adj2" fmla="val 3324404"/>
+              </a:avLst>
+            </a:prstGeom>
+            <a:ln>
+              <a:solidFill>
+                <a:srgbClr val="000000"/>
+              </a:solidFill>
+            </a:ln>
+            <a:effectLst/>
+          </p:spPr>
+          <p:style>
+            <a:lnRef idx="2">
+              <a:schemeClr val="accent1"/>
+            </a:lnRef>
+            <a:fillRef idx="0">
+              <a:schemeClr val="accent1"/>
+            </a:fillRef>
+            <a:effectRef idx="1">
+              <a:schemeClr val="accent1"/>
+            </a:effectRef>
+            <a:fontRef idx="minor">
+              <a:schemeClr val="tx1"/>
+            </a:fontRef>
+          </p:style>
+          <p:txBody>
+            <a:bodyPr/>
+            <a:lstStyle/>
+            <a:p>
+              <a:endParaRPr lang="ja-JP" altLang="en-US" dirty="0"/>
+            </a:p>
+          </p:txBody>
+        </p:sp>
+      </p:grpSp>
     </p:spTree>
     <p:extLst>
       <p:ext uri="{BB962C8B-B14F-4D97-AF65-F5344CB8AC3E}">
@@ -15689,4 +16726,265 @@
   </a:objectDefaults>
   <a:extraClrSchemeLst/>
 </a:theme>
+</file>
+
+<file path=ppt/theme/theme2.xml><?xml version="1.0" encoding="utf-8"?>
+<a:theme xmlns:a="http://schemas.openxmlformats.org/drawingml/2006/main" name="Office テーマ">
+  <a:themeElements>
+    <a:clrScheme name="Office">
+      <a:dk1>
+        <a:sysClr val="windowText" lastClr="000000"/>
+      </a:dk1>
+      <a:lt1>
+        <a:sysClr val="window" lastClr="FFFFFF"/>
+      </a:lt1>
+      <a:dk2>
+        <a:srgbClr val="44546A"/>
+      </a:dk2>
+      <a:lt2>
+        <a:srgbClr val="E7E6E6"/>
+      </a:lt2>
+      <a:accent1>
+        <a:srgbClr val="5B9BD5"/>
+      </a:accent1>
+      <a:accent2>
+        <a:srgbClr val="ED7D31"/>
+      </a:accent2>
+      <a:accent3>
+        <a:srgbClr val="A5A5A5"/>
+      </a:accent3>
+      <a:accent4>
+        <a:srgbClr val="FFC000"/>
+      </a:accent4>
+      <a:accent5>
+        <a:srgbClr val="4472C4"/>
+      </a:accent5>
+      <a:accent6>
+        <a:srgbClr val="70AD47"/>
+      </a:accent6>
+      <a:hlink>
+        <a:srgbClr val="0563C1"/>
+      </a:hlink>
+      <a:folHlink>
+        <a:srgbClr val="954F72"/>
+      </a:folHlink>
+    </a:clrScheme>
+    <a:fontScheme name="Office">
+      <a:majorFont>
+        <a:latin typeface="Calibri Light" panose="020F0302020204030204"/>
+        <a:ea typeface=""/>
+        <a:cs typeface=""/>
+        <a:font script="Jpan" typeface="ＭＳ Ｐゴシック"/>
+        <a:font script="Hang" typeface="맑은 고딕"/>
+        <a:font script="Hans" typeface="宋体"/>
+        <a:font script="Hant" typeface="新細明體"/>
+        <a:font script="Arab" typeface="Times New Roman"/>
+        <a:font script="Hebr" typeface="Times New Roman"/>
+        <a:font script="Thai" typeface="Angsana New"/>
+        <a:font script="Ethi" typeface="Nyala"/>
+        <a:font script="Beng" typeface="Vrinda"/>
+        <a:font script="Gujr" typeface="Shruti"/>
+        <a:font script="Khmr" typeface="MoolBoran"/>
+        <a:font script="Knda" typeface="Tunga"/>
+        <a:font script="Guru" typeface="Raavi"/>
+        <a:font script="Cans" typeface="Euphemia"/>
+        <a:font script="Cher" typeface="Plantagenet Cherokee"/>
+        <a:font script="Yiii" typeface="Microsoft Yi Baiti"/>
+        <a:font script="Tibt" typeface="Microsoft Himalaya"/>
+        <a:font script="Thaa" typeface="MV Boli"/>
+        <a:font script="Deva" typeface="Mangal"/>
+        <a:font script="Telu" typeface="Gautami"/>
+        <a:font script="Taml" typeface="Latha"/>
+        <a:font script="Syrc" typeface="Estrangelo Edessa"/>
+        <a:font script="Orya" typeface="Kalinga"/>
+        <a:font script="Mlym" typeface="Kartika"/>
+        <a:font script="Laoo" typeface="DokChampa"/>
+        <a:font script="Sinh" typeface="Iskoola Pota"/>
+        <a:font script="Mong" typeface="Mongolian Baiti"/>
+        <a:font script="Viet" typeface="Times New Roman"/>
+        <a:font script="Uigh" typeface="Microsoft Uighur"/>
+        <a:font script="Geor" typeface="Sylfaen"/>
+      </a:majorFont>
+      <a:minorFont>
+        <a:latin typeface="Calibri" panose="020F0502020204030204"/>
+        <a:ea typeface=""/>
+        <a:cs typeface=""/>
+        <a:font script="Jpan" typeface="ＭＳ Ｐゴシック"/>
+        <a:font script="Hang" typeface="맑은 고딕"/>
+        <a:font script="Hans" typeface="宋体"/>
+        <a:font script="Hant" typeface="新細明體"/>
+        <a:font script="Arab" typeface="Arial"/>
+        <a:font script="Hebr" typeface="Arial"/>
+        <a:font script="Thai" typeface="Cordia New"/>
+        <a:font script="Ethi" typeface="Nyala"/>
+        <a:font script="Beng" typeface="Vrinda"/>
+        <a:font script="Gujr" typeface="Shruti"/>
+        <a:font script="Khmr" typeface="DaunPenh"/>
+        <a:font script="Knda" typeface="Tunga"/>
+        <a:font script="Guru" typeface="Raavi"/>
+        <a:font script="Cans" typeface="Euphemia"/>
+        <a:font script="Cher" typeface="Plantagenet Cherokee"/>
+        <a:font script="Yiii" typeface="Microsoft Yi Baiti"/>
+        <a:font script="Tibt" typeface="Microsoft Himalaya"/>
+        <a:font script="Thaa" typeface="MV Boli"/>
+        <a:font script="Deva" typeface="Mangal"/>
+        <a:font script="Telu" typeface="Gautami"/>
+        <a:font script="Taml" typeface="Latha"/>
+        <a:font script="Syrc" typeface="Estrangelo Edessa"/>
+        <a:font script="Orya" typeface="Kalinga"/>
+        <a:font script="Mlym" typeface="Kartika"/>
+        <a:font script="Laoo" typeface="DokChampa"/>
+        <a:font script="Sinh" typeface="Iskoola Pota"/>
+        <a:font script="Mong" typeface="Mongolian Baiti"/>
+        <a:font script="Viet" typeface="Arial"/>
+        <a:font script="Uigh" typeface="Microsoft Uighur"/>
+        <a:font script="Geor" typeface="Sylfaen"/>
+      </a:minorFont>
+    </a:fontScheme>
+    <a:fmtScheme name="Office">
+      <a:fillStyleLst>
+        <a:solidFill>
+          <a:schemeClr val="phClr"/>
+        </a:solidFill>
+        <a:gradFill rotWithShape="1">
+          <a:gsLst>
+            <a:gs pos="0">
+              <a:schemeClr val="phClr">
+                <a:lumMod val="110000"/>
+                <a:satMod val="105000"/>
+                <a:tint val="67000"/>
+              </a:schemeClr>
+            </a:gs>
+            <a:gs pos="50000">
+              <a:schemeClr val="phClr">
+                <a:lumMod val="105000"/>
+                <a:satMod val="103000"/>
+                <a:tint val="73000"/>
+              </a:schemeClr>
+            </a:gs>
+            <a:gs pos="100000">
+              <a:schemeClr val="phClr">
+                <a:lumMod val="105000"/>
+                <a:satMod val="109000"/>
+                <a:tint val="81000"/>
+              </a:schemeClr>
+            </a:gs>
+          </a:gsLst>
+          <a:lin ang="5400000" scaled="0"/>
+        </a:gradFill>
+        <a:gradFill rotWithShape="1">
+          <a:gsLst>
+            <a:gs pos="0">
+              <a:schemeClr val="phClr">
+                <a:satMod val="103000"/>
+                <a:lumMod val="102000"/>
+                <a:tint val="94000"/>
+              </a:schemeClr>
+            </a:gs>
+            <a:gs pos="50000">
+              <a:schemeClr val="phClr">
+                <a:satMod val="110000"/>
+                <a:lumMod val="100000"/>
+                <a:shade val="100000"/>
+              </a:schemeClr>
+            </a:gs>
+            <a:gs pos="100000">
+              <a:schemeClr val="phClr">
+                <a:lumMod val="99000"/>
+                <a:satMod val="120000"/>
+                <a:shade val="78000"/>
+              </a:schemeClr>
+            </a:gs>
+          </a:gsLst>
+          <a:lin ang="5400000" scaled="0"/>
+        </a:gradFill>
+      </a:fillStyleLst>
+      <a:lnStyleLst>
+        <a:ln w="6350" cap="flat" cmpd="sng" algn="ctr">
+          <a:solidFill>
+            <a:schemeClr val="phClr"/>
+          </a:solidFill>
+          <a:prstDash val="solid"/>
+          <a:miter lim="800000"/>
+        </a:ln>
+        <a:ln w="12700" cap="flat" cmpd="sng" algn="ctr">
+          <a:solidFill>
+            <a:schemeClr val="phClr"/>
+          </a:solidFill>
+          <a:prstDash val="solid"/>
+          <a:miter lim="800000"/>
+        </a:ln>
+        <a:ln w="19050" cap="flat" cmpd="sng" algn="ctr">
+          <a:solidFill>
+            <a:schemeClr val="phClr"/>
+          </a:solidFill>
+          <a:prstDash val="solid"/>
+          <a:miter lim="800000"/>
+        </a:ln>
+      </a:lnStyleLst>
+      <a:effectStyleLst>
+        <a:effectStyle>
+          <a:effectLst/>
+        </a:effectStyle>
+        <a:effectStyle>
+          <a:effectLst/>
+        </a:effectStyle>
+        <a:effectStyle>
+          <a:effectLst>
+            <a:outerShdw blurRad="57150" dist="19050" dir="5400000" algn="ctr" rotWithShape="0">
+              <a:srgbClr val="000000">
+                <a:alpha val="63000"/>
+              </a:srgbClr>
+            </a:outerShdw>
+          </a:effectLst>
+        </a:effectStyle>
+      </a:effectStyleLst>
+      <a:bgFillStyleLst>
+        <a:solidFill>
+          <a:schemeClr val="phClr"/>
+        </a:solidFill>
+        <a:solidFill>
+          <a:schemeClr val="phClr">
+            <a:tint val="95000"/>
+            <a:satMod val="170000"/>
+          </a:schemeClr>
+        </a:solidFill>
+        <a:gradFill rotWithShape="1">
+          <a:gsLst>
+            <a:gs pos="0">
+              <a:schemeClr val="phClr">
+                <a:tint val="93000"/>
+                <a:satMod val="150000"/>
+                <a:shade val="98000"/>
+                <a:lumMod val="102000"/>
+              </a:schemeClr>
+            </a:gs>
+            <a:gs pos="50000">
+              <a:schemeClr val="phClr">
+                <a:tint val="98000"/>
+                <a:satMod val="130000"/>
+                <a:shade val="90000"/>
+                <a:lumMod val="103000"/>
+              </a:schemeClr>
+            </a:gs>
+            <a:gs pos="100000">
+              <a:schemeClr val="phClr">
+                <a:shade val="63000"/>
+                <a:satMod val="120000"/>
+              </a:schemeClr>
+            </a:gs>
+          </a:gsLst>
+          <a:lin ang="5400000" scaled="0"/>
+        </a:gradFill>
+      </a:bgFillStyleLst>
+    </a:fmtScheme>
+  </a:themeElements>
+  <a:objectDefaults/>
+  <a:extraClrSchemeLst/>
+  <a:extLst>
+    <a:ext uri="{05A4C25C-085E-4340-85A3-A5531E510DB2}">
+      <thm15:themeFamily xmlns:thm15="http://schemas.microsoft.com/office/thememl/2012/main" name="Office Theme" id="{62F939B6-93AF-4DB8-9C6B-D6C7DFDC589F}" vid="{4A3C46E8-61CC-4603-A589-7422A47A8E4A}"/>
+    </a:ext>
+  </a:extLst>
+</a:theme>
 </file>
--- a/articles/201512/basic-gate.pptx
+++ b/articles/201512/basic-gate.pptx
@@ -111,7 +111,7 @@
   </p:defaultTextStyle>
   <p:extLst>
     <p:ext uri="{EFAFB233-063F-42B5-8137-9DF3F51BA10A}">
-      <p15:sldGuideLst xmlns:p15="http://schemas.microsoft.com/office/powerpoint/2012/main">
+      <p15:sldGuideLst xmlns:p15="http://schemas.microsoft.com/office/powerpoint/2012/main" xmlns="">
         <p15:guide id="1" orient="horz" pos="2160">
           <p15:clr>
             <a:srgbClr val="A4A3A4"/>
@@ -210,7 +210,7 @@
           <a:p>
             <a:fld id="{2918C323-83F7-4732-8C24-393CA25F4165}" type="datetimeFigureOut">
               <a:rPr kumimoji="1" lang="ja-JP" altLang="en-US" smtClean="0"/>
-              <a:t>2016/3/14</a:t>
+              <a:t>4/9/16</a:t>
             </a:fld>
             <a:endParaRPr kumimoji="1" lang="ja-JP" altLang="en-US"/>
           </a:p>
@@ -775,7 +775,7 @@
           <a:p>
             <a:fld id="{A8E9A745-3EA7-7E4D-86A9-68F556C25F1D}" type="datetimeFigureOut">
               <a:rPr kumimoji="1" lang="ja-JP" altLang="en-US" smtClean="0"/>
-              <a:t>2016/3/14</a:t>
+              <a:t>4/9/16</a:t>
             </a:fld>
             <a:endParaRPr kumimoji="1" lang="ja-JP" altLang="en-US"/>
           </a:p>
@@ -977,7 +977,7 @@
           <a:p>
             <a:fld id="{A8E9A745-3EA7-7E4D-86A9-68F556C25F1D}" type="datetimeFigureOut">
               <a:rPr kumimoji="1" lang="ja-JP" altLang="en-US" smtClean="0"/>
-              <a:t>2016/3/14</a:t>
+              <a:t>4/9/16</a:t>
             </a:fld>
             <a:endParaRPr kumimoji="1" lang="ja-JP" altLang="en-US"/>
           </a:p>
@@ -1189,7 +1189,7 @@
           <a:p>
             <a:fld id="{A8E9A745-3EA7-7E4D-86A9-68F556C25F1D}" type="datetimeFigureOut">
               <a:rPr kumimoji="1" lang="ja-JP" altLang="en-US" smtClean="0"/>
-              <a:t>2016/3/14</a:t>
+              <a:t>4/9/16</a:t>
             </a:fld>
             <a:endParaRPr kumimoji="1" lang="ja-JP" altLang="en-US"/>
           </a:p>
@@ -1391,7 +1391,7 @@
           <a:p>
             <a:fld id="{A8E9A745-3EA7-7E4D-86A9-68F556C25F1D}" type="datetimeFigureOut">
               <a:rPr kumimoji="1" lang="ja-JP" altLang="en-US" smtClean="0"/>
-              <a:t>2016/3/14</a:t>
+              <a:t>4/9/16</a:t>
             </a:fld>
             <a:endParaRPr kumimoji="1" lang="ja-JP" altLang="en-US"/>
           </a:p>
@@ -1637,7 +1637,7 @@
           <a:p>
             <a:fld id="{A8E9A745-3EA7-7E4D-86A9-68F556C25F1D}" type="datetimeFigureOut">
               <a:rPr kumimoji="1" lang="ja-JP" altLang="en-US" smtClean="0"/>
-              <a:t>2016/3/14</a:t>
+              <a:t>4/9/16</a:t>
             </a:fld>
             <a:endParaRPr kumimoji="1" lang="ja-JP" altLang="en-US"/>
           </a:p>
@@ -1989,7 +1989,7 @@
           <a:p>
             <a:fld id="{A8E9A745-3EA7-7E4D-86A9-68F556C25F1D}" type="datetimeFigureOut">
               <a:rPr kumimoji="1" lang="ja-JP" altLang="en-US" smtClean="0"/>
-              <a:t>2016/3/14</a:t>
+              <a:t>4/9/16</a:t>
             </a:fld>
             <a:endParaRPr kumimoji="1" lang="ja-JP" altLang="en-US"/>
           </a:p>
@@ -2475,7 +2475,7 @@
           <a:p>
             <a:fld id="{A8E9A745-3EA7-7E4D-86A9-68F556C25F1D}" type="datetimeFigureOut">
               <a:rPr kumimoji="1" lang="ja-JP" altLang="en-US" smtClean="0"/>
-              <a:t>2016/3/14</a:t>
+              <a:t>4/9/16</a:t>
             </a:fld>
             <a:endParaRPr kumimoji="1" lang="ja-JP" altLang="en-US"/>
           </a:p>
@@ -2593,7 +2593,7 @@
           <a:p>
             <a:fld id="{A8E9A745-3EA7-7E4D-86A9-68F556C25F1D}" type="datetimeFigureOut">
               <a:rPr kumimoji="1" lang="ja-JP" altLang="en-US" smtClean="0"/>
-              <a:t>2016/3/14</a:t>
+              <a:t>4/9/16</a:t>
             </a:fld>
             <a:endParaRPr kumimoji="1" lang="ja-JP" altLang="en-US"/>
           </a:p>
@@ -2688,7 +2688,7 @@
           <a:p>
             <a:fld id="{A8E9A745-3EA7-7E4D-86A9-68F556C25F1D}" type="datetimeFigureOut">
               <a:rPr kumimoji="1" lang="ja-JP" altLang="en-US" smtClean="0"/>
-              <a:t>2016/3/14</a:t>
+              <a:t>4/9/16</a:t>
             </a:fld>
             <a:endParaRPr kumimoji="1" lang="ja-JP" altLang="en-US"/>
           </a:p>
@@ -2997,7 +2997,7 @@
           <a:p>
             <a:fld id="{A8E9A745-3EA7-7E4D-86A9-68F556C25F1D}" type="datetimeFigureOut">
               <a:rPr kumimoji="1" lang="ja-JP" altLang="en-US" smtClean="0"/>
-              <a:t>2016/3/14</a:t>
+              <a:t>4/9/16</a:t>
             </a:fld>
             <a:endParaRPr kumimoji="1" lang="ja-JP" altLang="en-US"/>
           </a:p>
@@ -3250,7 +3250,7 @@
           <a:p>
             <a:fld id="{A8E9A745-3EA7-7E4D-86A9-68F556C25F1D}" type="datetimeFigureOut">
               <a:rPr kumimoji="1" lang="ja-JP" altLang="en-US" smtClean="0"/>
-              <a:t>2016/3/14</a:t>
+              <a:t>4/9/16</a:t>
             </a:fld>
             <a:endParaRPr kumimoji="1" lang="ja-JP" altLang="en-US"/>
           </a:p>
@@ -3495,7 +3495,7 @@
           <a:p>
             <a:fld id="{A8E9A745-3EA7-7E4D-86A9-68F556C25F1D}" type="datetimeFigureOut">
               <a:rPr kumimoji="1" lang="ja-JP" altLang="en-US" smtClean="0"/>
-              <a:t>2016/3/14</a:t>
+              <a:t>4/9/16</a:t>
             </a:fld>
             <a:endParaRPr kumimoji="1" lang="ja-JP" altLang="en-US"/>
           </a:p>
@@ -7272,7 +7272,7 @@
         <p:spPr>
           <a:xfrm>
             <a:off x="6514726" y="4856200"/>
-            <a:ext cx="284480" cy="0"/>
+            <a:ext cx="356339" cy="0"/>
           </a:xfrm>
           <a:prstGeom prst="line">
             <a:avLst/>
@@ -7308,7 +7308,7 @@
         <p:spPr>
           <a:xfrm>
             <a:off x="6524886" y="5370550"/>
-            <a:ext cx="284480" cy="0"/>
+            <a:ext cx="346179" cy="438"/>
           </a:xfrm>
           <a:prstGeom prst="line">
             <a:avLst/>
@@ -16771,7 +16771,7 @@
     </a:clrScheme>
     <a:fontScheme name="Office">
       <a:majorFont>
-        <a:latin typeface="Calibri Light" panose="020F0302020204030204"/>
+        <a:latin typeface="Calibri Light"/>
         <a:ea typeface=""/>
         <a:cs typeface=""/>
         <a:font script="Jpan" typeface="ＭＳ Ｐゴシック"/>
@@ -16806,7 +16806,7 @@
         <a:font script="Geor" typeface="Sylfaen"/>
       </a:majorFont>
       <a:minorFont>
-        <a:latin typeface="Calibri" panose="020F0502020204030204"/>
+        <a:latin typeface="Calibri"/>
         <a:ea typeface=""/>
         <a:cs typeface=""/>
         <a:font script="Jpan" typeface="ＭＳ Ｐゴシック"/>
@@ -16983,7 +16983,7 @@
   <a:extraClrSchemeLst/>
   <a:extLst>
     <a:ext uri="{05A4C25C-085E-4340-85A3-A5531E510DB2}">
-      <thm15:themeFamily xmlns:thm15="http://schemas.microsoft.com/office/thememl/2012/main" name="Office Theme" id="{62F939B6-93AF-4DB8-9C6B-D6C7DFDC589F}" vid="{4A3C46E8-61CC-4603-A589-7422A47A8E4A}"/>
+      <thm15:themeFamily xmlns:thm15="http://schemas.microsoft.com/office/thememl/2012/main" xmlns="" name="Office Theme" id="{62F939B6-93AF-4DB8-9C6B-D6C7DFDC589F}" vid="{4A3C46E8-61CC-4603-A589-7422A47A8E4A}"/>
     </a:ext>
   </a:extLst>
 </a:theme>
